--- a/docs/lecture_slides/Week 5/Week5_Lecture9_Slides_2_9_2024.pptx
+++ b/docs/lecture_slides/Week 5/Week5_Lecture9_Slides_2_9_2024.pptx
@@ -3651,8 +3651,8 @@
           </a:p>
         </p:txBody>
       </p:sp>
-      <mc:AlternateContent xmlns:mc="http://schemas.openxmlformats.org/markup-compatibility/2006">
-        <mc:Choice xmlns:a14="http://schemas.microsoft.com/office/drawing/2010/main" Requires="a14">
+      <mc:AlternateContent xmlns:mc="http://schemas.openxmlformats.org/markup-compatibility/2006" xmlns:a14="http://schemas.microsoft.com/office/drawing/2010/main">
+        <mc:Choice Requires="a14">
           <p:sp>
             <p:nvSpPr>
               <p:cNvPr id="3" name="Content Placeholder 2">
@@ -4075,7 +4075,7 @@
             </p:txBody>
           </p:sp>
         </mc:Choice>
-        <mc:Fallback>
+        <mc:Fallback xmlns="">
           <p:sp>
             <p:nvSpPr>
               <p:cNvPr id="3" name="Content Placeholder 2">
@@ -11871,151 +11871,56 @@
           </a:p>
         </p:txBody>
       </p:sp>
-      <mc:AlternateContent xmlns:mc="http://schemas.openxmlformats.org/markup-compatibility/2006" xmlns:a14="http://schemas.microsoft.com/office/drawing/2010/main">
-        <mc:Choice Requires="a14">
-          <p:sp>
-            <p:nvSpPr>
-              <p:cNvPr id="3" name="Content Placeholder 2">
-                <a:extLst>
-                  <a:ext uri="{FF2B5EF4-FFF2-40B4-BE49-F238E27FC236}">
-                    <a16:creationId xmlns:a16="http://schemas.microsoft.com/office/drawing/2014/main" id="{B0B89DD0-D2F8-603D-5E61-1AF9664D87A7}"/>
-                  </a:ext>
-                </a:extLst>
-              </p:cNvPr>
-              <p:cNvSpPr>
-                <a:spLocks noGrp="1"/>
-              </p:cNvSpPr>
-              <p:nvPr>
-                <p:ph idx="1"/>
-              </p:nvPr>
-            </p:nvSpPr>
-            <p:spPr>
-              <a:xfrm>
-                <a:off x="466725" y="1706924"/>
-                <a:ext cx="4269370" cy="3074626"/>
-              </a:xfrm>
-            </p:spPr>
-            <p:txBody>
-              <a:bodyPr>
-                <a:normAutofit/>
-              </a:bodyPr>
-              <a:lstStyle/>
-              <a:p>
-                <a:r>
-                  <a:rPr lang="en-US" dirty="0"/>
-                  <a:t>Five number summary: </a:t>
-                </a:r>
-              </a:p>
-              <a:p>
-                <a:pPr marL="514350" indent="-514350">
-                  <a:buAutoNum type="arabicPlain" startAt="23"/>
-                </a:pPr>
-                <a:r>
-                  <a:rPr lang="en-US" dirty="0"/>
-                  <a:t>34  40  34  50 </a:t>
-                </a:r>
-              </a:p>
-              <a:p>
-                <a:pPr marL="0" indent="0">
-                  <a:buNone/>
-                </a:pPr>
-                <a:endParaRPr lang="en-US" dirty="0"/>
-              </a:p>
-              <a:p>
-                <a:r>
-                  <a:rPr lang="en-US" dirty="0"/>
-                  <a:t>Mean and SD:</a:t>
-                </a:r>
-              </a:p>
-              <a:p>
-                <a:pPr marL="0" indent="0">
-                  <a:buNone/>
-                </a:pPr>
-                <a14:m>
-                  <m:oMathPara xmlns:m="http://schemas.openxmlformats.org/officeDocument/2006/math">
-                    <m:oMathParaPr>
-                      <m:jc m:val="centerGroup"/>
-                    </m:oMathParaPr>
-                    <m:oMath xmlns:m="http://schemas.openxmlformats.org/officeDocument/2006/math">
-                      <m:acc>
-                        <m:accPr>
-                          <m:chr m:val="̅"/>
-                          <m:ctrlPr>
-                            <a:rPr lang="en-US" b="0" i="1" smtClean="0">
-                              <a:latin typeface="Cambria Math" panose="02040503050406030204" pitchFamily="18" charset="0"/>
-                            </a:rPr>
-                          </m:ctrlPr>
-                        </m:accPr>
-                        <m:e>
-                          <m:r>
-                            <a:rPr lang="en-US" b="0" i="1" smtClean="0">
-                              <a:latin typeface="Cambria Math" panose="02040503050406030204" pitchFamily="18" charset="0"/>
-                            </a:rPr>
-                            <m:t>𝑥</m:t>
-                          </m:r>
-                        </m:e>
-                      </m:acc>
-                      <m:r>
-                        <a:rPr lang="en-US" b="0" i="1" dirty="0" smtClean="0">
-                          <a:latin typeface="Cambria Math" panose="02040503050406030204" pitchFamily="18" charset="0"/>
-                        </a:rPr>
-                        <m:t>39</m:t>
-                      </m:r>
-                    </m:oMath>
-                  </m:oMathPara>
-                </a14:m>
-                <a:endParaRPr lang="en-US" dirty="0"/>
-              </a:p>
-              <a:p>
-                <a:endParaRPr lang="en-US" dirty="0"/>
-              </a:p>
-            </p:txBody>
-          </p:sp>
-        </mc:Choice>
-        <mc:Fallback xmlns="">
-          <p:sp>
-            <p:nvSpPr>
-              <p:cNvPr id="3" name="Content Placeholder 2">
-                <a:extLst>
-                  <a:ext uri="{FF2B5EF4-FFF2-40B4-BE49-F238E27FC236}">
-                    <a16:creationId xmlns:a16="http://schemas.microsoft.com/office/drawing/2014/main" id="{B0B89DD0-D2F8-603D-5E61-1AF9664D87A7}"/>
-                  </a:ext>
-                </a:extLst>
-              </p:cNvPr>
-              <p:cNvSpPr>
-                <a:spLocks noGrp="1" noRot="1" noChangeAspect="1" noMove="1" noResize="1" noEditPoints="1" noAdjustHandles="1" noChangeArrowheads="1" noChangeShapeType="1" noTextEdit="1"/>
-              </p:cNvSpPr>
-              <p:nvPr>
-                <p:ph idx="1"/>
-              </p:nvPr>
-            </p:nvSpPr>
-            <p:spPr>
-              <a:xfrm>
-                <a:off x="466725" y="1706924"/>
-                <a:ext cx="4269370" cy="3074626"/>
-              </a:xfrm>
-              <a:blipFill>
-                <a:blip r:embed="rId3"/>
-                <a:stretch>
-                  <a:fillRect l="-3000" t="-3175"/>
-                </a:stretch>
-              </a:blipFill>
-            </p:spPr>
-            <p:txBody>
-              <a:bodyPr/>
-              <a:lstStyle/>
-              <a:p>
-                <a:r>
-                  <a:rPr lang="en-US">
-                    <a:noFill/>
-                  </a:rPr>
-                  <a:t> </a:t>
-                </a:r>
-              </a:p>
-            </p:txBody>
-          </p:sp>
-        </mc:Fallback>
-      </mc:AlternateContent>
+      <p:sp>
+        <p:nvSpPr>
+          <p:cNvPr id="3" name="Content Placeholder 2">
+            <a:extLst>
+              <a:ext uri="{FF2B5EF4-FFF2-40B4-BE49-F238E27FC236}">
+                <a16:creationId xmlns:a16="http://schemas.microsoft.com/office/drawing/2014/main" id="{B0B89DD0-D2F8-603D-5E61-1AF9664D87A7}"/>
+              </a:ext>
+            </a:extLst>
+          </p:cNvPr>
+          <p:cNvSpPr>
+            <a:spLocks noGrp="1"/>
+          </p:cNvSpPr>
+          <p:nvPr>
+            <p:ph idx="1"/>
+          </p:nvPr>
+        </p:nvSpPr>
+        <p:spPr>
+          <a:xfrm>
+            <a:off x="466725" y="1706924"/>
+            <a:ext cx="4269370" cy="3074626"/>
+          </a:xfrm>
+        </p:spPr>
+        <p:txBody>
+          <a:bodyPr>
+            <a:normAutofit/>
+          </a:bodyPr>
+          <a:lstStyle/>
+          <a:p>
+            <a:r>
+              <a:rPr lang="en-US" dirty="0"/>
+              <a:t>Five number summary: </a:t>
+            </a:r>
+          </a:p>
+          <a:p>
+            <a:pPr marL="514350" indent="-514350">
+              <a:buAutoNum type="arabicPlain" startAt="23"/>
+            </a:pPr>
+            <a:r>
+              <a:rPr lang="en-US" dirty="0"/>
+              <a:t>34  40  34  50 </a:t>
+            </a:r>
+          </a:p>
+          <a:p>
+            <a:pPr marL="0" indent="0">
+              <a:buNone/>
+            </a:pPr>
+            <a:endParaRPr lang="en-US" dirty="0"/>
+          </a:p>
+        </p:txBody>
+      </p:sp>
     </p:spTree>
     <p:extLst>
       <p:ext uri="{BB962C8B-B14F-4D97-AF65-F5344CB8AC3E}">
@@ -12367,10 +12272,73 @@
         </p:nvSpPr>
         <p:spPr/>
         <p:txBody>
-          <a:bodyPr/>
+          <a:bodyPr>
+            <a:normAutofit fontScale="92500" lnSpcReduction="20000"/>
+          </a:bodyPr>
           <a:lstStyle/>
           <a:p>
-            <a:endParaRPr lang="en-US"/>
+            <a:r>
+              <a:rPr lang="en-US" dirty="0"/>
+              <a:t>Sampling distributions</a:t>
+            </a:r>
+          </a:p>
+          <a:p>
+            <a:pPr lvl="1"/>
+            <a:r>
+              <a:rPr lang="en-US" dirty="0"/>
+              <a:t>What is a sampling </a:t>
+            </a:r>
+            <a:r>
+              <a:rPr lang="en-US"/>
+              <a:t>distribution?</a:t>
+            </a:r>
+          </a:p>
+          <a:p>
+            <a:pPr marL="457200" lvl="1" indent="0">
+              <a:buNone/>
+            </a:pPr>
+            <a:endParaRPr lang="en-US" dirty="0"/>
+          </a:p>
+          <a:p>
+            <a:r>
+              <a:rPr lang="en-US" dirty="0"/>
+              <a:t>Margin of Error</a:t>
+            </a:r>
+          </a:p>
+          <a:p>
+            <a:pPr lvl="1"/>
+            <a:r>
+              <a:rPr lang="en-US" dirty="0"/>
+              <a:t>What is the margin of error?</a:t>
+            </a:r>
+          </a:p>
+          <a:p>
+            <a:pPr lvl="1"/>
+            <a:endParaRPr lang="en-US" dirty="0"/>
+          </a:p>
+          <a:p>
+            <a:r>
+              <a:rPr lang="en-US" dirty="0"/>
+              <a:t>What is a statistically significant result?</a:t>
+            </a:r>
+          </a:p>
+          <a:p>
+            <a:endParaRPr lang="en-US" dirty="0"/>
+          </a:p>
+          <a:p>
+            <a:r>
+              <a:rPr lang="en-US" dirty="0"/>
+              <a:t>Observation vs Experimental Study</a:t>
+            </a:r>
+          </a:p>
+          <a:p>
+            <a:endParaRPr lang="en-US" dirty="0"/>
+          </a:p>
+          <a:p>
+            <a:r>
+              <a:rPr lang="en-US" dirty="0"/>
+              <a:t>Causation vs Association</a:t>
+            </a:r>
           </a:p>
         </p:txBody>
       </p:sp>

--- a/docs/lecture_slides/Week 5/Week5_Lecture9_Slides_2_9_2024.pptx
+++ b/docs/lecture_slides/Week 5/Week5_Lecture9_Slides_2_9_2024.pptx
@@ -16,15 +16,6 @@
     <p:sldId id="291" r:id="rId10"/>
     <p:sldId id="282" r:id="rId11"/>
     <p:sldId id="290" r:id="rId12"/>
-    <p:sldId id="293" r:id="rId13"/>
-    <p:sldId id="286" r:id="rId14"/>
-    <p:sldId id="295" r:id="rId15"/>
-    <p:sldId id="296" r:id="rId16"/>
-    <p:sldId id="298" r:id="rId17"/>
-    <p:sldId id="287" r:id="rId18"/>
-    <p:sldId id="297" r:id="rId19"/>
-    <p:sldId id="299" r:id="rId20"/>
-    <p:sldId id="281" r:id="rId21"/>
   </p:sldIdLst>
   <p:sldSz cx="12192000" cy="6858000"/>
   <p:notesSz cx="6858000" cy="9144000"/>
@@ -278,7 +269,7 @@
           <a:p>
             <a:fld id="{16242ECF-4EC5-4F6F-92F2-C9C58BEB3FE8}" type="datetimeFigureOut">
               <a:rPr lang="en-US" smtClean="0"/>
-              <a:t>2/9/2024</a:t>
+              <a:t>2/11/2024</a:t>
             </a:fld>
             <a:endParaRPr lang="en-US"/>
           </a:p>
@@ -476,7 +467,7 @@
           <a:p>
             <a:fld id="{16242ECF-4EC5-4F6F-92F2-C9C58BEB3FE8}" type="datetimeFigureOut">
               <a:rPr lang="en-US" smtClean="0"/>
-              <a:t>2/9/2024</a:t>
+              <a:t>2/11/2024</a:t>
             </a:fld>
             <a:endParaRPr lang="en-US"/>
           </a:p>
@@ -684,7 +675,7 @@
           <a:p>
             <a:fld id="{16242ECF-4EC5-4F6F-92F2-C9C58BEB3FE8}" type="datetimeFigureOut">
               <a:rPr lang="en-US" smtClean="0"/>
-              <a:t>2/9/2024</a:t>
+              <a:t>2/11/2024</a:t>
             </a:fld>
             <a:endParaRPr lang="en-US"/>
           </a:p>
@@ -882,7 +873,7 @@
           <a:p>
             <a:fld id="{16242ECF-4EC5-4F6F-92F2-C9C58BEB3FE8}" type="datetimeFigureOut">
               <a:rPr lang="en-US" smtClean="0"/>
-              <a:t>2/9/2024</a:t>
+              <a:t>2/11/2024</a:t>
             </a:fld>
             <a:endParaRPr lang="en-US"/>
           </a:p>
@@ -1157,7 +1148,7 @@
           <a:p>
             <a:fld id="{16242ECF-4EC5-4F6F-92F2-C9C58BEB3FE8}" type="datetimeFigureOut">
               <a:rPr lang="en-US" smtClean="0"/>
-              <a:t>2/9/2024</a:t>
+              <a:t>2/11/2024</a:t>
             </a:fld>
             <a:endParaRPr lang="en-US"/>
           </a:p>
@@ -1422,7 +1413,7 @@
           <a:p>
             <a:fld id="{16242ECF-4EC5-4F6F-92F2-C9C58BEB3FE8}" type="datetimeFigureOut">
               <a:rPr lang="en-US" smtClean="0"/>
-              <a:t>2/9/2024</a:t>
+              <a:t>2/11/2024</a:t>
             </a:fld>
             <a:endParaRPr lang="en-US"/>
           </a:p>
@@ -1834,7 +1825,7 @@
           <a:p>
             <a:fld id="{16242ECF-4EC5-4F6F-92F2-C9C58BEB3FE8}" type="datetimeFigureOut">
               <a:rPr lang="en-US" smtClean="0"/>
-              <a:t>2/9/2024</a:t>
+              <a:t>2/11/2024</a:t>
             </a:fld>
             <a:endParaRPr lang="en-US"/>
           </a:p>
@@ -1975,7 +1966,7 @@
           <a:p>
             <a:fld id="{16242ECF-4EC5-4F6F-92F2-C9C58BEB3FE8}" type="datetimeFigureOut">
               <a:rPr lang="en-US" smtClean="0"/>
-              <a:t>2/9/2024</a:t>
+              <a:t>2/11/2024</a:t>
             </a:fld>
             <a:endParaRPr lang="en-US"/>
           </a:p>
@@ -2088,7 +2079,7 @@
           <a:p>
             <a:fld id="{16242ECF-4EC5-4F6F-92F2-C9C58BEB3FE8}" type="datetimeFigureOut">
               <a:rPr lang="en-US" smtClean="0"/>
-              <a:t>2/9/2024</a:t>
+              <a:t>2/11/2024</a:t>
             </a:fld>
             <a:endParaRPr lang="en-US"/>
           </a:p>
@@ -2399,7 +2390,7 @@
           <a:p>
             <a:fld id="{16242ECF-4EC5-4F6F-92F2-C9C58BEB3FE8}" type="datetimeFigureOut">
               <a:rPr lang="en-US" smtClean="0"/>
-              <a:t>2/9/2024</a:t>
+              <a:t>2/11/2024</a:t>
             </a:fld>
             <a:endParaRPr lang="en-US"/>
           </a:p>
@@ -2687,7 +2678,7 @@
           <a:p>
             <a:fld id="{16242ECF-4EC5-4F6F-92F2-C9C58BEB3FE8}" type="datetimeFigureOut">
               <a:rPr lang="en-US" smtClean="0"/>
-              <a:t>2/9/2024</a:t>
+              <a:t>2/11/2024</a:t>
             </a:fld>
             <a:endParaRPr lang="en-US"/>
           </a:p>
@@ -2928,7 +2919,7 @@
           <a:p>
             <a:fld id="{16242ECF-4EC5-4F6F-92F2-C9C58BEB3FE8}" type="datetimeFigureOut">
               <a:rPr lang="en-US" smtClean="0"/>
-              <a:t>2/9/2024</a:t>
+              <a:t>2/11/2024</a:t>
             </a:fld>
             <a:endParaRPr lang="en-US"/>
           </a:p>
@@ -4132,7670 +4123,6 @@
 </p:sld>
 </file>
 
-<file path=ppt/slides/slide12.xml><?xml version="1.0" encoding="utf-8"?>
-<p:sld xmlns:a="http://schemas.openxmlformats.org/drawingml/2006/main" xmlns:r="http://schemas.openxmlformats.org/officeDocument/2006/relationships" xmlns:p="http://schemas.openxmlformats.org/presentationml/2006/main">
-  <p:cSld>
-    <p:spTree>
-      <p:nvGrpSpPr>
-        <p:cNvPr id="1" name=""/>
-        <p:cNvGrpSpPr/>
-        <p:nvPr/>
-      </p:nvGrpSpPr>
-      <p:grpSpPr>
-        <a:xfrm>
-          <a:off x="0" y="0"/>
-          <a:ext cx="0" cy="0"/>
-          <a:chOff x="0" y="0"/>
-          <a:chExt cx="0" cy="0"/>
-        </a:xfrm>
-      </p:grpSpPr>
-      <p:sp>
-        <p:nvSpPr>
-          <p:cNvPr id="2" name="Title 1">
-            <a:extLst>
-              <a:ext uri="{FF2B5EF4-FFF2-40B4-BE49-F238E27FC236}">
-                <a16:creationId xmlns:a16="http://schemas.microsoft.com/office/drawing/2014/main" id="{DFE9861A-4719-1229-0EB5-C259B808ACEB}"/>
-              </a:ext>
-            </a:extLst>
-          </p:cNvPr>
-          <p:cNvSpPr>
-            <a:spLocks noGrp="1"/>
-          </p:cNvSpPr>
-          <p:nvPr>
-            <p:ph type="title"/>
-          </p:nvPr>
-        </p:nvSpPr>
-        <p:spPr/>
-        <p:txBody>
-          <a:bodyPr/>
-          <a:lstStyle/>
-          <a:p>
-            <a:r>
-              <a:rPr lang="en-US" dirty="0"/>
-              <a:t>Sources of Bias In Surveys</a:t>
-            </a:r>
-          </a:p>
-        </p:txBody>
-      </p:sp>
-      <p:sp>
-        <p:nvSpPr>
-          <p:cNvPr id="3" name="Content Placeholder 2">
-            <a:extLst>
-              <a:ext uri="{FF2B5EF4-FFF2-40B4-BE49-F238E27FC236}">
-                <a16:creationId xmlns:a16="http://schemas.microsoft.com/office/drawing/2014/main" id="{54F56484-1A52-E14A-9D11-BAE84F5B1BC2}"/>
-              </a:ext>
-            </a:extLst>
-          </p:cNvPr>
-          <p:cNvSpPr>
-            <a:spLocks noGrp="1"/>
-          </p:cNvSpPr>
-          <p:nvPr>
-            <p:ph idx="1"/>
-          </p:nvPr>
-        </p:nvSpPr>
-        <p:spPr>
-          <a:xfrm>
-            <a:off x="838200" y="1825625"/>
-            <a:ext cx="10515600" cy="4852266"/>
-          </a:xfrm>
-        </p:spPr>
-        <p:txBody>
-          <a:bodyPr>
-            <a:normAutofit fontScale="85000" lnSpcReduction="20000"/>
-          </a:bodyPr>
-          <a:lstStyle/>
-          <a:p>
-            <a:r>
-              <a:rPr lang="en-US" b="1" dirty="0"/>
-              <a:t>Bias</a:t>
-            </a:r>
-            <a:r>
-              <a:rPr lang="en-US" dirty="0"/>
-              <a:t> – when a sample is not representative of the population of interest. </a:t>
-            </a:r>
-          </a:p>
-          <a:p>
-            <a:endParaRPr lang="en-US" dirty="0"/>
-          </a:p>
-          <a:p>
-            <a:r>
-              <a:rPr lang="en-US" b="1" dirty="0" err="1"/>
-              <a:t>Undercoverage</a:t>
-            </a:r>
-            <a:r>
-              <a:rPr lang="en-US" dirty="0"/>
-              <a:t> – Bias introduced by having a sampling frame that lacks representation from parts of the population </a:t>
-            </a:r>
-          </a:p>
-          <a:p>
-            <a:pPr marL="457200" lvl="1" indent="0">
-              <a:buNone/>
-            </a:pPr>
-            <a:r>
-              <a:rPr lang="en-US" dirty="0"/>
-              <a:t>- non-random sampling designs are prone to </a:t>
-            </a:r>
-            <a:r>
-              <a:rPr lang="en-US" dirty="0" err="1"/>
-              <a:t>undercoverage</a:t>
-            </a:r>
-            <a:endParaRPr lang="en-US" dirty="0"/>
-          </a:p>
-          <a:p>
-            <a:pPr marL="457200" lvl="1" indent="0">
-              <a:buNone/>
-            </a:pPr>
-            <a:endParaRPr lang="en-US" dirty="0"/>
-          </a:p>
-          <a:p>
-            <a:r>
-              <a:rPr lang="en-US" b="1" dirty="0"/>
-              <a:t>Nonresponse Bias </a:t>
-            </a:r>
-            <a:r>
-              <a:rPr lang="en-US" dirty="0"/>
-              <a:t>– When some of the sampled subjects cannot be reached or refuse to participate </a:t>
-            </a:r>
-          </a:p>
-          <a:p>
-            <a:pPr marL="457200" lvl="1" indent="0">
-              <a:buNone/>
-            </a:pPr>
-            <a:r>
-              <a:rPr lang="en-US" dirty="0"/>
-              <a:t>- most surveys suffer from this kind of bias </a:t>
-            </a:r>
-          </a:p>
-          <a:p>
-            <a:pPr marL="457200" lvl="1" indent="0">
-              <a:buNone/>
-            </a:pPr>
-            <a:r>
-              <a:rPr lang="en-US" dirty="0"/>
-              <a:t>- Current population survey of the U.S Census Bureau has a nonresponse rate of about 7% </a:t>
-            </a:r>
-          </a:p>
-          <a:p>
-            <a:pPr marL="457200" lvl="1" indent="0">
-              <a:buNone/>
-            </a:pPr>
-            <a:endParaRPr lang="en-US" dirty="0"/>
-          </a:p>
-          <a:p>
-            <a:r>
-              <a:rPr lang="en-US" b="1" dirty="0"/>
-              <a:t>Response Bias </a:t>
-            </a:r>
-            <a:r>
-              <a:rPr lang="en-US" dirty="0"/>
-              <a:t>– When survey question is asked in a leading way or a subjects emotions affect how they respond</a:t>
-            </a:r>
-          </a:p>
-          <a:p>
-            <a:endParaRPr lang="en-US" dirty="0"/>
-          </a:p>
-          <a:p>
-            <a:r>
-              <a:rPr lang="en-US" dirty="0"/>
-              <a:t>A large sample size does NOT guarantee an unbiased sample!</a:t>
-            </a:r>
-          </a:p>
-        </p:txBody>
-      </p:sp>
-    </p:spTree>
-    <p:extLst>
-      <p:ext uri="{BB962C8B-B14F-4D97-AF65-F5344CB8AC3E}">
-        <p14:creationId xmlns:p14="http://schemas.microsoft.com/office/powerpoint/2010/main" val="665924675"/>
-      </p:ext>
-    </p:extLst>
-  </p:cSld>
-  <p:clrMapOvr>
-    <a:masterClrMapping/>
-  </p:clrMapOvr>
-</p:sld>
-</file>
-
-<file path=ppt/slides/slide13.xml><?xml version="1.0" encoding="utf-8"?>
-<p:sld xmlns:a="http://schemas.openxmlformats.org/drawingml/2006/main" xmlns:r="http://schemas.openxmlformats.org/officeDocument/2006/relationships" xmlns:p="http://schemas.openxmlformats.org/presentationml/2006/main">
-  <p:cSld>
-    <p:spTree>
-      <p:nvGrpSpPr>
-        <p:cNvPr id="1" name=""/>
-        <p:cNvGrpSpPr/>
-        <p:nvPr/>
-      </p:nvGrpSpPr>
-      <p:grpSpPr>
-        <a:xfrm>
-          <a:off x="0" y="0"/>
-          <a:ext cx="0" cy="0"/>
-          <a:chOff x="0" y="0"/>
-          <a:chExt cx="0" cy="0"/>
-        </a:xfrm>
-      </p:grpSpPr>
-      <p:sp>
-        <p:nvSpPr>
-          <p:cNvPr id="2" name="Title 1">
-            <a:extLst>
-              <a:ext uri="{FF2B5EF4-FFF2-40B4-BE49-F238E27FC236}">
-                <a16:creationId xmlns:a16="http://schemas.microsoft.com/office/drawing/2014/main" id="{174DB47D-4724-1ADB-6859-0FE1D65CE0B8}"/>
-              </a:ext>
-            </a:extLst>
-          </p:cNvPr>
-          <p:cNvSpPr>
-            <a:spLocks noGrp="1"/>
-          </p:cNvSpPr>
-          <p:nvPr>
-            <p:ph type="title"/>
-          </p:nvPr>
-        </p:nvSpPr>
-        <p:spPr/>
-        <p:txBody>
-          <a:bodyPr/>
-          <a:lstStyle/>
-          <a:p>
-            <a:r>
-              <a:rPr lang="en-US" dirty="0"/>
-              <a:t>More complex methods of sampling</a:t>
-            </a:r>
-          </a:p>
-        </p:txBody>
-      </p:sp>
-      <mc:AlternateContent xmlns:mc="http://schemas.openxmlformats.org/markup-compatibility/2006" xmlns:a14="http://schemas.microsoft.com/office/drawing/2010/main">
-        <mc:Choice Requires="a14">
-          <p:sp>
-            <p:nvSpPr>
-              <p:cNvPr id="3" name="Content Placeholder 2">
-                <a:extLst>
-                  <a:ext uri="{FF2B5EF4-FFF2-40B4-BE49-F238E27FC236}">
-                    <a16:creationId xmlns:a16="http://schemas.microsoft.com/office/drawing/2014/main" id="{C4D320BF-5B89-9533-ACA4-9A8F994C7D74}"/>
-                  </a:ext>
-                </a:extLst>
-              </p:cNvPr>
-              <p:cNvSpPr>
-                <a:spLocks noGrp="1"/>
-              </p:cNvSpPr>
-              <p:nvPr>
-                <p:ph idx="1"/>
-              </p:nvPr>
-            </p:nvSpPr>
-            <p:spPr/>
-            <p:txBody>
-              <a:bodyPr>
-                <a:normAutofit fontScale="92500" lnSpcReduction="20000"/>
-              </a:bodyPr>
-              <a:lstStyle/>
-              <a:p>
-                <a:pPr marL="0" indent="0">
-                  <a:buNone/>
-                </a:pPr>
-                <a:endParaRPr lang="en-US" b="1" dirty="0"/>
-              </a:p>
-              <a:p>
-                <a:r>
-                  <a:rPr lang="en-US" b="1" dirty="0"/>
-                  <a:t>Systematic Sampling </a:t>
-                </a:r>
-                <a:r>
-                  <a:rPr lang="en-US" dirty="0"/>
-                  <a:t>– A sampling method in which the researcher selects every </a:t>
-                </a:r>
-                <a14:m>
-                  <m:oMath xmlns:m="http://schemas.openxmlformats.org/officeDocument/2006/math">
-                    <m:sSup>
-                      <m:sSupPr>
-                        <m:ctrlPr>
-                          <a:rPr lang="en-US" b="0" i="1" smtClean="0">
-                            <a:latin typeface="Cambria Math" panose="02040503050406030204" pitchFamily="18" charset="0"/>
-                          </a:rPr>
-                        </m:ctrlPr>
-                      </m:sSupPr>
-                      <m:e>
-                        <m:r>
-                          <a:rPr lang="en-US" b="0" i="1" smtClean="0">
-                            <a:latin typeface="Cambria Math" panose="02040503050406030204" pitchFamily="18" charset="0"/>
-                          </a:rPr>
-                          <m:t>𝑘</m:t>
-                        </m:r>
-                      </m:e>
-                      <m:sup>
-                        <m:r>
-                          <a:rPr lang="en-US" b="0" i="1" smtClean="0">
-                            <a:latin typeface="Cambria Math" panose="02040503050406030204" pitchFamily="18" charset="0"/>
-                          </a:rPr>
-                          <m:t>𝑡h</m:t>
-                        </m:r>
-                      </m:sup>
-                    </m:sSup>
-                  </m:oMath>
-                </a14:m>
-                <a:r>
-                  <a:rPr lang="en-US" b="1" dirty="0"/>
-                  <a:t> </a:t>
-                </a:r>
-                <a:r>
-                  <a:rPr lang="en-US" dirty="0"/>
-                  <a:t>subject from an ordered sampling frame</a:t>
-                </a:r>
-                <a:endParaRPr lang="en-US" b="1" dirty="0"/>
-              </a:p>
-              <a:p>
-                <a:endParaRPr lang="en-US" b="1" dirty="0"/>
-              </a:p>
-              <a:p>
-                <a:r>
-                  <a:rPr lang="en-US" b="1" dirty="0"/>
-                  <a:t>Cluster sampling </a:t>
-                </a:r>
-                <a:r>
-                  <a:rPr lang="en-US" dirty="0"/>
-                  <a:t>– A type of sampling method in which the population is divided in a set of clusters and the researcher selects a simple random sample of the clusters. The sample then comprises all subjects in the selected clusters.</a:t>
-                </a:r>
-                <a:endParaRPr lang="en-US" b="1" dirty="0"/>
-              </a:p>
-              <a:p>
-                <a:endParaRPr lang="en-US" b="1" dirty="0"/>
-              </a:p>
-              <a:p>
-                <a:r>
-                  <a:rPr lang="en-US" b="1" dirty="0"/>
-                  <a:t>Stratified Random Sampling </a:t>
-                </a:r>
-                <a:r>
-                  <a:rPr lang="en-US" dirty="0"/>
-                  <a:t>– A type of sampling method in which the population is separated into groups, call </a:t>
-                </a:r>
-                <a:r>
-                  <a:rPr lang="en-US" b="1" dirty="0"/>
-                  <a:t>strata</a:t>
-                </a:r>
-                <a:r>
-                  <a:rPr lang="en-US" dirty="0"/>
-                  <a:t>, based on some characteristic about the subjects. A simple random sample is then taken from </a:t>
-                </a:r>
-                <a:r>
-                  <a:rPr lang="en-US" u="sng" dirty="0"/>
-                  <a:t>each</a:t>
-                </a:r>
-                <a:r>
-                  <a:rPr lang="en-US" dirty="0"/>
-                  <a:t> stratum. </a:t>
-                </a:r>
-              </a:p>
-              <a:p>
-                <a:endParaRPr lang="en-US" b="1" dirty="0"/>
-              </a:p>
-              <a:p>
-                <a:endParaRPr lang="en-US" b="1" dirty="0"/>
-              </a:p>
-            </p:txBody>
-          </p:sp>
-        </mc:Choice>
-        <mc:Fallback xmlns="">
-          <p:sp>
-            <p:nvSpPr>
-              <p:cNvPr id="3" name="Content Placeholder 2">
-                <a:extLst>
-                  <a:ext uri="{FF2B5EF4-FFF2-40B4-BE49-F238E27FC236}">
-                    <a16:creationId xmlns:a16="http://schemas.microsoft.com/office/drawing/2014/main" id="{C4D320BF-5B89-9533-ACA4-9A8F994C7D74}"/>
-                  </a:ext>
-                </a:extLst>
-              </p:cNvPr>
-              <p:cNvSpPr>
-                <a:spLocks noGrp="1" noRot="1" noChangeAspect="1" noMove="1" noResize="1" noEditPoints="1" noAdjustHandles="1" noChangeArrowheads="1" noChangeShapeType="1" noTextEdit="1"/>
-              </p:cNvSpPr>
-              <p:nvPr>
-                <p:ph idx="1"/>
-              </p:nvPr>
-            </p:nvSpPr>
-            <p:spPr>
-              <a:blipFill>
-                <a:blip r:embed="rId2"/>
-                <a:stretch>
-                  <a:fillRect l="-928" r="-116" b="-3782"/>
-                </a:stretch>
-              </a:blipFill>
-            </p:spPr>
-            <p:txBody>
-              <a:bodyPr/>
-              <a:lstStyle/>
-              <a:p>
-                <a:r>
-                  <a:rPr lang="en-US">
-                    <a:noFill/>
-                  </a:rPr>
-                  <a:t> </a:t>
-                </a:r>
-              </a:p>
-            </p:txBody>
-          </p:sp>
-        </mc:Fallback>
-      </mc:AlternateContent>
-    </p:spTree>
-    <p:extLst>
-      <p:ext uri="{BB962C8B-B14F-4D97-AF65-F5344CB8AC3E}">
-        <p14:creationId xmlns:p14="http://schemas.microsoft.com/office/powerpoint/2010/main" val="1711901651"/>
-      </p:ext>
-    </p:extLst>
-  </p:cSld>
-  <p:clrMapOvr>
-    <a:masterClrMapping/>
-  </p:clrMapOvr>
-</p:sld>
-</file>
-
-<file path=ppt/slides/slide14.xml><?xml version="1.0" encoding="utf-8"?>
-<p:sld xmlns:a="http://schemas.openxmlformats.org/drawingml/2006/main" xmlns:r="http://schemas.openxmlformats.org/officeDocument/2006/relationships" xmlns:p="http://schemas.openxmlformats.org/presentationml/2006/main">
-  <p:cSld>
-    <p:spTree>
-      <p:nvGrpSpPr>
-        <p:cNvPr id="1" name=""/>
-        <p:cNvGrpSpPr/>
-        <p:nvPr/>
-      </p:nvGrpSpPr>
-      <p:grpSpPr>
-        <a:xfrm>
-          <a:off x="0" y="0"/>
-          <a:ext cx="0" cy="0"/>
-          <a:chOff x="0" y="0"/>
-          <a:chExt cx="0" cy="0"/>
-        </a:xfrm>
-      </p:grpSpPr>
-      <p:grpSp>
-        <p:nvGrpSpPr>
-          <p:cNvPr id="57" name="Group 56">
-            <a:extLst>
-              <a:ext uri="{FF2B5EF4-FFF2-40B4-BE49-F238E27FC236}">
-                <a16:creationId xmlns:a16="http://schemas.microsoft.com/office/drawing/2014/main" id="{D3E37BEA-A919-109C-6061-844EE6F27402}"/>
-              </a:ext>
-            </a:extLst>
-          </p:cNvPr>
-          <p:cNvGrpSpPr/>
-          <p:nvPr/>
-        </p:nvGrpSpPr>
-        <p:grpSpPr>
-          <a:xfrm>
-            <a:off x="7291056" y="570470"/>
-            <a:ext cx="4514850" cy="2362200"/>
-            <a:chOff x="247360" y="683260"/>
-            <a:chExt cx="4514850" cy="2362200"/>
-          </a:xfrm>
-        </p:grpSpPr>
-        <p:pic>
-          <p:nvPicPr>
-            <p:cNvPr id="7" name="Graphic 6" descr="Man with solid fill">
-              <a:extLst>
-                <a:ext uri="{FF2B5EF4-FFF2-40B4-BE49-F238E27FC236}">
-                  <a16:creationId xmlns:a16="http://schemas.microsoft.com/office/drawing/2014/main" id="{1DAF03B9-2DA4-93E3-94F6-6F8F905EA987}"/>
-                </a:ext>
-              </a:extLst>
-            </p:cNvPr>
-            <p:cNvPicPr>
-              <a:picLocks noChangeAspect="1"/>
-            </p:cNvPicPr>
-            <p:nvPr/>
-          </p:nvPicPr>
-          <p:blipFill>
-            <a:blip r:embed="rId2">
-              <a:extLst>
-                <a:ext uri="{28A0092B-C50C-407E-A947-70E740481C1C}">
-                  <a14:useLocalDpi xmlns:a14="http://schemas.microsoft.com/office/drawing/2010/main" val="0"/>
-                </a:ext>
-                <a:ext uri="{96DAC541-7B7A-43D3-8B79-37D633B846F1}">
-                  <asvg:svgBlip xmlns:asvg="http://schemas.microsoft.com/office/drawing/2016/SVG/main" r:embed="rId3"/>
-                </a:ext>
-              </a:extLst>
-            </a:blip>
-            <a:stretch>
-              <a:fillRect/>
-            </a:stretch>
-          </p:blipFill>
-          <p:spPr>
-            <a:xfrm>
-              <a:off x="390235" y="835660"/>
-              <a:ext cx="457200" cy="457200"/>
-            </a:xfrm>
-            <a:prstGeom prst="rect">
-              <a:avLst/>
-            </a:prstGeom>
-          </p:spPr>
-        </p:pic>
-        <p:sp>
-          <p:nvSpPr>
-            <p:cNvPr id="8" name="Rectangle 7">
-              <a:extLst>
-                <a:ext uri="{FF2B5EF4-FFF2-40B4-BE49-F238E27FC236}">
-                  <a16:creationId xmlns:a16="http://schemas.microsoft.com/office/drawing/2014/main" id="{BA59AD1C-75DD-3898-6AD0-A8F1D9BD15DF}"/>
-                </a:ext>
-              </a:extLst>
-            </p:cNvPr>
-            <p:cNvSpPr/>
-            <p:nvPr/>
-          </p:nvSpPr>
-          <p:spPr>
-            <a:xfrm>
-              <a:off x="247360" y="683260"/>
-              <a:ext cx="4514850" cy="2362200"/>
-            </a:xfrm>
-            <a:prstGeom prst="rect">
-              <a:avLst/>
-            </a:prstGeom>
-            <a:noFill/>
-            <a:ln w="38100"/>
-          </p:spPr>
-          <p:style>
-            <a:lnRef idx="2">
-              <a:schemeClr val="accent1">
-                <a:shade val="15000"/>
-              </a:schemeClr>
-            </a:lnRef>
-            <a:fillRef idx="1">
-              <a:schemeClr val="accent1"/>
-            </a:fillRef>
-            <a:effectRef idx="0">
-              <a:schemeClr val="accent1"/>
-            </a:effectRef>
-            <a:fontRef idx="minor">
-              <a:schemeClr val="lt1"/>
-            </a:fontRef>
-          </p:style>
-          <p:txBody>
-            <a:bodyPr rtlCol="0" anchor="ctr"/>
-            <a:lstStyle/>
-            <a:p>
-              <a:pPr algn="ctr"/>
-              <a:endParaRPr lang="en-US"/>
-            </a:p>
-          </p:txBody>
-        </p:sp>
-        <p:pic>
-          <p:nvPicPr>
-            <p:cNvPr id="9" name="Graphic 8" descr="Man with solid fill">
-              <a:extLst>
-                <a:ext uri="{FF2B5EF4-FFF2-40B4-BE49-F238E27FC236}">
-                  <a16:creationId xmlns:a16="http://schemas.microsoft.com/office/drawing/2014/main" id="{3AD73E15-A718-20AD-6631-31EE9F836B92}"/>
-                </a:ext>
-              </a:extLst>
-            </p:cNvPr>
-            <p:cNvPicPr>
-              <a:picLocks noChangeAspect="1"/>
-            </p:cNvPicPr>
-            <p:nvPr/>
-          </p:nvPicPr>
-          <p:blipFill>
-            <a:blip r:embed="rId2">
-              <a:extLst>
-                <a:ext uri="{28A0092B-C50C-407E-A947-70E740481C1C}">
-                  <a14:useLocalDpi xmlns:a14="http://schemas.microsoft.com/office/drawing/2010/main" val="0"/>
-                </a:ext>
-                <a:ext uri="{96DAC541-7B7A-43D3-8B79-37D633B846F1}">
-                  <asvg:svgBlip xmlns:asvg="http://schemas.microsoft.com/office/drawing/2016/SVG/main" r:embed="rId3"/>
-                </a:ext>
-              </a:extLst>
-            </a:blip>
-            <a:stretch>
-              <a:fillRect/>
-            </a:stretch>
-          </p:blipFill>
-          <p:spPr>
-            <a:xfrm>
-              <a:off x="494058" y="1474470"/>
-              <a:ext cx="457200" cy="457200"/>
-            </a:xfrm>
-            <a:prstGeom prst="rect">
-              <a:avLst/>
-            </a:prstGeom>
-          </p:spPr>
-        </p:pic>
-        <p:pic>
-          <p:nvPicPr>
-            <p:cNvPr id="10" name="Graphic 9" descr="Man with solid fill">
-              <a:extLst>
-                <a:ext uri="{FF2B5EF4-FFF2-40B4-BE49-F238E27FC236}">
-                  <a16:creationId xmlns:a16="http://schemas.microsoft.com/office/drawing/2014/main" id="{5F6D7962-8221-2BDC-5819-4549CAF4F224}"/>
-                </a:ext>
-              </a:extLst>
-            </p:cNvPr>
-            <p:cNvPicPr>
-              <a:picLocks noChangeAspect="1"/>
-            </p:cNvPicPr>
-            <p:nvPr/>
-          </p:nvPicPr>
-          <p:blipFill>
-            <a:blip r:embed="rId2">
-              <a:extLst>
-                <a:ext uri="{28A0092B-C50C-407E-A947-70E740481C1C}">
-                  <a14:useLocalDpi xmlns:a14="http://schemas.microsoft.com/office/drawing/2010/main" val="0"/>
-                </a:ext>
-                <a:ext uri="{96DAC541-7B7A-43D3-8B79-37D633B846F1}">
-                  <asvg:svgBlip xmlns:asvg="http://schemas.microsoft.com/office/drawing/2016/SVG/main" r:embed="rId3"/>
-                </a:ext>
-              </a:extLst>
-            </a:blip>
-            <a:stretch>
-              <a:fillRect/>
-            </a:stretch>
-          </p:blipFill>
-          <p:spPr>
-            <a:xfrm>
-              <a:off x="1448462" y="835660"/>
-              <a:ext cx="457200" cy="457200"/>
-            </a:xfrm>
-            <a:prstGeom prst="rect">
-              <a:avLst/>
-            </a:prstGeom>
-          </p:spPr>
-        </p:pic>
-        <p:pic>
-          <p:nvPicPr>
-            <p:cNvPr id="11" name="Graphic 10" descr="Man with solid fill">
-              <a:extLst>
-                <a:ext uri="{FF2B5EF4-FFF2-40B4-BE49-F238E27FC236}">
-                  <a16:creationId xmlns:a16="http://schemas.microsoft.com/office/drawing/2014/main" id="{F72460BC-5FF8-FF9C-4119-41210D6AF9F2}"/>
-                </a:ext>
-              </a:extLst>
-            </p:cNvPr>
-            <p:cNvPicPr>
-              <a:picLocks noChangeAspect="1"/>
-            </p:cNvPicPr>
-            <p:nvPr/>
-          </p:nvPicPr>
-          <p:blipFill>
-            <a:blip r:embed="rId2">
-              <a:extLst>
-                <a:ext uri="{28A0092B-C50C-407E-A947-70E740481C1C}">
-                  <a14:useLocalDpi xmlns:a14="http://schemas.microsoft.com/office/drawing/2010/main" val="0"/>
-                </a:ext>
-                <a:ext uri="{96DAC541-7B7A-43D3-8B79-37D633B846F1}">
-                  <asvg:svgBlip xmlns:asvg="http://schemas.microsoft.com/office/drawing/2016/SVG/main" r:embed="rId3"/>
-                </a:ext>
-              </a:extLst>
-            </a:blip>
-            <a:stretch>
-              <a:fillRect/>
-            </a:stretch>
-          </p:blipFill>
-          <p:spPr>
-            <a:xfrm>
-              <a:off x="2379055" y="1949450"/>
-              <a:ext cx="457200" cy="457200"/>
-            </a:xfrm>
-            <a:prstGeom prst="rect">
-              <a:avLst/>
-            </a:prstGeom>
-          </p:spPr>
-        </p:pic>
-        <p:pic>
-          <p:nvPicPr>
-            <p:cNvPr id="12" name="Graphic 11" descr="Man with solid fill">
-              <a:extLst>
-                <a:ext uri="{FF2B5EF4-FFF2-40B4-BE49-F238E27FC236}">
-                  <a16:creationId xmlns:a16="http://schemas.microsoft.com/office/drawing/2014/main" id="{1079C433-FFD6-555D-783B-1A1BFC37572F}"/>
-                </a:ext>
-              </a:extLst>
-            </p:cNvPr>
-            <p:cNvPicPr>
-              <a:picLocks noChangeAspect="1"/>
-            </p:cNvPicPr>
-            <p:nvPr/>
-          </p:nvPicPr>
-          <p:blipFill>
-            <a:blip r:embed="rId2">
-              <a:extLst>
-                <a:ext uri="{28A0092B-C50C-407E-A947-70E740481C1C}">
-                  <a14:useLocalDpi xmlns:a14="http://schemas.microsoft.com/office/drawing/2010/main" val="0"/>
-                </a:ext>
-                <a:ext uri="{96DAC541-7B7A-43D3-8B79-37D633B846F1}">
-                  <asvg:svgBlip xmlns:asvg="http://schemas.microsoft.com/office/drawing/2016/SVG/main" r:embed="rId3"/>
-                </a:ext>
-              </a:extLst>
-            </a:blip>
-            <a:stretch>
-              <a:fillRect/>
-            </a:stretch>
-          </p:blipFill>
-          <p:spPr>
-            <a:xfrm>
-              <a:off x="986182" y="2054860"/>
-              <a:ext cx="457200" cy="457200"/>
-            </a:xfrm>
-            <a:prstGeom prst="rect">
-              <a:avLst/>
-            </a:prstGeom>
-          </p:spPr>
-        </p:pic>
-        <p:pic>
-          <p:nvPicPr>
-            <p:cNvPr id="13" name="Graphic 12" descr="Man with solid fill">
-              <a:extLst>
-                <a:ext uri="{FF2B5EF4-FFF2-40B4-BE49-F238E27FC236}">
-                  <a16:creationId xmlns:a16="http://schemas.microsoft.com/office/drawing/2014/main" id="{E8DBBCFC-6ECA-D1F1-8D3D-CA888F9E3CA2}"/>
-                </a:ext>
-              </a:extLst>
-            </p:cNvPr>
-            <p:cNvPicPr>
-              <a:picLocks noChangeAspect="1"/>
-            </p:cNvPicPr>
-            <p:nvPr/>
-          </p:nvPicPr>
-          <p:blipFill>
-            <a:blip r:embed="rId2">
-              <a:extLst>
-                <a:ext uri="{28A0092B-C50C-407E-A947-70E740481C1C}">
-                  <a14:useLocalDpi xmlns:a14="http://schemas.microsoft.com/office/drawing/2010/main" val="0"/>
-                </a:ext>
-                <a:ext uri="{96DAC541-7B7A-43D3-8B79-37D633B846F1}">
-                  <asvg:svgBlip xmlns:asvg="http://schemas.microsoft.com/office/drawing/2016/SVG/main" r:embed="rId3"/>
-                </a:ext>
-              </a:extLst>
-            </a:blip>
-            <a:stretch>
-              <a:fillRect/>
-            </a:stretch>
-          </p:blipFill>
-          <p:spPr>
-            <a:xfrm>
-              <a:off x="2379055" y="911860"/>
-              <a:ext cx="457200" cy="457200"/>
-            </a:xfrm>
-            <a:prstGeom prst="rect">
-              <a:avLst/>
-            </a:prstGeom>
-          </p:spPr>
-        </p:pic>
-        <p:pic>
-          <p:nvPicPr>
-            <p:cNvPr id="14" name="Graphic 13" descr="Man with solid fill">
-              <a:extLst>
-                <a:ext uri="{FF2B5EF4-FFF2-40B4-BE49-F238E27FC236}">
-                  <a16:creationId xmlns:a16="http://schemas.microsoft.com/office/drawing/2014/main" id="{71C4D891-8413-22CD-9E2C-4946A2DD796F}"/>
-                </a:ext>
-              </a:extLst>
-            </p:cNvPr>
-            <p:cNvPicPr>
-              <a:picLocks noChangeAspect="1"/>
-            </p:cNvPicPr>
-            <p:nvPr/>
-          </p:nvPicPr>
-          <p:blipFill>
-            <a:blip r:embed="rId2">
-              <a:extLst>
-                <a:ext uri="{28A0092B-C50C-407E-A947-70E740481C1C}">
-                  <a14:useLocalDpi xmlns:a14="http://schemas.microsoft.com/office/drawing/2010/main" val="0"/>
-                </a:ext>
-                <a:ext uri="{96DAC541-7B7A-43D3-8B79-37D633B846F1}">
-                  <asvg:svgBlip xmlns:asvg="http://schemas.microsoft.com/office/drawing/2016/SVG/main" r:embed="rId3"/>
-                </a:ext>
-              </a:extLst>
-            </a:blip>
-            <a:stretch>
-              <a:fillRect/>
-            </a:stretch>
-          </p:blipFill>
-          <p:spPr>
-            <a:xfrm>
-              <a:off x="466435" y="2400300"/>
-              <a:ext cx="457200" cy="457200"/>
-            </a:xfrm>
-            <a:prstGeom prst="rect">
-              <a:avLst/>
-            </a:prstGeom>
-          </p:spPr>
-        </p:pic>
-        <p:pic>
-          <p:nvPicPr>
-            <p:cNvPr id="15" name="Graphic 14" descr="Man with solid fill">
-              <a:extLst>
-                <a:ext uri="{FF2B5EF4-FFF2-40B4-BE49-F238E27FC236}">
-                  <a16:creationId xmlns:a16="http://schemas.microsoft.com/office/drawing/2014/main" id="{43DBD506-5ED9-1B39-4F96-7ED73F1FF00D}"/>
-                </a:ext>
-              </a:extLst>
-            </p:cNvPr>
-            <p:cNvPicPr>
-              <a:picLocks noChangeAspect="1"/>
-            </p:cNvPicPr>
-            <p:nvPr/>
-          </p:nvPicPr>
-          <p:blipFill>
-            <a:blip r:embed="rId2">
-              <a:extLst>
-                <a:ext uri="{28A0092B-C50C-407E-A947-70E740481C1C}">
-                  <a14:useLocalDpi xmlns:a14="http://schemas.microsoft.com/office/drawing/2010/main" val="0"/>
-                </a:ext>
-                <a:ext uri="{96DAC541-7B7A-43D3-8B79-37D633B846F1}">
-                  <asvg:svgBlip xmlns:asvg="http://schemas.microsoft.com/office/drawing/2016/SVG/main" r:embed="rId3"/>
-                </a:ext>
-              </a:extLst>
-            </a:blip>
-            <a:stretch>
-              <a:fillRect/>
-            </a:stretch>
-          </p:blipFill>
-          <p:spPr>
-            <a:xfrm>
-              <a:off x="3534755" y="2212975"/>
-              <a:ext cx="457200" cy="457200"/>
-            </a:xfrm>
-            <a:prstGeom prst="rect">
-              <a:avLst/>
-            </a:prstGeom>
-          </p:spPr>
-        </p:pic>
-        <p:pic>
-          <p:nvPicPr>
-            <p:cNvPr id="16" name="Graphic 15" descr="Man with solid fill">
-              <a:extLst>
-                <a:ext uri="{FF2B5EF4-FFF2-40B4-BE49-F238E27FC236}">
-                  <a16:creationId xmlns:a16="http://schemas.microsoft.com/office/drawing/2014/main" id="{EC5CC392-2D23-D1C8-9DFA-38E09FF32296}"/>
-                </a:ext>
-              </a:extLst>
-            </p:cNvPr>
-            <p:cNvPicPr>
-              <a:picLocks noChangeAspect="1"/>
-            </p:cNvPicPr>
-            <p:nvPr/>
-          </p:nvPicPr>
-          <p:blipFill>
-            <a:blip r:embed="rId2">
-              <a:extLst>
-                <a:ext uri="{28A0092B-C50C-407E-A947-70E740481C1C}">
-                  <a14:useLocalDpi xmlns:a14="http://schemas.microsoft.com/office/drawing/2010/main" val="0"/>
-                </a:ext>
-                <a:ext uri="{96DAC541-7B7A-43D3-8B79-37D633B846F1}">
-                  <asvg:svgBlip xmlns:asvg="http://schemas.microsoft.com/office/drawing/2016/SVG/main" r:embed="rId3"/>
-                </a:ext>
-              </a:extLst>
-            </a:blip>
-            <a:stretch>
-              <a:fillRect/>
-            </a:stretch>
-          </p:blipFill>
-          <p:spPr>
-            <a:xfrm>
-              <a:off x="2925155" y="1140460"/>
-              <a:ext cx="457200" cy="457200"/>
-            </a:xfrm>
-            <a:prstGeom prst="rect">
-              <a:avLst/>
-            </a:prstGeom>
-          </p:spPr>
-        </p:pic>
-        <p:pic>
-          <p:nvPicPr>
-            <p:cNvPr id="17" name="Graphic 16" descr="Man with solid fill">
-              <a:extLst>
-                <a:ext uri="{FF2B5EF4-FFF2-40B4-BE49-F238E27FC236}">
-                  <a16:creationId xmlns:a16="http://schemas.microsoft.com/office/drawing/2014/main" id="{E3F70BFA-49D3-EFEA-A8F0-540E268E041F}"/>
-                </a:ext>
-              </a:extLst>
-            </p:cNvPr>
-            <p:cNvPicPr>
-              <a:picLocks noChangeAspect="1"/>
-            </p:cNvPicPr>
-            <p:nvPr/>
-          </p:nvPicPr>
-          <p:blipFill>
-            <a:blip r:embed="rId2">
-              <a:extLst>
-                <a:ext uri="{28A0092B-C50C-407E-A947-70E740481C1C}">
-                  <a14:useLocalDpi xmlns:a14="http://schemas.microsoft.com/office/drawing/2010/main" val="0"/>
-                </a:ext>
-                <a:ext uri="{96DAC541-7B7A-43D3-8B79-37D633B846F1}">
-                  <asvg:svgBlip xmlns:asvg="http://schemas.microsoft.com/office/drawing/2016/SVG/main" r:embed="rId3"/>
-                </a:ext>
-              </a:extLst>
-            </a:blip>
-            <a:stretch>
-              <a:fillRect/>
-            </a:stretch>
-          </p:blipFill>
-          <p:spPr>
-            <a:xfrm>
-              <a:off x="3763355" y="1362710"/>
-              <a:ext cx="457200" cy="457200"/>
-            </a:xfrm>
-            <a:prstGeom prst="rect">
-              <a:avLst/>
-            </a:prstGeom>
-          </p:spPr>
-        </p:pic>
-        <p:pic>
-          <p:nvPicPr>
-            <p:cNvPr id="18" name="Graphic 17" descr="Man with solid fill">
-              <a:extLst>
-                <a:ext uri="{FF2B5EF4-FFF2-40B4-BE49-F238E27FC236}">
-                  <a16:creationId xmlns:a16="http://schemas.microsoft.com/office/drawing/2014/main" id="{6578F586-9E1C-AE90-2896-F57E65318297}"/>
-                </a:ext>
-              </a:extLst>
-            </p:cNvPr>
-            <p:cNvPicPr>
-              <a:picLocks noChangeAspect="1"/>
-            </p:cNvPicPr>
-            <p:nvPr/>
-          </p:nvPicPr>
-          <p:blipFill>
-            <a:blip r:embed="rId2">
-              <a:extLst>
-                <a:ext uri="{28A0092B-C50C-407E-A947-70E740481C1C}">
-                  <a14:useLocalDpi xmlns:a14="http://schemas.microsoft.com/office/drawing/2010/main" val="0"/>
-                </a:ext>
-                <a:ext uri="{96DAC541-7B7A-43D3-8B79-37D633B846F1}">
-                  <asvg:svgBlip xmlns:asvg="http://schemas.microsoft.com/office/drawing/2016/SVG/main" r:embed="rId3"/>
-                </a:ext>
-              </a:extLst>
-            </a:blip>
-            <a:stretch>
-              <a:fillRect/>
-            </a:stretch>
-          </p:blipFill>
-          <p:spPr>
-            <a:xfrm>
-              <a:off x="4152610" y="759460"/>
-              <a:ext cx="457200" cy="457200"/>
-            </a:xfrm>
-            <a:prstGeom prst="rect">
-              <a:avLst/>
-            </a:prstGeom>
-          </p:spPr>
-        </p:pic>
-        <p:pic>
-          <p:nvPicPr>
-            <p:cNvPr id="19" name="Graphic 18" descr="Man with solid fill">
-              <a:extLst>
-                <a:ext uri="{FF2B5EF4-FFF2-40B4-BE49-F238E27FC236}">
-                  <a16:creationId xmlns:a16="http://schemas.microsoft.com/office/drawing/2014/main" id="{BC467893-AD60-BF81-1FB9-48DC9852DE87}"/>
-                </a:ext>
-              </a:extLst>
-            </p:cNvPr>
-            <p:cNvPicPr>
-              <a:picLocks noChangeAspect="1"/>
-            </p:cNvPicPr>
-            <p:nvPr/>
-          </p:nvPicPr>
-          <p:blipFill>
-            <a:blip r:embed="rId4">
-              <a:extLst>
-                <a:ext uri="{28A0092B-C50C-407E-A947-70E740481C1C}">
-                  <a14:useLocalDpi xmlns:a14="http://schemas.microsoft.com/office/drawing/2010/main" val="0"/>
-                </a:ext>
-                <a:ext uri="{96DAC541-7B7A-43D3-8B79-37D633B846F1}">
-                  <asvg:svgBlip xmlns:asvg="http://schemas.microsoft.com/office/drawing/2016/SVG/main" r:embed="rId5"/>
-                </a:ext>
-              </a:extLst>
-            </a:blip>
-            <a:stretch>
-              <a:fillRect/>
-            </a:stretch>
-          </p:blipFill>
-          <p:spPr>
-            <a:xfrm>
-              <a:off x="1219862" y="1432560"/>
-              <a:ext cx="457200" cy="457200"/>
-            </a:xfrm>
-            <a:prstGeom prst="rect">
-              <a:avLst/>
-            </a:prstGeom>
-          </p:spPr>
-        </p:pic>
-        <p:pic>
-          <p:nvPicPr>
-            <p:cNvPr id="20" name="Graphic 19" descr="Man with solid fill">
-              <a:extLst>
-                <a:ext uri="{FF2B5EF4-FFF2-40B4-BE49-F238E27FC236}">
-                  <a16:creationId xmlns:a16="http://schemas.microsoft.com/office/drawing/2014/main" id="{6D9557FD-2355-5B42-EC44-BA2BD38285C7}"/>
-                </a:ext>
-              </a:extLst>
-            </p:cNvPr>
-            <p:cNvPicPr>
-              <a:picLocks noChangeAspect="1"/>
-            </p:cNvPicPr>
-            <p:nvPr/>
-          </p:nvPicPr>
-          <p:blipFill>
-            <a:blip r:embed="rId4">
-              <a:extLst>
-                <a:ext uri="{28A0092B-C50C-407E-A947-70E740481C1C}">
-                  <a14:useLocalDpi xmlns:a14="http://schemas.microsoft.com/office/drawing/2010/main" val="0"/>
-                </a:ext>
-                <a:ext uri="{96DAC541-7B7A-43D3-8B79-37D633B846F1}">
-                  <asvg:svgBlip xmlns:asvg="http://schemas.microsoft.com/office/drawing/2016/SVG/main" r:embed="rId5"/>
-                </a:ext>
-              </a:extLst>
-            </a:blip>
-            <a:stretch>
-              <a:fillRect/>
-            </a:stretch>
-          </p:blipFill>
-          <p:spPr>
-            <a:xfrm>
-              <a:off x="2173791" y="1430655"/>
-              <a:ext cx="457200" cy="457200"/>
-            </a:xfrm>
-            <a:prstGeom prst="rect">
-              <a:avLst/>
-            </a:prstGeom>
-          </p:spPr>
-        </p:pic>
-        <p:pic>
-          <p:nvPicPr>
-            <p:cNvPr id="21" name="Graphic 20" descr="Man with solid fill">
-              <a:extLst>
-                <a:ext uri="{FF2B5EF4-FFF2-40B4-BE49-F238E27FC236}">
-                  <a16:creationId xmlns:a16="http://schemas.microsoft.com/office/drawing/2014/main" id="{475D7CAB-0DF9-FC14-469A-ACE06B4B7731}"/>
-                </a:ext>
-              </a:extLst>
-            </p:cNvPr>
-            <p:cNvPicPr>
-              <a:picLocks noChangeAspect="1"/>
-            </p:cNvPicPr>
-            <p:nvPr/>
-          </p:nvPicPr>
-          <p:blipFill>
-            <a:blip r:embed="rId4">
-              <a:extLst>
-                <a:ext uri="{28A0092B-C50C-407E-A947-70E740481C1C}">
-                  <a14:useLocalDpi xmlns:a14="http://schemas.microsoft.com/office/drawing/2010/main" val="0"/>
-                </a:ext>
-                <a:ext uri="{96DAC541-7B7A-43D3-8B79-37D633B846F1}">
-                  <asvg:svgBlip xmlns:asvg="http://schemas.microsoft.com/office/drawing/2016/SVG/main" r:embed="rId5"/>
-                </a:ext>
-              </a:extLst>
-            </a:blip>
-            <a:stretch>
-              <a:fillRect/>
-            </a:stretch>
-          </p:blipFill>
-          <p:spPr>
-            <a:xfrm>
-              <a:off x="4044342" y="2042160"/>
-              <a:ext cx="457200" cy="457200"/>
-            </a:xfrm>
-            <a:prstGeom prst="rect">
-              <a:avLst/>
-            </a:prstGeom>
-          </p:spPr>
-        </p:pic>
-        <p:pic>
-          <p:nvPicPr>
-            <p:cNvPr id="22" name="Graphic 21" descr="Man with solid fill">
-              <a:extLst>
-                <a:ext uri="{FF2B5EF4-FFF2-40B4-BE49-F238E27FC236}">
-                  <a16:creationId xmlns:a16="http://schemas.microsoft.com/office/drawing/2014/main" id="{1E6C6FEE-934A-2634-52F9-0F7504A8BE26}"/>
-                </a:ext>
-              </a:extLst>
-            </p:cNvPr>
-            <p:cNvPicPr>
-              <a:picLocks noChangeAspect="1"/>
-            </p:cNvPicPr>
-            <p:nvPr/>
-          </p:nvPicPr>
-          <p:blipFill>
-            <a:blip r:embed="rId4">
-              <a:extLst>
-                <a:ext uri="{28A0092B-C50C-407E-A947-70E740481C1C}">
-                  <a14:useLocalDpi xmlns:a14="http://schemas.microsoft.com/office/drawing/2010/main" val="0"/>
-                </a:ext>
-                <a:ext uri="{96DAC541-7B7A-43D3-8B79-37D633B846F1}">
-                  <asvg:svgBlip xmlns:asvg="http://schemas.microsoft.com/office/drawing/2016/SVG/main" r:embed="rId5"/>
-                </a:ext>
-              </a:extLst>
-            </a:blip>
-            <a:stretch>
-              <a:fillRect/>
-            </a:stretch>
-          </p:blipFill>
-          <p:spPr>
-            <a:xfrm>
-              <a:off x="3242655" y="891540"/>
-              <a:ext cx="457200" cy="457200"/>
-            </a:xfrm>
-            <a:prstGeom prst="rect">
-              <a:avLst/>
-            </a:prstGeom>
-          </p:spPr>
-        </p:pic>
-        <p:pic>
-          <p:nvPicPr>
-            <p:cNvPr id="23" name="Graphic 22" descr="Man with solid fill">
-              <a:extLst>
-                <a:ext uri="{FF2B5EF4-FFF2-40B4-BE49-F238E27FC236}">
-                  <a16:creationId xmlns:a16="http://schemas.microsoft.com/office/drawing/2014/main" id="{8C231AF5-6794-2A1A-69A4-DFD50B9684BF}"/>
-                </a:ext>
-              </a:extLst>
-            </p:cNvPr>
-            <p:cNvPicPr>
-              <a:picLocks noChangeAspect="1"/>
-            </p:cNvPicPr>
-            <p:nvPr/>
-          </p:nvPicPr>
-          <p:blipFill>
-            <a:blip r:embed="rId4">
-              <a:extLst>
-                <a:ext uri="{28A0092B-C50C-407E-A947-70E740481C1C}">
-                  <a14:useLocalDpi xmlns:a14="http://schemas.microsoft.com/office/drawing/2010/main" val="0"/>
-                </a:ext>
-                <a:ext uri="{96DAC541-7B7A-43D3-8B79-37D633B846F1}">
-                  <asvg:svgBlip xmlns:asvg="http://schemas.microsoft.com/office/drawing/2016/SVG/main" r:embed="rId5"/>
-                </a:ext>
-              </a:extLst>
-            </a:blip>
-            <a:stretch>
-              <a:fillRect/>
-            </a:stretch>
-          </p:blipFill>
-          <p:spPr>
-            <a:xfrm>
-              <a:off x="1331622" y="2437130"/>
-              <a:ext cx="457200" cy="457200"/>
-            </a:xfrm>
-            <a:prstGeom prst="rect">
-              <a:avLst/>
-            </a:prstGeom>
-          </p:spPr>
-        </p:pic>
-        <p:pic>
-          <p:nvPicPr>
-            <p:cNvPr id="24" name="Graphic 23" descr="Man with solid fill">
-              <a:extLst>
-                <a:ext uri="{FF2B5EF4-FFF2-40B4-BE49-F238E27FC236}">
-                  <a16:creationId xmlns:a16="http://schemas.microsoft.com/office/drawing/2014/main" id="{3ACCFF02-C47A-95BE-2F3D-53ABC7961698}"/>
-                </a:ext>
-              </a:extLst>
-            </p:cNvPr>
-            <p:cNvPicPr>
-              <a:picLocks noChangeAspect="1"/>
-            </p:cNvPicPr>
-            <p:nvPr/>
-          </p:nvPicPr>
-          <p:blipFill>
-            <a:blip r:embed="rId4">
-              <a:extLst>
-                <a:ext uri="{28A0092B-C50C-407E-A947-70E740481C1C}">
-                  <a14:useLocalDpi xmlns:a14="http://schemas.microsoft.com/office/drawing/2010/main" val="0"/>
-                </a:ext>
-                <a:ext uri="{96DAC541-7B7A-43D3-8B79-37D633B846F1}">
-                  <asvg:svgBlip xmlns:asvg="http://schemas.microsoft.com/office/drawing/2016/SVG/main" r:embed="rId5"/>
-                </a:ext>
-              </a:extLst>
-            </a:blip>
-            <a:stretch>
-              <a:fillRect/>
-            </a:stretch>
-          </p:blipFill>
-          <p:spPr>
-            <a:xfrm>
-              <a:off x="2118228" y="2390458"/>
-              <a:ext cx="457200" cy="457200"/>
-            </a:xfrm>
-            <a:prstGeom prst="rect">
-              <a:avLst/>
-            </a:prstGeom>
-          </p:spPr>
-        </p:pic>
-        <p:pic>
-          <p:nvPicPr>
-            <p:cNvPr id="25" name="Graphic 24" descr="Man with solid fill">
-              <a:extLst>
-                <a:ext uri="{FF2B5EF4-FFF2-40B4-BE49-F238E27FC236}">
-                  <a16:creationId xmlns:a16="http://schemas.microsoft.com/office/drawing/2014/main" id="{688FB37D-C25A-D117-A8D1-488B952F63F2}"/>
-                </a:ext>
-              </a:extLst>
-            </p:cNvPr>
-            <p:cNvPicPr>
-              <a:picLocks noChangeAspect="1"/>
-            </p:cNvPicPr>
-            <p:nvPr/>
-          </p:nvPicPr>
-          <p:blipFill>
-            <a:blip r:embed="rId4">
-              <a:extLst>
-                <a:ext uri="{28A0092B-C50C-407E-A947-70E740481C1C}">
-                  <a14:useLocalDpi xmlns:a14="http://schemas.microsoft.com/office/drawing/2010/main" val="0"/>
-                </a:ext>
-                <a:ext uri="{96DAC541-7B7A-43D3-8B79-37D633B846F1}">
-                  <asvg:svgBlip xmlns:asvg="http://schemas.microsoft.com/office/drawing/2016/SVG/main" r:embed="rId5"/>
-                </a:ext>
-              </a:extLst>
-            </a:blip>
-            <a:stretch>
-              <a:fillRect/>
-            </a:stretch>
-          </p:blipFill>
-          <p:spPr>
-            <a:xfrm>
-              <a:off x="2809426" y="1703070"/>
-              <a:ext cx="457200" cy="457200"/>
-            </a:xfrm>
-            <a:prstGeom prst="rect">
-              <a:avLst/>
-            </a:prstGeom>
-          </p:spPr>
-        </p:pic>
-      </p:grpSp>
-      <p:grpSp>
-        <p:nvGrpSpPr>
-          <p:cNvPr id="56" name="Group 55">
-            <a:extLst>
-              <a:ext uri="{FF2B5EF4-FFF2-40B4-BE49-F238E27FC236}">
-                <a16:creationId xmlns:a16="http://schemas.microsoft.com/office/drawing/2014/main" id="{07A344EA-EB5D-7167-E42D-F81F12AF7BA8}"/>
-              </a:ext>
-            </a:extLst>
-          </p:cNvPr>
-          <p:cNvGrpSpPr/>
-          <p:nvPr/>
-        </p:nvGrpSpPr>
-        <p:grpSpPr>
-          <a:xfrm>
-            <a:off x="6761148" y="3685539"/>
-            <a:ext cx="5276772" cy="3031807"/>
-            <a:chOff x="6298671" y="898843"/>
-            <a:chExt cx="5276772" cy="3031807"/>
-          </a:xfrm>
-        </p:grpSpPr>
-        <p:pic>
-          <p:nvPicPr>
-            <p:cNvPr id="26" name="Graphic 25" descr="Man with solid fill">
-              <a:extLst>
-                <a:ext uri="{FF2B5EF4-FFF2-40B4-BE49-F238E27FC236}">
-                  <a16:creationId xmlns:a16="http://schemas.microsoft.com/office/drawing/2014/main" id="{60B84CEF-3AED-D11A-B33E-DC769EBC962E}"/>
-                </a:ext>
-              </a:extLst>
-            </p:cNvPr>
-            <p:cNvPicPr>
-              <a:picLocks noChangeAspect="1"/>
-            </p:cNvPicPr>
-            <p:nvPr/>
-          </p:nvPicPr>
-          <p:blipFill>
-            <a:blip r:embed="rId6">
-              <a:extLst>
-                <a:ext uri="{28A0092B-C50C-407E-A947-70E740481C1C}">
-                  <a14:useLocalDpi xmlns:a14="http://schemas.microsoft.com/office/drawing/2010/main" val="0"/>
-                </a:ext>
-                <a:ext uri="{96DAC541-7B7A-43D3-8B79-37D633B846F1}">
-                  <asvg:svgBlip xmlns:asvg="http://schemas.microsoft.com/office/drawing/2016/SVG/main" r:embed="rId7"/>
-                </a:ext>
-              </a:extLst>
-            </a:blip>
-            <a:stretch>
-              <a:fillRect/>
-            </a:stretch>
-          </p:blipFill>
-          <p:spPr>
-            <a:xfrm>
-              <a:off x="6441546" y="1720850"/>
-              <a:ext cx="457200" cy="457200"/>
-            </a:xfrm>
-            <a:prstGeom prst="rect">
-              <a:avLst/>
-            </a:prstGeom>
-          </p:spPr>
-        </p:pic>
-        <p:sp>
-          <p:nvSpPr>
-            <p:cNvPr id="27" name="Rectangle 26">
-              <a:extLst>
-                <a:ext uri="{FF2B5EF4-FFF2-40B4-BE49-F238E27FC236}">
-                  <a16:creationId xmlns:a16="http://schemas.microsoft.com/office/drawing/2014/main" id="{DD112F4A-181C-1033-94C1-862DC7D2D77D}"/>
-                </a:ext>
-              </a:extLst>
-            </p:cNvPr>
-            <p:cNvSpPr/>
-            <p:nvPr/>
-          </p:nvSpPr>
-          <p:spPr>
-            <a:xfrm>
-              <a:off x="6298671" y="1568450"/>
-              <a:ext cx="2625408" cy="2362200"/>
-            </a:xfrm>
-            <a:prstGeom prst="rect">
-              <a:avLst/>
-            </a:prstGeom>
-            <a:noFill/>
-            <a:ln w="38100"/>
-          </p:spPr>
-          <p:style>
-            <a:lnRef idx="2">
-              <a:schemeClr val="accent1">
-                <a:shade val="15000"/>
-              </a:schemeClr>
-            </a:lnRef>
-            <a:fillRef idx="1">
-              <a:schemeClr val="accent1"/>
-            </a:fillRef>
-            <a:effectRef idx="0">
-              <a:schemeClr val="accent1"/>
-            </a:effectRef>
-            <a:fontRef idx="minor">
-              <a:schemeClr val="lt1"/>
-            </a:fontRef>
-          </p:style>
-          <p:txBody>
-            <a:bodyPr rtlCol="0" anchor="ctr"/>
-            <a:lstStyle/>
-            <a:p>
-              <a:pPr algn="ctr"/>
-              <a:endParaRPr lang="en-US"/>
-            </a:p>
-          </p:txBody>
-        </p:sp>
-        <p:pic>
-          <p:nvPicPr>
-            <p:cNvPr id="28" name="Graphic 27" descr="Man with solid fill">
-              <a:extLst>
-                <a:ext uri="{FF2B5EF4-FFF2-40B4-BE49-F238E27FC236}">
-                  <a16:creationId xmlns:a16="http://schemas.microsoft.com/office/drawing/2014/main" id="{88A1B88E-FDE7-000F-7413-03181D06F63B}"/>
-                </a:ext>
-              </a:extLst>
-            </p:cNvPr>
-            <p:cNvPicPr>
-              <a:picLocks noChangeAspect="1"/>
-            </p:cNvPicPr>
-            <p:nvPr/>
-          </p:nvPicPr>
-          <p:blipFill>
-            <a:blip r:embed="rId6">
-              <a:extLst>
-                <a:ext uri="{28A0092B-C50C-407E-A947-70E740481C1C}">
-                  <a14:useLocalDpi xmlns:a14="http://schemas.microsoft.com/office/drawing/2010/main" val="0"/>
-                </a:ext>
-                <a:ext uri="{96DAC541-7B7A-43D3-8B79-37D633B846F1}">
-                  <asvg:svgBlip xmlns:asvg="http://schemas.microsoft.com/office/drawing/2016/SVG/main" r:embed="rId7"/>
-                </a:ext>
-              </a:extLst>
-            </a:blip>
-            <a:stretch>
-              <a:fillRect/>
-            </a:stretch>
-          </p:blipFill>
-          <p:spPr>
-            <a:xfrm>
-              <a:off x="6545369" y="2359660"/>
-              <a:ext cx="457200" cy="457200"/>
-            </a:xfrm>
-            <a:prstGeom prst="rect">
-              <a:avLst/>
-            </a:prstGeom>
-          </p:spPr>
-        </p:pic>
-        <p:pic>
-          <p:nvPicPr>
-            <p:cNvPr id="29" name="Graphic 28" descr="Man with solid fill">
-              <a:extLst>
-                <a:ext uri="{FF2B5EF4-FFF2-40B4-BE49-F238E27FC236}">
-                  <a16:creationId xmlns:a16="http://schemas.microsoft.com/office/drawing/2014/main" id="{6F5ACBC8-193D-96AE-C8E5-D11E0710332D}"/>
-                </a:ext>
-              </a:extLst>
-            </p:cNvPr>
-            <p:cNvPicPr>
-              <a:picLocks noChangeAspect="1"/>
-            </p:cNvPicPr>
-            <p:nvPr/>
-          </p:nvPicPr>
-          <p:blipFill>
-            <a:blip r:embed="rId6">
-              <a:extLst>
-                <a:ext uri="{28A0092B-C50C-407E-A947-70E740481C1C}">
-                  <a14:useLocalDpi xmlns:a14="http://schemas.microsoft.com/office/drawing/2010/main" val="0"/>
-                </a:ext>
-                <a:ext uri="{96DAC541-7B7A-43D3-8B79-37D633B846F1}">
-                  <asvg:svgBlip xmlns:asvg="http://schemas.microsoft.com/office/drawing/2016/SVG/main" r:embed="rId7"/>
-                </a:ext>
-              </a:extLst>
-            </a:blip>
-            <a:stretch>
-              <a:fillRect/>
-            </a:stretch>
-          </p:blipFill>
-          <p:spPr>
-            <a:xfrm>
-              <a:off x="7499773" y="1720850"/>
-              <a:ext cx="457200" cy="457200"/>
-            </a:xfrm>
-            <a:prstGeom prst="rect">
-              <a:avLst/>
-            </a:prstGeom>
-          </p:spPr>
-        </p:pic>
-        <p:pic>
-          <p:nvPicPr>
-            <p:cNvPr id="30" name="Graphic 29" descr="Man with solid fill">
-              <a:extLst>
-                <a:ext uri="{FF2B5EF4-FFF2-40B4-BE49-F238E27FC236}">
-                  <a16:creationId xmlns:a16="http://schemas.microsoft.com/office/drawing/2014/main" id="{90BEFF06-3E16-15DB-677A-5B71B1815278}"/>
-                </a:ext>
-              </a:extLst>
-            </p:cNvPr>
-            <p:cNvPicPr>
-              <a:picLocks noChangeAspect="1"/>
-            </p:cNvPicPr>
-            <p:nvPr/>
-          </p:nvPicPr>
-          <p:blipFill>
-            <a:blip r:embed="rId6">
-              <a:extLst>
-                <a:ext uri="{28A0092B-C50C-407E-A947-70E740481C1C}">
-                  <a14:useLocalDpi xmlns:a14="http://schemas.microsoft.com/office/drawing/2010/main" val="0"/>
-                </a:ext>
-                <a:ext uri="{96DAC541-7B7A-43D3-8B79-37D633B846F1}">
-                  <asvg:svgBlip xmlns:asvg="http://schemas.microsoft.com/office/drawing/2016/SVG/main" r:embed="rId7"/>
-                </a:ext>
-              </a:extLst>
-            </a:blip>
-            <a:stretch>
-              <a:fillRect/>
-            </a:stretch>
-          </p:blipFill>
-          <p:spPr>
-            <a:xfrm>
-              <a:off x="8430366" y="2834640"/>
-              <a:ext cx="457200" cy="457200"/>
-            </a:xfrm>
-            <a:prstGeom prst="rect">
-              <a:avLst/>
-            </a:prstGeom>
-          </p:spPr>
-        </p:pic>
-        <p:pic>
-          <p:nvPicPr>
-            <p:cNvPr id="31" name="Graphic 30" descr="Man with solid fill">
-              <a:extLst>
-                <a:ext uri="{FF2B5EF4-FFF2-40B4-BE49-F238E27FC236}">
-                  <a16:creationId xmlns:a16="http://schemas.microsoft.com/office/drawing/2014/main" id="{87BBF268-8728-BF28-CBAF-EDE7596D5704}"/>
-                </a:ext>
-              </a:extLst>
-            </p:cNvPr>
-            <p:cNvPicPr>
-              <a:picLocks noChangeAspect="1"/>
-            </p:cNvPicPr>
-            <p:nvPr/>
-          </p:nvPicPr>
-          <p:blipFill>
-            <a:blip r:embed="rId6">
-              <a:extLst>
-                <a:ext uri="{28A0092B-C50C-407E-A947-70E740481C1C}">
-                  <a14:useLocalDpi xmlns:a14="http://schemas.microsoft.com/office/drawing/2010/main" val="0"/>
-                </a:ext>
-                <a:ext uri="{96DAC541-7B7A-43D3-8B79-37D633B846F1}">
-                  <asvg:svgBlip xmlns:asvg="http://schemas.microsoft.com/office/drawing/2016/SVG/main" r:embed="rId7"/>
-                </a:ext>
-              </a:extLst>
-            </a:blip>
-            <a:stretch>
-              <a:fillRect/>
-            </a:stretch>
-          </p:blipFill>
-          <p:spPr>
-            <a:xfrm>
-              <a:off x="7037493" y="2940050"/>
-              <a:ext cx="457200" cy="457200"/>
-            </a:xfrm>
-            <a:prstGeom prst="rect">
-              <a:avLst/>
-            </a:prstGeom>
-          </p:spPr>
-        </p:pic>
-        <p:pic>
-          <p:nvPicPr>
-            <p:cNvPr id="32" name="Graphic 31" descr="Man with solid fill">
-              <a:extLst>
-                <a:ext uri="{FF2B5EF4-FFF2-40B4-BE49-F238E27FC236}">
-                  <a16:creationId xmlns:a16="http://schemas.microsoft.com/office/drawing/2014/main" id="{49738C88-4636-E677-8291-7532DE188F20}"/>
-                </a:ext>
-              </a:extLst>
-            </p:cNvPr>
-            <p:cNvPicPr>
-              <a:picLocks noChangeAspect="1"/>
-            </p:cNvPicPr>
-            <p:nvPr/>
-          </p:nvPicPr>
-          <p:blipFill>
-            <a:blip r:embed="rId6">
-              <a:extLst>
-                <a:ext uri="{28A0092B-C50C-407E-A947-70E740481C1C}">
-                  <a14:useLocalDpi xmlns:a14="http://schemas.microsoft.com/office/drawing/2010/main" val="0"/>
-                </a:ext>
-                <a:ext uri="{96DAC541-7B7A-43D3-8B79-37D633B846F1}">
-                  <asvg:svgBlip xmlns:asvg="http://schemas.microsoft.com/office/drawing/2016/SVG/main" r:embed="rId7"/>
-                </a:ext>
-              </a:extLst>
-            </a:blip>
-            <a:stretch>
-              <a:fillRect/>
-            </a:stretch>
-          </p:blipFill>
-          <p:spPr>
-            <a:xfrm>
-              <a:off x="8430366" y="1797050"/>
-              <a:ext cx="457200" cy="457200"/>
-            </a:xfrm>
-            <a:prstGeom prst="rect">
-              <a:avLst/>
-            </a:prstGeom>
-          </p:spPr>
-        </p:pic>
-        <p:pic>
-          <p:nvPicPr>
-            <p:cNvPr id="33" name="Graphic 32" descr="Man with solid fill">
-              <a:extLst>
-                <a:ext uri="{FF2B5EF4-FFF2-40B4-BE49-F238E27FC236}">
-                  <a16:creationId xmlns:a16="http://schemas.microsoft.com/office/drawing/2014/main" id="{DE662CEA-20C9-1929-223C-8CEE08ABBE04}"/>
-                </a:ext>
-              </a:extLst>
-            </p:cNvPr>
-            <p:cNvPicPr>
-              <a:picLocks noChangeAspect="1"/>
-            </p:cNvPicPr>
-            <p:nvPr/>
-          </p:nvPicPr>
-          <p:blipFill>
-            <a:blip r:embed="rId6">
-              <a:extLst>
-                <a:ext uri="{28A0092B-C50C-407E-A947-70E740481C1C}">
-                  <a14:useLocalDpi xmlns:a14="http://schemas.microsoft.com/office/drawing/2010/main" val="0"/>
-                </a:ext>
-                <a:ext uri="{96DAC541-7B7A-43D3-8B79-37D633B846F1}">
-                  <asvg:svgBlip xmlns:asvg="http://schemas.microsoft.com/office/drawing/2016/SVG/main" r:embed="rId7"/>
-                </a:ext>
-              </a:extLst>
-            </a:blip>
-            <a:stretch>
-              <a:fillRect/>
-            </a:stretch>
-          </p:blipFill>
-          <p:spPr>
-            <a:xfrm>
-              <a:off x="6517746" y="3285490"/>
-              <a:ext cx="457200" cy="457200"/>
-            </a:xfrm>
-            <a:prstGeom prst="rect">
-              <a:avLst/>
-            </a:prstGeom>
-          </p:spPr>
-        </p:pic>
-        <p:pic>
-          <p:nvPicPr>
-            <p:cNvPr id="34" name="Graphic 33" descr="Man with solid fill">
-              <a:extLst>
-                <a:ext uri="{FF2B5EF4-FFF2-40B4-BE49-F238E27FC236}">
-                  <a16:creationId xmlns:a16="http://schemas.microsoft.com/office/drawing/2014/main" id="{EE29CDFA-E5E0-EDA1-9768-73AD050DD955}"/>
-                </a:ext>
-              </a:extLst>
-            </p:cNvPr>
-            <p:cNvPicPr>
-              <a:picLocks noChangeAspect="1"/>
-            </p:cNvPicPr>
-            <p:nvPr/>
-          </p:nvPicPr>
-          <p:blipFill>
-            <a:blip r:embed="rId8">
-              <a:extLst>
-                <a:ext uri="{28A0092B-C50C-407E-A947-70E740481C1C}">
-                  <a14:useLocalDpi xmlns:a14="http://schemas.microsoft.com/office/drawing/2010/main" val="0"/>
-                </a:ext>
-                <a:ext uri="{96DAC541-7B7A-43D3-8B79-37D633B846F1}">
-                  <asvg:svgBlip xmlns:asvg="http://schemas.microsoft.com/office/drawing/2016/SVG/main" r:embed="rId9"/>
-                </a:ext>
-              </a:extLst>
-            </a:blip>
-            <a:stretch>
-              <a:fillRect/>
-            </a:stretch>
-          </p:blipFill>
-          <p:spPr>
-            <a:xfrm>
-              <a:off x="9586066" y="3098165"/>
-              <a:ext cx="457200" cy="457200"/>
-            </a:xfrm>
-            <a:prstGeom prst="rect">
-              <a:avLst/>
-            </a:prstGeom>
-          </p:spPr>
-        </p:pic>
-        <p:pic>
-          <p:nvPicPr>
-            <p:cNvPr id="35" name="Graphic 34" descr="Man with solid fill">
-              <a:extLst>
-                <a:ext uri="{FF2B5EF4-FFF2-40B4-BE49-F238E27FC236}">
-                  <a16:creationId xmlns:a16="http://schemas.microsoft.com/office/drawing/2014/main" id="{CFDA2A24-24D0-6DBA-0A4F-D86B41D42B39}"/>
-                </a:ext>
-              </a:extLst>
-            </p:cNvPr>
-            <p:cNvPicPr>
-              <a:picLocks noChangeAspect="1"/>
-            </p:cNvPicPr>
-            <p:nvPr/>
-          </p:nvPicPr>
-          <p:blipFill>
-            <a:blip r:embed="rId8">
-              <a:extLst>
-                <a:ext uri="{28A0092B-C50C-407E-A947-70E740481C1C}">
-                  <a14:useLocalDpi xmlns:a14="http://schemas.microsoft.com/office/drawing/2010/main" val="0"/>
-                </a:ext>
-                <a:ext uri="{96DAC541-7B7A-43D3-8B79-37D633B846F1}">
-                  <asvg:svgBlip xmlns:asvg="http://schemas.microsoft.com/office/drawing/2016/SVG/main" r:embed="rId9"/>
-                </a:ext>
-              </a:extLst>
-            </a:blip>
-            <a:stretch>
-              <a:fillRect/>
-            </a:stretch>
-          </p:blipFill>
-          <p:spPr>
-            <a:xfrm>
-              <a:off x="8976466" y="2025650"/>
-              <a:ext cx="457200" cy="457200"/>
-            </a:xfrm>
-            <a:prstGeom prst="rect">
-              <a:avLst/>
-            </a:prstGeom>
-          </p:spPr>
-        </p:pic>
-        <p:pic>
-          <p:nvPicPr>
-            <p:cNvPr id="36" name="Graphic 35" descr="Man with solid fill">
-              <a:extLst>
-                <a:ext uri="{FF2B5EF4-FFF2-40B4-BE49-F238E27FC236}">
-                  <a16:creationId xmlns:a16="http://schemas.microsoft.com/office/drawing/2014/main" id="{0FF5448C-1950-88E4-7706-5EF56A207689}"/>
-                </a:ext>
-              </a:extLst>
-            </p:cNvPr>
-            <p:cNvPicPr>
-              <a:picLocks noChangeAspect="1"/>
-            </p:cNvPicPr>
-            <p:nvPr/>
-          </p:nvPicPr>
-          <p:blipFill>
-            <a:blip r:embed="rId8">
-              <a:extLst>
-                <a:ext uri="{28A0092B-C50C-407E-A947-70E740481C1C}">
-                  <a14:useLocalDpi xmlns:a14="http://schemas.microsoft.com/office/drawing/2010/main" val="0"/>
-                </a:ext>
-                <a:ext uri="{96DAC541-7B7A-43D3-8B79-37D633B846F1}">
-                  <asvg:svgBlip xmlns:asvg="http://schemas.microsoft.com/office/drawing/2016/SVG/main" r:embed="rId9"/>
-                </a:ext>
-              </a:extLst>
-            </a:blip>
-            <a:stretch>
-              <a:fillRect/>
-            </a:stretch>
-          </p:blipFill>
-          <p:spPr>
-            <a:xfrm>
-              <a:off x="9814666" y="2247900"/>
-              <a:ext cx="457200" cy="457200"/>
-            </a:xfrm>
-            <a:prstGeom prst="rect">
-              <a:avLst/>
-            </a:prstGeom>
-          </p:spPr>
-        </p:pic>
-        <p:pic>
-          <p:nvPicPr>
-            <p:cNvPr id="37" name="Graphic 36" descr="Man with solid fill">
-              <a:extLst>
-                <a:ext uri="{FF2B5EF4-FFF2-40B4-BE49-F238E27FC236}">
-                  <a16:creationId xmlns:a16="http://schemas.microsoft.com/office/drawing/2014/main" id="{DB298B1F-7E65-D25E-00D5-96FACE2EB661}"/>
-                </a:ext>
-              </a:extLst>
-            </p:cNvPr>
-            <p:cNvPicPr>
-              <a:picLocks noChangeAspect="1"/>
-            </p:cNvPicPr>
-            <p:nvPr/>
-          </p:nvPicPr>
-          <p:blipFill>
-            <a:blip r:embed="rId8">
-              <a:extLst>
-                <a:ext uri="{28A0092B-C50C-407E-A947-70E740481C1C}">
-                  <a14:useLocalDpi xmlns:a14="http://schemas.microsoft.com/office/drawing/2010/main" val="0"/>
-                </a:ext>
-                <a:ext uri="{96DAC541-7B7A-43D3-8B79-37D633B846F1}">
-                  <asvg:svgBlip xmlns:asvg="http://schemas.microsoft.com/office/drawing/2016/SVG/main" r:embed="rId9"/>
-                </a:ext>
-              </a:extLst>
-            </a:blip>
-            <a:stretch>
-              <a:fillRect/>
-            </a:stretch>
-          </p:blipFill>
-          <p:spPr>
-            <a:xfrm>
-              <a:off x="10203921" y="1644650"/>
-              <a:ext cx="457200" cy="457200"/>
-            </a:xfrm>
-            <a:prstGeom prst="rect">
-              <a:avLst/>
-            </a:prstGeom>
-          </p:spPr>
-        </p:pic>
-        <p:pic>
-          <p:nvPicPr>
-            <p:cNvPr id="38" name="Graphic 37" descr="Man with solid fill">
-              <a:extLst>
-                <a:ext uri="{FF2B5EF4-FFF2-40B4-BE49-F238E27FC236}">
-                  <a16:creationId xmlns:a16="http://schemas.microsoft.com/office/drawing/2014/main" id="{BEABFEB3-D1AB-5E66-DC38-FB6BABEA44E6}"/>
-                </a:ext>
-              </a:extLst>
-            </p:cNvPr>
-            <p:cNvPicPr>
-              <a:picLocks noChangeAspect="1"/>
-            </p:cNvPicPr>
-            <p:nvPr/>
-          </p:nvPicPr>
-          <p:blipFill>
-            <a:blip r:embed="rId4">
-              <a:extLst>
-                <a:ext uri="{28A0092B-C50C-407E-A947-70E740481C1C}">
-                  <a14:useLocalDpi xmlns:a14="http://schemas.microsoft.com/office/drawing/2010/main" val="0"/>
-                </a:ext>
-                <a:ext uri="{96DAC541-7B7A-43D3-8B79-37D633B846F1}">
-                  <asvg:svgBlip xmlns:asvg="http://schemas.microsoft.com/office/drawing/2016/SVG/main" r:embed="rId5"/>
-                </a:ext>
-              </a:extLst>
-            </a:blip>
-            <a:stretch>
-              <a:fillRect/>
-            </a:stretch>
-          </p:blipFill>
-          <p:spPr>
-            <a:xfrm>
-              <a:off x="7271173" y="2317750"/>
-              <a:ext cx="457200" cy="457200"/>
-            </a:xfrm>
-            <a:prstGeom prst="rect">
-              <a:avLst/>
-            </a:prstGeom>
-          </p:spPr>
-        </p:pic>
-        <p:pic>
-          <p:nvPicPr>
-            <p:cNvPr id="39" name="Graphic 38" descr="Man with solid fill">
-              <a:extLst>
-                <a:ext uri="{FF2B5EF4-FFF2-40B4-BE49-F238E27FC236}">
-                  <a16:creationId xmlns:a16="http://schemas.microsoft.com/office/drawing/2014/main" id="{6D554588-0271-42FE-28A3-2E9B702BD6BE}"/>
-                </a:ext>
-              </a:extLst>
-            </p:cNvPr>
-            <p:cNvPicPr>
-              <a:picLocks noChangeAspect="1"/>
-            </p:cNvPicPr>
-            <p:nvPr/>
-          </p:nvPicPr>
-          <p:blipFill>
-            <a:blip r:embed="rId4">
-              <a:extLst>
-                <a:ext uri="{28A0092B-C50C-407E-A947-70E740481C1C}">
-                  <a14:useLocalDpi xmlns:a14="http://schemas.microsoft.com/office/drawing/2010/main" val="0"/>
-                </a:ext>
-                <a:ext uri="{96DAC541-7B7A-43D3-8B79-37D633B846F1}">
-                  <asvg:svgBlip xmlns:asvg="http://schemas.microsoft.com/office/drawing/2016/SVG/main" r:embed="rId5"/>
-                </a:ext>
-              </a:extLst>
-            </a:blip>
-            <a:stretch>
-              <a:fillRect/>
-            </a:stretch>
-          </p:blipFill>
-          <p:spPr>
-            <a:xfrm>
-              <a:off x="8225102" y="2315845"/>
-              <a:ext cx="457200" cy="457200"/>
-            </a:xfrm>
-            <a:prstGeom prst="rect">
-              <a:avLst/>
-            </a:prstGeom>
-          </p:spPr>
-        </p:pic>
-        <p:pic>
-          <p:nvPicPr>
-            <p:cNvPr id="40" name="Graphic 39" descr="Man with solid fill">
-              <a:extLst>
-                <a:ext uri="{FF2B5EF4-FFF2-40B4-BE49-F238E27FC236}">
-                  <a16:creationId xmlns:a16="http://schemas.microsoft.com/office/drawing/2014/main" id="{7B37EFE7-9391-CAE4-0367-4160ECCA4E45}"/>
-                </a:ext>
-              </a:extLst>
-            </p:cNvPr>
-            <p:cNvPicPr>
-              <a:picLocks noChangeAspect="1"/>
-            </p:cNvPicPr>
-            <p:nvPr/>
-          </p:nvPicPr>
-          <p:blipFill>
-            <a:blip r:embed="rId4">
-              <a:extLst>
-                <a:ext uri="{28A0092B-C50C-407E-A947-70E740481C1C}">
-                  <a14:useLocalDpi xmlns:a14="http://schemas.microsoft.com/office/drawing/2010/main" val="0"/>
-                </a:ext>
-                <a:ext uri="{96DAC541-7B7A-43D3-8B79-37D633B846F1}">
-                  <asvg:svgBlip xmlns:asvg="http://schemas.microsoft.com/office/drawing/2016/SVG/main" r:embed="rId5"/>
-                </a:ext>
-              </a:extLst>
-            </a:blip>
-            <a:stretch>
-              <a:fillRect/>
-            </a:stretch>
-          </p:blipFill>
-          <p:spPr>
-            <a:xfrm>
-              <a:off x="10095653" y="2927350"/>
-              <a:ext cx="457200" cy="457200"/>
-            </a:xfrm>
-            <a:prstGeom prst="rect">
-              <a:avLst/>
-            </a:prstGeom>
-          </p:spPr>
-        </p:pic>
-        <p:pic>
-          <p:nvPicPr>
-            <p:cNvPr id="41" name="Graphic 40" descr="Man with solid fill">
-              <a:extLst>
-                <a:ext uri="{FF2B5EF4-FFF2-40B4-BE49-F238E27FC236}">
-                  <a16:creationId xmlns:a16="http://schemas.microsoft.com/office/drawing/2014/main" id="{6EB15914-99BB-9288-CED0-F2BF80F6C3F6}"/>
-                </a:ext>
-              </a:extLst>
-            </p:cNvPr>
-            <p:cNvPicPr>
-              <a:picLocks noChangeAspect="1"/>
-            </p:cNvPicPr>
-            <p:nvPr/>
-          </p:nvPicPr>
-          <p:blipFill>
-            <a:blip r:embed="rId4">
-              <a:extLst>
-                <a:ext uri="{28A0092B-C50C-407E-A947-70E740481C1C}">
-                  <a14:useLocalDpi xmlns:a14="http://schemas.microsoft.com/office/drawing/2010/main" val="0"/>
-                </a:ext>
-                <a:ext uri="{96DAC541-7B7A-43D3-8B79-37D633B846F1}">
-                  <asvg:svgBlip xmlns:asvg="http://schemas.microsoft.com/office/drawing/2016/SVG/main" r:embed="rId5"/>
-                </a:ext>
-              </a:extLst>
-            </a:blip>
-            <a:stretch>
-              <a:fillRect/>
-            </a:stretch>
-          </p:blipFill>
-          <p:spPr>
-            <a:xfrm>
-              <a:off x="9293966" y="1776730"/>
-              <a:ext cx="457200" cy="457200"/>
-            </a:xfrm>
-            <a:prstGeom prst="rect">
-              <a:avLst/>
-            </a:prstGeom>
-          </p:spPr>
-        </p:pic>
-        <p:pic>
-          <p:nvPicPr>
-            <p:cNvPr id="42" name="Graphic 41" descr="Man with solid fill">
-              <a:extLst>
-                <a:ext uri="{FF2B5EF4-FFF2-40B4-BE49-F238E27FC236}">
-                  <a16:creationId xmlns:a16="http://schemas.microsoft.com/office/drawing/2014/main" id="{37F20D5B-52C8-7581-D639-96E6C4FB7FE2}"/>
-                </a:ext>
-              </a:extLst>
-            </p:cNvPr>
-            <p:cNvPicPr>
-              <a:picLocks noChangeAspect="1"/>
-            </p:cNvPicPr>
-            <p:nvPr/>
-          </p:nvPicPr>
-          <p:blipFill>
-            <a:blip r:embed="rId4">
-              <a:extLst>
-                <a:ext uri="{28A0092B-C50C-407E-A947-70E740481C1C}">
-                  <a14:useLocalDpi xmlns:a14="http://schemas.microsoft.com/office/drawing/2010/main" val="0"/>
-                </a:ext>
-                <a:ext uri="{96DAC541-7B7A-43D3-8B79-37D633B846F1}">
-                  <asvg:svgBlip xmlns:asvg="http://schemas.microsoft.com/office/drawing/2016/SVG/main" r:embed="rId5"/>
-                </a:ext>
-              </a:extLst>
-            </a:blip>
-            <a:stretch>
-              <a:fillRect/>
-            </a:stretch>
-          </p:blipFill>
-          <p:spPr>
-            <a:xfrm>
-              <a:off x="7382933" y="3322320"/>
-              <a:ext cx="457200" cy="457200"/>
-            </a:xfrm>
-            <a:prstGeom prst="rect">
-              <a:avLst/>
-            </a:prstGeom>
-          </p:spPr>
-        </p:pic>
-        <p:pic>
-          <p:nvPicPr>
-            <p:cNvPr id="43" name="Graphic 42" descr="Man with solid fill">
-              <a:extLst>
-                <a:ext uri="{FF2B5EF4-FFF2-40B4-BE49-F238E27FC236}">
-                  <a16:creationId xmlns:a16="http://schemas.microsoft.com/office/drawing/2014/main" id="{0AC19042-AD77-4F5E-ACE1-19AB836EAC01}"/>
-                </a:ext>
-              </a:extLst>
-            </p:cNvPr>
-            <p:cNvPicPr>
-              <a:picLocks noChangeAspect="1"/>
-            </p:cNvPicPr>
-            <p:nvPr/>
-          </p:nvPicPr>
-          <p:blipFill>
-            <a:blip r:embed="rId4">
-              <a:extLst>
-                <a:ext uri="{28A0092B-C50C-407E-A947-70E740481C1C}">
-                  <a14:useLocalDpi xmlns:a14="http://schemas.microsoft.com/office/drawing/2010/main" val="0"/>
-                </a:ext>
-                <a:ext uri="{96DAC541-7B7A-43D3-8B79-37D633B846F1}">
-                  <asvg:svgBlip xmlns:asvg="http://schemas.microsoft.com/office/drawing/2016/SVG/main" r:embed="rId5"/>
-                </a:ext>
-              </a:extLst>
-            </a:blip>
-            <a:stretch>
-              <a:fillRect/>
-            </a:stretch>
-          </p:blipFill>
-          <p:spPr>
-            <a:xfrm>
-              <a:off x="8169539" y="3275648"/>
-              <a:ext cx="457200" cy="457200"/>
-            </a:xfrm>
-            <a:prstGeom prst="rect">
-              <a:avLst/>
-            </a:prstGeom>
-          </p:spPr>
-        </p:pic>
-        <p:pic>
-          <p:nvPicPr>
-            <p:cNvPr id="44" name="Graphic 43" descr="Man with solid fill">
-              <a:extLst>
-                <a:ext uri="{FF2B5EF4-FFF2-40B4-BE49-F238E27FC236}">
-                  <a16:creationId xmlns:a16="http://schemas.microsoft.com/office/drawing/2014/main" id="{1219F90B-8D3F-580E-131D-E0AE836A8B08}"/>
-                </a:ext>
-              </a:extLst>
-            </p:cNvPr>
-            <p:cNvPicPr>
-              <a:picLocks noChangeAspect="1"/>
-            </p:cNvPicPr>
-            <p:nvPr/>
-          </p:nvPicPr>
-          <p:blipFill>
-            <a:blip r:embed="rId4">
-              <a:extLst>
-                <a:ext uri="{28A0092B-C50C-407E-A947-70E740481C1C}">
-                  <a14:useLocalDpi xmlns:a14="http://schemas.microsoft.com/office/drawing/2010/main" val="0"/>
-                </a:ext>
-                <a:ext uri="{96DAC541-7B7A-43D3-8B79-37D633B846F1}">
-                  <asvg:svgBlip xmlns:asvg="http://schemas.microsoft.com/office/drawing/2016/SVG/main" r:embed="rId5"/>
-                </a:ext>
-              </a:extLst>
-            </a:blip>
-            <a:stretch>
-              <a:fillRect/>
-            </a:stretch>
-          </p:blipFill>
-          <p:spPr>
-            <a:xfrm>
-              <a:off x="8860737" y="2588260"/>
-              <a:ext cx="457200" cy="457200"/>
-            </a:xfrm>
-            <a:prstGeom prst="rect">
-              <a:avLst/>
-            </a:prstGeom>
-          </p:spPr>
-        </p:pic>
-        <p:sp>
-          <p:nvSpPr>
-            <p:cNvPr id="45" name="Rectangle 44">
-              <a:extLst>
-                <a:ext uri="{FF2B5EF4-FFF2-40B4-BE49-F238E27FC236}">
-                  <a16:creationId xmlns:a16="http://schemas.microsoft.com/office/drawing/2014/main" id="{525C67B7-B817-1092-ECE3-DA5240E277C9}"/>
-                </a:ext>
-              </a:extLst>
-            </p:cNvPr>
-            <p:cNvSpPr/>
-            <p:nvPr/>
-          </p:nvSpPr>
-          <p:spPr>
-            <a:xfrm>
-              <a:off x="8943129" y="1568450"/>
-              <a:ext cx="2625408" cy="2362200"/>
-            </a:xfrm>
-            <a:prstGeom prst="rect">
-              <a:avLst/>
-            </a:prstGeom>
-            <a:noFill/>
-            <a:ln w="38100"/>
-          </p:spPr>
-          <p:style>
-            <a:lnRef idx="2">
-              <a:schemeClr val="accent1">
-                <a:shade val="15000"/>
-              </a:schemeClr>
-            </a:lnRef>
-            <a:fillRef idx="1">
-              <a:schemeClr val="accent1"/>
-            </a:fillRef>
-            <a:effectRef idx="0">
-              <a:schemeClr val="accent1"/>
-            </a:effectRef>
-            <a:fontRef idx="minor">
-              <a:schemeClr val="lt1"/>
-            </a:fontRef>
-          </p:style>
-          <p:txBody>
-            <a:bodyPr rtlCol="0" anchor="ctr"/>
-            <a:lstStyle/>
-            <a:p>
-              <a:pPr algn="ctr"/>
-              <a:endParaRPr lang="en-US"/>
-            </a:p>
-          </p:txBody>
-        </p:sp>
-        <p:pic>
-          <p:nvPicPr>
-            <p:cNvPr id="47" name="Graphic 46" descr="Male with solid fill">
-              <a:extLst>
-                <a:ext uri="{FF2B5EF4-FFF2-40B4-BE49-F238E27FC236}">
-                  <a16:creationId xmlns:a16="http://schemas.microsoft.com/office/drawing/2014/main" id="{E0D67839-4842-43D8-2B89-4B8DA3BB9D72}"/>
-                </a:ext>
-              </a:extLst>
-            </p:cNvPr>
-            <p:cNvPicPr>
-              <a:picLocks noChangeAspect="1"/>
-            </p:cNvPicPr>
-            <p:nvPr/>
-          </p:nvPicPr>
-          <p:blipFill>
-            <a:blip r:embed="rId10">
-              <a:extLst>
-                <a:ext uri="{28A0092B-C50C-407E-A947-70E740481C1C}">
-                  <a14:useLocalDpi xmlns:a14="http://schemas.microsoft.com/office/drawing/2010/main" val="0"/>
-                </a:ext>
-                <a:ext uri="{96DAC541-7B7A-43D3-8B79-37D633B846F1}">
-                  <asvg:svgBlip xmlns:asvg="http://schemas.microsoft.com/office/drawing/2016/SVG/main" r:embed="rId11"/>
-                </a:ext>
-              </a:extLst>
-            </a:blip>
-            <a:stretch>
-              <a:fillRect/>
-            </a:stretch>
-          </p:blipFill>
-          <p:spPr>
-            <a:xfrm>
-              <a:off x="7350548" y="904081"/>
-              <a:ext cx="633572" cy="633572"/>
-            </a:xfrm>
-            <a:prstGeom prst="rect">
-              <a:avLst/>
-            </a:prstGeom>
-          </p:spPr>
-        </p:pic>
-        <p:pic>
-          <p:nvPicPr>
-            <p:cNvPr id="48" name="Graphic 47" descr="Man with solid fill">
-              <a:extLst>
-                <a:ext uri="{FF2B5EF4-FFF2-40B4-BE49-F238E27FC236}">
-                  <a16:creationId xmlns:a16="http://schemas.microsoft.com/office/drawing/2014/main" id="{27610754-C30B-8AB9-626E-E4016CB3E61E}"/>
-                </a:ext>
-              </a:extLst>
-            </p:cNvPr>
-            <p:cNvPicPr>
-              <a:picLocks noChangeAspect="1"/>
-            </p:cNvPicPr>
-            <p:nvPr/>
-          </p:nvPicPr>
-          <p:blipFill>
-            <a:blip r:embed="rId8">
-              <a:extLst>
-                <a:ext uri="{28A0092B-C50C-407E-A947-70E740481C1C}">
-                  <a14:useLocalDpi xmlns:a14="http://schemas.microsoft.com/office/drawing/2010/main" val="0"/>
-                </a:ext>
-                <a:ext uri="{96DAC541-7B7A-43D3-8B79-37D633B846F1}">
-                  <asvg:svgBlip xmlns:asvg="http://schemas.microsoft.com/office/drawing/2016/SVG/main" r:embed="rId9"/>
-                </a:ext>
-              </a:extLst>
-            </a:blip>
-            <a:stretch>
-              <a:fillRect/>
-            </a:stretch>
-          </p:blipFill>
-          <p:spPr>
-            <a:xfrm>
-              <a:off x="10592382" y="3275648"/>
-              <a:ext cx="457200" cy="457200"/>
-            </a:xfrm>
-            <a:prstGeom prst="rect">
-              <a:avLst/>
-            </a:prstGeom>
-          </p:spPr>
-        </p:pic>
-        <p:pic>
-          <p:nvPicPr>
-            <p:cNvPr id="49" name="Graphic 48" descr="Man with solid fill">
-              <a:extLst>
-                <a:ext uri="{FF2B5EF4-FFF2-40B4-BE49-F238E27FC236}">
-                  <a16:creationId xmlns:a16="http://schemas.microsoft.com/office/drawing/2014/main" id="{CFB904AF-9D1C-A451-3C58-038DF44F5827}"/>
-                </a:ext>
-              </a:extLst>
-            </p:cNvPr>
-            <p:cNvPicPr>
-              <a:picLocks noChangeAspect="1"/>
-            </p:cNvPicPr>
-            <p:nvPr/>
-          </p:nvPicPr>
-          <p:blipFill>
-            <a:blip r:embed="rId8">
-              <a:extLst>
-                <a:ext uri="{28A0092B-C50C-407E-A947-70E740481C1C}">
-                  <a14:useLocalDpi xmlns:a14="http://schemas.microsoft.com/office/drawing/2010/main" val="0"/>
-                </a:ext>
-                <a:ext uri="{96DAC541-7B7A-43D3-8B79-37D633B846F1}">
-                  <asvg:svgBlip xmlns:asvg="http://schemas.microsoft.com/office/drawing/2016/SVG/main" r:embed="rId9"/>
-                </a:ext>
-              </a:extLst>
-            </a:blip>
-            <a:stretch>
-              <a:fillRect/>
-            </a:stretch>
-          </p:blipFill>
-          <p:spPr>
-            <a:xfrm>
-              <a:off x="10716788" y="2717377"/>
-              <a:ext cx="457200" cy="457200"/>
-            </a:xfrm>
-            <a:prstGeom prst="rect">
-              <a:avLst/>
-            </a:prstGeom>
-          </p:spPr>
-        </p:pic>
-        <p:pic>
-          <p:nvPicPr>
-            <p:cNvPr id="50" name="Graphic 49" descr="Man with solid fill">
-              <a:extLst>
-                <a:ext uri="{FF2B5EF4-FFF2-40B4-BE49-F238E27FC236}">
-                  <a16:creationId xmlns:a16="http://schemas.microsoft.com/office/drawing/2014/main" id="{3FAD281D-781C-BE4E-5EEC-9E7B67F19AB0}"/>
-                </a:ext>
-              </a:extLst>
-            </p:cNvPr>
-            <p:cNvPicPr>
-              <a:picLocks noChangeAspect="1"/>
-            </p:cNvPicPr>
-            <p:nvPr/>
-          </p:nvPicPr>
-          <p:blipFill>
-            <a:blip r:embed="rId8">
-              <a:extLst>
-                <a:ext uri="{28A0092B-C50C-407E-A947-70E740481C1C}">
-                  <a14:useLocalDpi xmlns:a14="http://schemas.microsoft.com/office/drawing/2010/main" val="0"/>
-                </a:ext>
-                <a:ext uri="{96DAC541-7B7A-43D3-8B79-37D633B846F1}">
-                  <asvg:svgBlip xmlns:asvg="http://schemas.microsoft.com/office/drawing/2016/SVG/main" r:embed="rId9"/>
-                </a:ext>
-              </a:extLst>
-            </a:blip>
-            <a:stretch>
-              <a:fillRect/>
-            </a:stretch>
-          </p:blipFill>
-          <p:spPr>
-            <a:xfrm>
-              <a:off x="10886229" y="1841712"/>
-              <a:ext cx="457200" cy="457200"/>
-            </a:xfrm>
-            <a:prstGeom prst="rect">
-              <a:avLst/>
-            </a:prstGeom>
-          </p:spPr>
-        </p:pic>
-        <p:pic>
-          <p:nvPicPr>
-            <p:cNvPr id="52" name="Graphic 51" descr="Man with solid fill">
-              <a:extLst>
-                <a:ext uri="{FF2B5EF4-FFF2-40B4-BE49-F238E27FC236}">
-                  <a16:creationId xmlns:a16="http://schemas.microsoft.com/office/drawing/2014/main" id="{FA6662DA-7813-9D60-1378-4F9E3DDD8D0F}"/>
-                </a:ext>
-              </a:extLst>
-            </p:cNvPr>
-            <p:cNvPicPr>
-              <a:picLocks noChangeAspect="1"/>
-            </p:cNvPicPr>
-            <p:nvPr/>
-          </p:nvPicPr>
-          <p:blipFill>
-            <a:blip r:embed="rId4">
-              <a:extLst>
-                <a:ext uri="{28A0092B-C50C-407E-A947-70E740481C1C}">
-                  <a14:useLocalDpi xmlns:a14="http://schemas.microsoft.com/office/drawing/2010/main" val="0"/>
-                </a:ext>
-                <a:ext uri="{96DAC541-7B7A-43D3-8B79-37D633B846F1}">
-                  <asvg:svgBlip xmlns:asvg="http://schemas.microsoft.com/office/drawing/2016/SVG/main" r:embed="rId5"/>
-                </a:ext>
-              </a:extLst>
-            </a:blip>
-            <a:stretch>
-              <a:fillRect/>
-            </a:stretch>
-          </p:blipFill>
-          <p:spPr>
-            <a:xfrm>
-              <a:off x="7526920" y="2644775"/>
-              <a:ext cx="457200" cy="457200"/>
-            </a:xfrm>
-            <a:prstGeom prst="rect">
-              <a:avLst/>
-            </a:prstGeom>
-          </p:spPr>
-        </p:pic>
-        <p:pic>
-          <p:nvPicPr>
-            <p:cNvPr id="53" name="Graphic 52" descr="Man with solid fill">
-              <a:extLst>
-                <a:ext uri="{FF2B5EF4-FFF2-40B4-BE49-F238E27FC236}">
-                  <a16:creationId xmlns:a16="http://schemas.microsoft.com/office/drawing/2014/main" id="{364ED161-830F-B85F-9D4B-DE1984208F08}"/>
-                </a:ext>
-              </a:extLst>
-            </p:cNvPr>
-            <p:cNvPicPr>
-              <a:picLocks noChangeAspect="1"/>
-            </p:cNvPicPr>
-            <p:nvPr/>
-          </p:nvPicPr>
-          <p:blipFill>
-            <a:blip r:embed="rId4">
-              <a:extLst>
-                <a:ext uri="{28A0092B-C50C-407E-A947-70E740481C1C}">
-                  <a14:useLocalDpi xmlns:a14="http://schemas.microsoft.com/office/drawing/2010/main" val="0"/>
-                </a:ext>
-                <a:ext uri="{96DAC541-7B7A-43D3-8B79-37D633B846F1}">
-                  <asvg:svgBlip xmlns:asvg="http://schemas.microsoft.com/office/drawing/2016/SVG/main" r:embed="rId5"/>
-                </a:ext>
-              </a:extLst>
-            </a:blip>
-            <a:stretch>
-              <a:fillRect/>
-            </a:stretch>
-          </p:blipFill>
-          <p:spPr>
-            <a:xfrm>
-              <a:off x="11118243" y="2520950"/>
-              <a:ext cx="457200" cy="457200"/>
-            </a:xfrm>
-            <a:prstGeom prst="rect">
-              <a:avLst/>
-            </a:prstGeom>
-          </p:spPr>
-        </p:pic>
-        <p:pic>
-          <p:nvPicPr>
-            <p:cNvPr id="55" name="Graphic 54" descr="Female with solid fill">
-              <a:extLst>
-                <a:ext uri="{FF2B5EF4-FFF2-40B4-BE49-F238E27FC236}">
-                  <a16:creationId xmlns:a16="http://schemas.microsoft.com/office/drawing/2014/main" id="{2CF86E86-0FAF-7C1A-45DB-45ABB25E0844}"/>
-                </a:ext>
-              </a:extLst>
-            </p:cNvPr>
-            <p:cNvPicPr>
-              <a:picLocks noChangeAspect="1"/>
-            </p:cNvPicPr>
-            <p:nvPr/>
-          </p:nvPicPr>
-          <p:blipFill>
-            <a:blip r:embed="rId12">
-              <a:extLst>
-                <a:ext uri="{28A0092B-C50C-407E-A947-70E740481C1C}">
-                  <a14:useLocalDpi xmlns:a14="http://schemas.microsoft.com/office/drawing/2010/main" val="0"/>
-                </a:ext>
-                <a:ext uri="{96DAC541-7B7A-43D3-8B79-37D633B846F1}">
-                  <asvg:svgBlip xmlns:asvg="http://schemas.microsoft.com/office/drawing/2016/SVG/main" r:embed="rId13"/>
-                </a:ext>
-              </a:extLst>
-            </a:blip>
-            <a:stretch>
-              <a:fillRect/>
-            </a:stretch>
-          </p:blipFill>
-          <p:spPr>
-            <a:xfrm>
-              <a:off x="9994848" y="898843"/>
-              <a:ext cx="638810" cy="638810"/>
-            </a:xfrm>
-            <a:prstGeom prst="rect">
-              <a:avLst/>
-            </a:prstGeom>
-          </p:spPr>
-        </p:pic>
-      </p:grpSp>
-      <p:grpSp>
-        <p:nvGrpSpPr>
-          <p:cNvPr id="118" name="Group 117">
-            <a:extLst>
-              <a:ext uri="{FF2B5EF4-FFF2-40B4-BE49-F238E27FC236}">
-                <a16:creationId xmlns:a16="http://schemas.microsoft.com/office/drawing/2014/main" id="{5A70107B-A350-1B22-BCE2-10376FAB7AAB}"/>
-              </a:ext>
-            </a:extLst>
-          </p:cNvPr>
-          <p:cNvGrpSpPr/>
-          <p:nvPr/>
-        </p:nvGrpSpPr>
-        <p:grpSpPr>
-          <a:xfrm>
-            <a:off x="564962" y="572691"/>
-            <a:ext cx="4514850" cy="2362200"/>
-            <a:chOff x="684024" y="532762"/>
-            <a:chExt cx="4514850" cy="2362200"/>
-          </a:xfrm>
-        </p:grpSpPr>
-        <p:pic>
-          <p:nvPicPr>
-            <p:cNvPr id="61" name="Graphic 60" descr="Man with solid fill">
-              <a:extLst>
-                <a:ext uri="{FF2B5EF4-FFF2-40B4-BE49-F238E27FC236}">
-                  <a16:creationId xmlns:a16="http://schemas.microsoft.com/office/drawing/2014/main" id="{9EE28329-6265-CAD2-1A06-1A42FDFFE884}"/>
-                </a:ext>
-              </a:extLst>
-            </p:cNvPr>
-            <p:cNvPicPr>
-              <a:picLocks noChangeAspect="1"/>
-            </p:cNvPicPr>
-            <p:nvPr/>
-          </p:nvPicPr>
-          <p:blipFill>
-            <a:blip r:embed="rId2">
-              <a:extLst>
-                <a:ext uri="{28A0092B-C50C-407E-A947-70E740481C1C}">
-                  <a14:useLocalDpi xmlns:a14="http://schemas.microsoft.com/office/drawing/2010/main" val="0"/>
-                </a:ext>
-                <a:ext uri="{96DAC541-7B7A-43D3-8B79-37D633B846F1}">
-                  <asvg:svgBlip xmlns:asvg="http://schemas.microsoft.com/office/drawing/2016/SVG/main" r:embed="rId3"/>
-                </a:ext>
-              </a:extLst>
-            </a:blip>
-            <a:stretch>
-              <a:fillRect/>
-            </a:stretch>
-          </p:blipFill>
-          <p:spPr>
-            <a:xfrm>
-              <a:off x="826899" y="685162"/>
-              <a:ext cx="457200" cy="457200"/>
-            </a:xfrm>
-            <a:prstGeom prst="rect">
-              <a:avLst/>
-            </a:prstGeom>
-          </p:spPr>
-        </p:pic>
-        <p:sp>
-          <p:nvSpPr>
-            <p:cNvPr id="62" name="Rectangle 61">
-              <a:extLst>
-                <a:ext uri="{FF2B5EF4-FFF2-40B4-BE49-F238E27FC236}">
-                  <a16:creationId xmlns:a16="http://schemas.microsoft.com/office/drawing/2014/main" id="{3C40F996-4BD8-FF13-29C0-308430B5B678}"/>
-                </a:ext>
-              </a:extLst>
-            </p:cNvPr>
-            <p:cNvSpPr/>
-            <p:nvPr/>
-          </p:nvSpPr>
-          <p:spPr>
-            <a:xfrm>
-              <a:off x="684024" y="532762"/>
-              <a:ext cx="4514850" cy="2362200"/>
-            </a:xfrm>
-            <a:prstGeom prst="rect">
-              <a:avLst/>
-            </a:prstGeom>
-            <a:noFill/>
-            <a:ln w="38100"/>
-          </p:spPr>
-          <p:style>
-            <a:lnRef idx="2">
-              <a:schemeClr val="accent1">
-                <a:shade val="15000"/>
-              </a:schemeClr>
-            </a:lnRef>
-            <a:fillRef idx="1">
-              <a:schemeClr val="accent1"/>
-            </a:fillRef>
-            <a:effectRef idx="0">
-              <a:schemeClr val="accent1"/>
-            </a:effectRef>
-            <a:fontRef idx="minor">
-              <a:schemeClr val="lt1"/>
-            </a:fontRef>
-          </p:style>
-          <p:txBody>
-            <a:bodyPr rtlCol="0" anchor="ctr"/>
-            <a:lstStyle/>
-            <a:p>
-              <a:pPr algn="ctr"/>
-              <a:endParaRPr lang="en-US"/>
-            </a:p>
-          </p:txBody>
-        </p:sp>
-        <p:pic>
-          <p:nvPicPr>
-            <p:cNvPr id="64" name="Graphic 63" descr="Man with solid fill">
-              <a:extLst>
-                <a:ext uri="{FF2B5EF4-FFF2-40B4-BE49-F238E27FC236}">
-                  <a16:creationId xmlns:a16="http://schemas.microsoft.com/office/drawing/2014/main" id="{EB2353D9-11DD-35F8-05BC-9146C0474DBD}"/>
-                </a:ext>
-              </a:extLst>
-            </p:cNvPr>
-            <p:cNvPicPr>
-              <a:picLocks noChangeAspect="1"/>
-            </p:cNvPicPr>
-            <p:nvPr/>
-          </p:nvPicPr>
-          <p:blipFill>
-            <a:blip r:embed="rId4">
-              <a:extLst>
-                <a:ext uri="{28A0092B-C50C-407E-A947-70E740481C1C}">
-                  <a14:useLocalDpi xmlns:a14="http://schemas.microsoft.com/office/drawing/2010/main" val="0"/>
-                </a:ext>
-                <a:ext uri="{96DAC541-7B7A-43D3-8B79-37D633B846F1}">
-                  <asvg:svgBlip xmlns:asvg="http://schemas.microsoft.com/office/drawing/2016/SVG/main" r:embed="rId5"/>
-                </a:ext>
-              </a:extLst>
-            </a:blip>
-            <a:stretch>
-              <a:fillRect/>
-            </a:stretch>
-          </p:blipFill>
-          <p:spPr>
-            <a:xfrm>
-              <a:off x="1457296" y="682941"/>
-              <a:ext cx="457200" cy="457200"/>
-            </a:xfrm>
-            <a:prstGeom prst="rect">
-              <a:avLst/>
-            </a:prstGeom>
-          </p:spPr>
-        </p:pic>
-        <p:pic>
-          <p:nvPicPr>
-            <p:cNvPr id="67" name="Graphic 66" descr="Man with solid fill">
-              <a:extLst>
-                <a:ext uri="{FF2B5EF4-FFF2-40B4-BE49-F238E27FC236}">
-                  <a16:creationId xmlns:a16="http://schemas.microsoft.com/office/drawing/2014/main" id="{D3494DB3-2AFD-2E22-63D1-A683535CA540}"/>
-                </a:ext>
-              </a:extLst>
-            </p:cNvPr>
-            <p:cNvPicPr>
-              <a:picLocks noChangeAspect="1"/>
-            </p:cNvPicPr>
-            <p:nvPr/>
-          </p:nvPicPr>
-          <p:blipFill>
-            <a:blip r:embed="rId2">
-              <a:extLst>
-                <a:ext uri="{28A0092B-C50C-407E-A947-70E740481C1C}">
-                  <a14:useLocalDpi xmlns:a14="http://schemas.microsoft.com/office/drawing/2010/main" val="0"/>
-                </a:ext>
-                <a:ext uri="{96DAC541-7B7A-43D3-8B79-37D633B846F1}">
-                  <asvg:svgBlip xmlns:asvg="http://schemas.microsoft.com/office/drawing/2016/SVG/main" r:embed="rId3"/>
-                </a:ext>
-              </a:extLst>
-            </a:blip>
-            <a:stretch>
-              <a:fillRect/>
-            </a:stretch>
-          </p:blipFill>
-          <p:spPr>
-            <a:xfrm>
-              <a:off x="2089450" y="682941"/>
-              <a:ext cx="457200" cy="457200"/>
-            </a:xfrm>
-            <a:prstGeom prst="rect">
-              <a:avLst/>
-            </a:prstGeom>
-          </p:spPr>
-        </p:pic>
-        <p:pic>
-          <p:nvPicPr>
-            <p:cNvPr id="100" name="Graphic 99" descr="Man with solid fill">
-              <a:extLst>
-                <a:ext uri="{FF2B5EF4-FFF2-40B4-BE49-F238E27FC236}">
-                  <a16:creationId xmlns:a16="http://schemas.microsoft.com/office/drawing/2014/main" id="{0698FA3A-6716-C54A-828A-804934A7DAA3}"/>
-                </a:ext>
-              </a:extLst>
-            </p:cNvPr>
-            <p:cNvPicPr>
-              <a:picLocks noChangeAspect="1"/>
-            </p:cNvPicPr>
-            <p:nvPr/>
-          </p:nvPicPr>
-          <p:blipFill>
-            <a:blip r:embed="rId4">
-              <a:extLst>
-                <a:ext uri="{28A0092B-C50C-407E-A947-70E740481C1C}">
-                  <a14:useLocalDpi xmlns:a14="http://schemas.microsoft.com/office/drawing/2010/main" val="0"/>
-                </a:ext>
-                <a:ext uri="{96DAC541-7B7A-43D3-8B79-37D633B846F1}">
-                  <asvg:svgBlip xmlns:asvg="http://schemas.microsoft.com/office/drawing/2016/SVG/main" r:embed="rId5"/>
-                </a:ext>
-              </a:extLst>
-            </a:blip>
-            <a:stretch>
-              <a:fillRect/>
-            </a:stretch>
-          </p:blipFill>
-          <p:spPr>
-            <a:xfrm>
-              <a:off x="2719478" y="682941"/>
-              <a:ext cx="457200" cy="457200"/>
-            </a:xfrm>
-            <a:prstGeom prst="rect">
-              <a:avLst/>
-            </a:prstGeom>
-          </p:spPr>
-        </p:pic>
-        <p:pic>
-          <p:nvPicPr>
-            <p:cNvPr id="101" name="Graphic 100" descr="Man with solid fill">
-              <a:extLst>
-                <a:ext uri="{FF2B5EF4-FFF2-40B4-BE49-F238E27FC236}">
-                  <a16:creationId xmlns:a16="http://schemas.microsoft.com/office/drawing/2014/main" id="{C39BE2D9-B3D6-D251-F42A-E87FCF575E74}"/>
-                </a:ext>
-              </a:extLst>
-            </p:cNvPr>
-            <p:cNvPicPr>
-              <a:picLocks noChangeAspect="1"/>
-            </p:cNvPicPr>
-            <p:nvPr/>
-          </p:nvPicPr>
-          <p:blipFill>
-            <a:blip r:embed="rId2">
-              <a:extLst>
-                <a:ext uri="{28A0092B-C50C-407E-A947-70E740481C1C}">
-                  <a14:useLocalDpi xmlns:a14="http://schemas.microsoft.com/office/drawing/2010/main" val="0"/>
-                </a:ext>
-                <a:ext uri="{96DAC541-7B7A-43D3-8B79-37D633B846F1}">
-                  <asvg:svgBlip xmlns:asvg="http://schemas.microsoft.com/office/drawing/2016/SVG/main" r:embed="rId3"/>
-                </a:ext>
-              </a:extLst>
-            </a:blip>
-            <a:stretch>
-              <a:fillRect/>
-            </a:stretch>
-          </p:blipFill>
-          <p:spPr>
-            <a:xfrm>
-              <a:off x="3321193" y="682941"/>
-              <a:ext cx="457200" cy="457200"/>
-            </a:xfrm>
-            <a:prstGeom prst="rect">
-              <a:avLst/>
-            </a:prstGeom>
-          </p:spPr>
-        </p:pic>
-        <p:pic>
-          <p:nvPicPr>
-            <p:cNvPr id="102" name="Graphic 101" descr="Man with solid fill">
-              <a:extLst>
-                <a:ext uri="{FF2B5EF4-FFF2-40B4-BE49-F238E27FC236}">
-                  <a16:creationId xmlns:a16="http://schemas.microsoft.com/office/drawing/2014/main" id="{55FC59A6-F71E-5494-B74E-828F1215EEAA}"/>
-                </a:ext>
-              </a:extLst>
-            </p:cNvPr>
-            <p:cNvPicPr>
-              <a:picLocks noChangeAspect="1"/>
-            </p:cNvPicPr>
-            <p:nvPr/>
-          </p:nvPicPr>
-          <p:blipFill>
-            <a:blip r:embed="rId4">
-              <a:extLst>
-                <a:ext uri="{28A0092B-C50C-407E-A947-70E740481C1C}">
-                  <a14:useLocalDpi xmlns:a14="http://schemas.microsoft.com/office/drawing/2010/main" val="0"/>
-                </a:ext>
-                <a:ext uri="{96DAC541-7B7A-43D3-8B79-37D633B846F1}">
-                  <asvg:svgBlip xmlns:asvg="http://schemas.microsoft.com/office/drawing/2016/SVG/main" r:embed="rId5"/>
-                </a:ext>
-              </a:extLst>
-            </a:blip>
-            <a:stretch>
-              <a:fillRect/>
-            </a:stretch>
-          </p:blipFill>
-          <p:spPr>
-            <a:xfrm>
-              <a:off x="3956193" y="682941"/>
-              <a:ext cx="457200" cy="457200"/>
-            </a:xfrm>
-            <a:prstGeom prst="rect">
-              <a:avLst/>
-            </a:prstGeom>
-          </p:spPr>
-        </p:pic>
-        <p:pic>
-          <p:nvPicPr>
-            <p:cNvPr id="103" name="Graphic 102" descr="Man with solid fill">
-              <a:extLst>
-                <a:ext uri="{FF2B5EF4-FFF2-40B4-BE49-F238E27FC236}">
-                  <a16:creationId xmlns:a16="http://schemas.microsoft.com/office/drawing/2014/main" id="{18C2E6CA-72A6-BE21-3EBA-CDABD69D9E43}"/>
-                </a:ext>
-              </a:extLst>
-            </p:cNvPr>
-            <p:cNvPicPr>
-              <a:picLocks noChangeAspect="1"/>
-            </p:cNvPicPr>
-            <p:nvPr/>
-          </p:nvPicPr>
-          <p:blipFill>
-            <a:blip r:embed="rId2">
-              <a:extLst>
-                <a:ext uri="{28A0092B-C50C-407E-A947-70E740481C1C}">
-                  <a14:useLocalDpi xmlns:a14="http://schemas.microsoft.com/office/drawing/2010/main" val="0"/>
-                </a:ext>
-                <a:ext uri="{96DAC541-7B7A-43D3-8B79-37D633B846F1}">
-                  <asvg:svgBlip xmlns:asvg="http://schemas.microsoft.com/office/drawing/2016/SVG/main" r:embed="rId3"/>
-                </a:ext>
-              </a:extLst>
-            </a:blip>
-            <a:stretch>
-              <a:fillRect/>
-            </a:stretch>
-          </p:blipFill>
-          <p:spPr>
-            <a:xfrm>
-              <a:off x="4559195" y="682941"/>
-              <a:ext cx="457200" cy="457200"/>
-            </a:xfrm>
-            <a:prstGeom prst="rect">
-              <a:avLst/>
-            </a:prstGeom>
-          </p:spPr>
-        </p:pic>
-        <p:pic>
-          <p:nvPicPr>
-            <p:cNvPr id="104" name="Graphic 103" descr="Man with solid fill">
-              <a:extLst>
-                <a:ext uri="{FF2B5EF4-FFF2-40B4-BE49-F238E27FC236}">
-                  <a16:creationId xmlns:a16="http://schemas.microsoft.com/office/drawing/2014/main" id="{A0C84683-1312-244D-66AE-2D544447B847}"/>
-                </a:ext>
-              </a:extLst>
-            </p:cNvPr>
-            <p:cNvPicPr>
-              <a:picLocks noChangeAspect="1"/>
-            </p:cNvPicPr>
-            <p:nvPr/>
-          </p:nvPicPr>
-          <p:blipFill>
-            <a:blip r:embed="rId2">
-              <a:extLst>
-                <a:ext uri="{28A0092B-C50C-407E-A947-70E740481C1C}">
-                  <a14:useLocalDpi xmlns:a14="http://schemas.microsoft.com/office/drawing/2010/main" val="0"/>
-                </a:ext>
-                <a:ext uri="{96DAC541-7B7A-43D3-8B79-37D633B846F1}">
-                  <asvg:svgBlip xmlns:asvg="http://schemas.microsoft.com/office/drawing/2016/SVG/main" r:embed="rId3"/>
-                </a:ext>
-              </a:extLst>
-            </a:blip>
-            <a:stretch>
-              <a:fillRect/>
-            </a:stretch>
-          </p:blipFill>
-          <p:spPr>
-            <a:xfrm>
-              <a:off x="826899" y="1447162"/>
-              <a:ext cx="457200" cy="457200"/>
-            </a:xfrm>
-            <a:prstGeom prst="rect">
-              <a:avLst/>
-            </a:prstGeom>
-          </p:spPr>
-        </p:pic>
-        <p:pic>
-          <p:nvPicPr>
-            <p:cNvPr id="105" name="Graphic 104" descr="Man with solid fill">
-              <a:extLst>
-                <a:ext uri="{FF2B5EF4-FFF2-40B4-BE49-F238E27FC236}">
-                  <a16:creationId xmlns:a16="http://schemas.microsoft.com/office/drawing/2014/main" id="{CEC4DB4A-0DE8-AFCA-30AC-BAF48B033444}"/>
-                </a:ext>
-              </a:extLst>
-            </p:cNvPr>
-            <p:cNvPicPr>
-              <a:picLocks noChangeAspect="1"/>
-            </p:cNvPicPr>
-            <p:nvPr/>
-          </p:nvPicPr>
-          <p:blipFill>
-            <a:blip r:embed="rId4">
-              <a:extLst>
-                <a:ext uri="{28A0092B-C50C-407E-A947-70E740481C1C}">
-                  <a14:useLocalDpi xmlns:a14="http://schemas.microsoft.com/office/drawing/2010/main" val="0"/>
-                </a:ext>
-                <a:ext uri="{96DAC541-7B7A-43D3-8B79-37D633B846F1}">
-                  <asvg:svgBlip xmlns:asvg="http://schemas.microsoft.com/office/drawing/2016/SVG/main" r:embed="rId5"/>
-                </a:ext>
-              </a:extLst>
-            </a:blip>
-            <a:stretch>
-              <a:fillRect/>
-            </a:stretch>
-          </p:blipFill>
-          <p:spPr>
-            <a:xfrm>
-              <a:off x="1457296" y="1444941"/>
-              <a:ext cx="457200" cy="457200"/>
-            </a:xfrm>
-            <a:prstGeom prst="rect">
-              <a:avLst/>
-            </a:prstGeom>
-          </p:spPr>
-        </p:pic>
-        <p:pic>
-          <p:nvPicPr>
-            <p:cNvPr id="106" name="Graphic 105" descr="Man with solid fill">
-              <a:extLst>
-                <a:ext uri="{FF2B5EF4-FFF2-40B4-BE49-F238E27FC236}">
-                  <a16:creationId xmlns:a16="http://schemas.microsoft.com/office/drawing/2014/main" id="{E1DD4ABC-0A2C-E308-CC2B-D550E0F72E92}"/>
-                </a:ext>
-              </a:extLst>
-            </p:cNvPr>
-            <p:cNvPicPr>
-              <a:picLocks noChangeAspect="1"/>
-            </p:cNvPicPr>
-            <p:nvPr/>
-          </p:nvPicPr>
-          <p:blipFill>
-            <a:blip r:embed="rId2">
-              <a:extLst>
-                <a:ext uri="{28A0092B-C50C-407E-A947-70E740481C1C}">
-                  <a14:useLocalDpi xmlns:a14="http://schemas.microsoft.com/office/drawing/2010/main" val="0"/>
-                </a:ext>
-                <a:ext uri="{96DAC541-7B7A-43D3-8B79-37D633B846F1}">
-                  <asvg:svgBlip xmlns:asvg="http://schemas.microsoft.com/office/drawing/2016/SVG/main" r:embed="rId3"/>
-                </a:ext>
-              </a:extLst>
-            </a:blip>
-            <a:stretch>
-              <a:fillRect/>
-            </a:stretch>
-          </p:blipFill>
-          <p:spPr>
-            <a:xfrm>
-              <a:off x="2089450" y="1444941"/>
-              <a:ext cx="457200" cy="457200"/>
-            </a:xfrm>
-            <a:prstGeom prst="rect">
-              <a:avLst/>
-            </a:prstGeom>
-          </p:spPr>
-        </p:pic>
-        <p:pic>
-          <p:nvPicPr>
-            <p:cNvPr id="107" name="Graphic 106" descr="Man with solid fill">
-              <a:extLst>
-                <a:ext uri="{FF2B5EF4-FFF2-40B4-BE49-F238E27FC236}">
-                  <a16:creationId xmlns:a16="http://schemas.microsoft.com/office/drawing/2014/main" id="{4CBD7A10-EA19-E13B-3BA5-EEE29E6BFB44}"/>
-                </a:ext>
-              </a:extLst>
-            </p:cNvPr>
-            <p:cNvPicPr>
-              <a:picLocks noChangeAspect="1"/>
-            </p:cNvPicPr>
-            <p:nvPr/>
-          </p:nvPicPr>
-          <p:blipFill>
-            <a:blip r:embed="rId4">
-              <a:extLst>
-                <a:ext uri="{28A0092B-C50C-407E-A947-70E740481C1C}">
-                  <a14:useLocalDpi xmlns:a14="http://schemas.microsoft.com/office/drawing/2010/main" val="0"/>
-                </a:ext>
-                <a:ext uri="{96DAC541-7B7A-43D3-8B79-37D633B846F1}">
-                  <asvg:svgBlip xmlns:asvg="http://schemas.microsoft.com/office/drawing/2016/SVG/main" r:embed="rId5"/>
-                </a:ext>
-              </a:extLst>
-            </a:blip>
-            <a:stretch>
-              <a:fillRect/>
-            </a:stretch>
-          </p:blipFill>
-          <p:spPr>
-            <a:xfrm>
-              <a:off x="2719478" y="1444941"/>
-              <a:ext cx="457200" cy="457200"/>
-            </a:xfrm>
-            <a:prstGeom prst="rect">
-              <a:avLst/>
-            </a:prstGeom>
-          </p:spPr>
-        </p:pic>
-        <p:pic>
-          <p:nvPicPr>
-            <p:cNvPr id="108" name="Graphic 107" descr="Man with solid fill">
-              <a:extLst>
-                <a:ext uri="{FF2B5EF4-FFF2-40B4-BE49-F238E27FC236}">
-                  <a16:creationId xmlns:a16="http://schemas.microsoft.com/office/drawing/2014/main" id="{6B4844D4-B78E-06EA-4134-B619F3188AFD}"/>
-                </a:ext>
-              </a:extLst>
-            </p:cNvPr>
-            <p:cNvPicPr>
-              <a:picLocks noChangeAspect="1"/>
-            </p:cNvPicPr>
-            <p:nvPr/>
-          </p:nvPicPr>
-          <p:blipFill>
-            <a:blip r:embed="rId2">
-              <a:extLst>
-                <a:ext uri="{28A0092B-C50C-407E-A947-70E740481C1C}">
-                  <a14:useLocalDpi xmlns:a14="http://schemas.microsoft.com/office/drawing/2010/main" val="0"/>
-                </a:ext>
-                <a:ext uri="{96DAC541-7B7A-43D3-8B79-37D633B846F1}">
-                  <asvg:svgBlip xmlns:asvg="http://schemas.microsoft.com/office/drawing/2016/SVG/main" r:embed="rId3"/>
-                </a:ext>
-              </a:extLst>
-            </a:blip>
-            <a:stretch>
-              <a:fillRect/>
-            </a:stretch>
-          </p:blipFill>
-          <p:spPr>
-            <a:xfrm>
-              <a:off x="3321193" y="1444941"/>
-              <a:ext cx="457200" cy="457200"/>
-            </a:xfrm>
-            <a:prstGeom prst="rect">
-              <a:avLst/>
-            </a:prstGeom>
-          </p:spPr>
-        </p:pic>
-        <p:pic>
-          <p:nvPicPr>
-            <p:cNvPr id="109" name="Graphic 108" descr="Man with solid fill">
-              <a:extLst>
-                <a:ext uri="{FF2B5EF4-FFF2-40B4-BE49-F238E27FC236}">
-                  <a16:creationId xmlns:a16="http://schemas.microsoft.com/office/drawing/2014/main" id="{82F178AA-15AC-E2DF-5C2F-455D235711CA}"/>
-                </a:ext>
-              </a:extLst>
-            </p:cNvPr>
-            <p:cNvPicPr>
-              <a:picLocks noChangeAspect="1"/>
-            </p:cNvPicPr>
-            <p:nvPr/>
-          </p:nvPicPr>
-          <p:blipFill>
-            <a:blip r:embed="rId4">
-              <a:extLst>
-                <a:ext uri="{28A0092B-C50C-407E-A947-70E740481C1C}">
-                  <a14:useLocalDpi xmlns:a14="http://schemas.microsoft.com/office/drawing/2010/main" val="0"/>
-                </a:ext>
-                <a:ext uri="{96DAC541-7B7A-43D3-8B79-37D633B846F1}">
-                  <asvg:svgBlip xmlns:asvg="http://schemas.microsoft.com/office/drawing/2016/SVG/main" r:embed="rId5"/>
-                </a:ext>
-              </a:extLst>
-            </a:blip>
-            <a:stretch>
-              <a:fillRect/>
-            </a:stretch>
-          </p:blipFill>
-          <p:spPr>
-            <a:xfrm>
-              <a:off x="3956193" y="1444941"/>
-              <a:ext cx="457200" cy="457200"/>
-            </a:xfrm>
-            <a:prstGeom prst="rect">
-              <a:avLst/>
-            </a:prstGeom>
-          </p:spPr>
-        </p:pic>
-        <p:pic>
-          <p:nvPicPr>
-            <p:cNvPr id="110" name="Graphic 109" descr="Man with solid fill">
-              <a:extLst>
-                <a:ext uri="{FF2B5EF4-FFF2-40B4-BE49-F238E27FC236}">
-                  <a16:creationId xmlns:a16="http://schemas.microsoft.com/office/drawing/2014/main" id="{8AAB0A3F-2A34-23E9-4483-34FC858EE863}"/>
-                </a:ext>
-              </a:extLst>
-            </p:cNvPr>
-            <p:cNvPicPr>
-              <a:picLocks noChangeAspect="1"/>
-            </p:cNvPicPr>
-            <p:nvPr/>
-          </p:nvPicPr>
-          <p:blipFill>
-            <a:blip r:embed="rId2">
-              <a:extLst>
-                <a:ext uri="{28A0092B-C50C-407E-A947-70E740481C1C}">
-                  <a14:useLocalDpi xmlns:a14="http://schemas.microsoft.com/office/drawing/2010/main" val="0"/>
-                </a:ext>
-                <a:ext uri="{96DAC541-7B7A-43D3-8B79-37D633B846F1}">
-                  <asvg:svgBlip xmlns:asvg="http://schemas.microsoft.com/office/drawing/2016/SVG/main" r:embed="rId3"/>
-                </a:ext>
-              </a:extLst>
-            </a:blip>
-            <a:stretch>
-              <a:fillRect/>
-            </a:stretch>
-          </p:blipFill>
-          <p:spPr>
-            <a:xfrm>
-              <a:off x="4559195" y="1444941"/>
-              <a:ext cx="457200" cy="457200"/>
-            </a:xfrm>
-            <a:prstGeom prst="rect">
-              <a:avLst/>
-            </a:prstGeom>
-          </p:spPr>
-        </p:pic>
-        <p:pic>
-          <p:nvPicPr>
-            <p:cNvPr id="111" name="Graphic 110" descr="Man with solid fill">
-              <a:extLst>
-                <a:ext uri="{FF2B5EF4-FFF2-40B4-BE49-F238E27FC236}">
-                  <a16:creationId xmlns:a16="http://schemas.microsoft.com/office/drawing/2014/main" id="{546E19D6-63BF-1AAF-E151-320C97EE8E10}"/>
-                </a:ext>
-              </a:extLst>
-            </p:cNvPr>
-            <p:cNvPicPr>
-              <a:picLocks noChangeAspect="1"/>
-            </p:cNvPicPr>
-            <p:nvPr/>
-          </p:nvPicPr>
-          <p:blipFill>
-            <a:blip r:embed="rId2">
-              <a:extLst>
-                <a:ext uri="{28A0092B-C50C-407E-A947-70E740481C1C}">
-                  <a14:useLocalDpi xmlns:a14="http://schemas.microsoft.com/office/drawing/2010/main" val="0"/>
-                </a:ext>
-                <a:ext uri="{96DAC541-7B7A-43D3-8B79-37D633B846F1}">
-                  <asvg:svgBlip xmlns:asvg="http://schemas.microsoft.com/office/drawing/2016/SVG/main" r:embed="rId3"/>
-                </a:ext>
-              </a:extLst>
-            </a:blip>
-            <a:stretch>
-              <a:fillRect/>
-            </a:stretch>
-          </p:blipFill>
-          <p:spPr>
-            <a:xfrm>
-              <a:off x="826899" y="2194557"/>
-              <a:ext cx="457200" cy="457200"/>
-            </a:xfrm>
-            <a:prstGeom prst="rect">
-              <a:avLst/>
-            </a:prstGeom>
-          </p:spPr>
-        </p:pic>
-        <p:pic>
-          <p:nvPicPr>
-            <p:cNvPr id="112" name="Graphic 111" descr="Man with solid fill">
-              <a:extLst>
-                <a:ext uri="{FF2B5EF4-FFF2-40B4-BE49-F238E27FC236}">
-                  <a16:creationId xmlns:a16="http://schemas.microsoft.com/office/drawing/2014/main" id="{2A343C9C-DE9E-50B0-D779-C8DAC809D724}"/>
-                </a:ext>
-              </a:extLst>
-            </p:cNvPr>
-            <p:cNvPicPr>
-              <a:picLocks noChangeAspect="1"/>
-            </p:cNvPicPr>
-            <p:nvPr/>
-          </p:nvPicPr>
-          <p:blipFill>
-            <a:blip r:embed="rId4">
-              <a:extLst>
-                <a:ext uri="{28A0092B-C50C-407E-A947-70E740481C1C}">
-                  <a14:useLocalDpi xmlns:a14="http://schemas.microsoft.com/office/drawing/2010/main" val="0"/>
-                </a:ext>
-                <a:ext uri="{96DAC541-7B7A-43D3-8B79-37D633B846F1}">
-                  <asvg:svgBlip xmlns:asvg="http://schemas.microsoft.com/office/drawing/2016/SVG/main" r:embed="rId5"/>
-                </a:ext>
-              </a:extLst>
-            </a:blip>
-            <a:stretch>
-              <a:fillRect/>
-            </a:stretch>
-          </p:blipFill>
-          <p:spPr>
-            <a:xfrm>
-              <a:off x="1457296" y="2192336"/>
-              <a:ext cx="457200" cy="457200"/>
-            </a:xfrm>
-            <a:prstGeom prst="rect">
-              <a:avLst/>
-            </a:prstGeom>
-          </p:spPr>
-        </p:pic>
-        <p:pic>
-          <p:nvPicPr>
-            <p:cNvPr id="113" name="Graphic 112" descr="Man with solid fill">
-              <a:extLst>
-                <a:ext uri="{FF2B5EF4-FFF2-40B4-BE49-F238E27FC236}">
-                  <a16:creationId xmlns:a16="http://schemas.microsoft.com/office/drawing/2014/main" id="{210F3940-506C-6686-F896-FFC052A95CC8}"/>
-                </a:ext>
-              </a:extLst>
-            </p:cNvPr>
-            <p:cNvPicPr>
-              <a:picLocks noChangeAspect="1"/>
-            </p:cNvPicPr>
-            <p:nvPr/>
-          </p:nvPicPr>
-          <p:blipFill>
-            <a:blip r:embed="rId2">
-              <a:extLst>
-                <a:ext uri="{28A0092B-C50C-407E-A947-70E740481C1C}">
-                  <a14:useLocalDpi xmlns:a14="http://schemas.microsoft.com/office/drawing/2010/main" val="0"/>
-                </a:ext>
-                <a:ext uri="{96DAC541-7B7A-43D3-8B79-37D633B846F1}">
-                  <asvg:svgBlip xmlns:asvg="http://schemas.microsoft.com/office/drawing/2016/SVG/main" r:embed="rId3"/>
-                </a:ext>
-              </a:extLst>
-            </a:blip>
-            <a:stretch>
-              <a:fillRect/>
-            </a:stretch>
-          </p:blipFill>
-          <p:spPr>
-            <a:xfrm>
-              <a:off x="2089450" y="2192336"/>
-              <a:ext cx="457200" cy="457200"/>
-            </a:xfrm>
-            <a:prstGeom prst="rect">
-              <a:avLst/>
-            </a:prstGeom>
-          </p:spPr>
-        </p:pic>
-        <p:pic>
-          <p:nvPicPr>
-            <p:cNvPr id="114" name="Graphic 113" descr="Man with solid fill">
-              <a:extLst>
-                <a:ext uri="{FF2B5EF4-FFF2-40B4-BE49-F238E27FC236}">
-                  <a16:creationId xmlns:a16="http://schemas.microsoft.com/office/drawing/2014/main" id="{2EFC7FA2-4331-302A-2CBB-973A42B9BE34}"/>
-                </a:ext>
-              </a:extLst>
-            </p:cNvPr>
-            <p:cNvPicPr>
-              <a:picLocks noChangeAspect="1"/>
-            </p:cNvPicPr>
-            <p:nvPr/>
-          </p:nvPicPr>
-          <p:blipFill>
-            <a:blip r:embed="rId4">
-              <a:extLst>
-                <a:ext uri="{28A0092B-C50C-407E-A947-70E740481C1C}">
-                  <a14:useLocalDpi xmlns:a14="http://schemas.microsoft.com/office/drawing/2010/main" val="0"/>
-                </a:ext>
-                <a:ext uri="{96DAC541-7B7A-43D3-8B79-37D633B846F1}">
-                  <asvg:svgBlip xmlns:asvg="http://schemas.microsoft.com/office/drawing/2016/SVG/main" r:embed="rId5"/>
-                </a:ext>
-              </a:extLst>
-            </a:blip>
-            <a:stretch>
-              <a:fillRect/>
-            </a:stretch>
-          </p:blipFill>
-          <p:spPr>
-            <a:xfrm>
-              <a:off x="2719478" y="2192336"/>
-              <a:ext cx="457200" cy="457200"/>
-            </a:xfrm>
-            <a:prstGeom prst="rect">
-              <a:avLst/>
-            </a:prstGeom>
-          </p:spPr>
-        </p:pic>
-        <p:pic>
-          <p:nvPicPr>
-            <p:cNvPr id="115" name="Graphic 114" descr="Man with solid fill">
-              <a:extLst>
-                <a:ext uri="{FF2B5EF4-FFF2-40B4-BE49-F238E27FC236}">
-                  <a16:creationId xmlns:a16="http://schemas.microsoft.com/office/drawing/2014/main" id="{D7C6B8FD-002A-2AE2-3B6A-1AB581593FB4}"/>
-                </a:ext>
-              </a:extLst>
-            </p:cNvPr>
-            <p:cNvPicPr>
-              <a:picLocks noChangeAspect="1"/>
-            </p:cNvPicPr>
-            <p:nvPr/>
-          </p:nvPicPr>
-          <p:blipFill>
-            <a:blip r:embed="rId2">
-              <a:extLst>
-                <a:ext uri="{28A0092B-C50C-407E-A947-70E740481C1C}">
-                  <a14:useLocalDpi xmlns:a14="http://schemas.microsoft.com/office/drawing/2010/main" val="0"/>
-                </a:ext>
-                <a:ext uri="{96DAC541-7B7A-43D3-8B79-37D633B846F1}">
-                  <asvg:svgBlip xmlns:asvg="http://schemas.microsoft.com/office/drawing/2016/SVG/main" r:embed="rId3"/>
-                </a:ext>
-              </a:extLst>
-            </a:blip>
-            <a:stretch>
-              <a:fillRect/>
-            </a:stretch>
-          </p:blipFill>
-          <p:spPr>
-            <a:xfrm>
-              <a:off x="3321193" y="2192336"/>
-              <a:ext cx="457200" cy="457200"/>
-            </a:xfrm>
-            <a:prstGeom prst="rect">
-              <a:avLst/>
-            </a:prstGeom>
-          </p:spPr>
-        </p:pic>
-        <p:pic>
-          <p:nvPicPr>
-            <p:cNvPr id="116" name="Graphic 115" descr="Man with solid fill">
-              <a:extLst>
-                <a:ext uri="{FF2B5EF4-FFF2-40B4-BE49-F238E27FC236}">
-                  <a16:creationId xmlns:a16="http://schemas.microsoft.com/office/drawing/2014/main" id="{E37FB85C-617E-BE98-B723-3E3B2C2FFE6B}"/>
-                </a:ext>
-              </a:extLst>
-            </p:cNvPr>
-            <p:cNvPicPr>
-              <a:picLocks noChangeAspect="1"/>
-            </p:cNvPicPr>
-            <p:nvPr/>
-          </p:nvPicPr>
-          <p:blipFill>
-            <a:blip r:embed="rId4">
-              <a:extLst>
-                <a:ext uri="{28A0092B-C50C-407E-A947-70E740481C1C}">
-                  <a14:useLocalDpi xmlns:a14="http://schemas.microsoft.com/office/drawing/2010/main" val="0"/>
-                </a:ext>
-                <a:ext uri="{96DAC541-7B7A-43D3-8B79-37D633B846F1}">
-                  <asvg:svgBlip xmlns:asvg="http://schemas.microsoft.com/office/drawing/2016/SVG/main" r:embed="rId5"/>
-                </a:ext>
-              </a:extLst>
-            </a:blip>
-            <a:stretch>
-              <a:fillRect/>
-            </a:stretch>
-          </p:blipFill>
-          <p:spPr>
-            <a:xfrm>
-              <a:off x="3956193" y="2192336"/>
-              <a:ext cx="457200" cy="457200"/>
-            </a:xfrm>
-            <a:prstGeom prst="rect">
-              <a:avLst/>
-            </a:prstGeom>
-          </p:spPr>
-        </p:pic>
-        <p:pic>
-          <p:nvPicPr>
-            <p:cNvPr id="117" name="Graphic 116" descr="Man with solid fill">
-              <a:extLst>
-                <a:ext uri="{FF2B5EF4-FFF2-40B4-BE49-F238E27FC236}">
-                  <a16:creationId xmlns:a16="http://schemas.microsoft.com/office/drawing/2014/main" id="{05E77A2A-CF34-29AE-0565-8D72FB220192}"/>
-                </a:ext>
-              </a:extLst>
-            </p:cNvPr>
-            <p:cNvPicPr>
-              <a:picLocks noChangeAspect="1"/>
-            </p:cNvPicPr>
-            <p:nvPr/>
-          </p:nvPicPr>
-          <p:blipFill>
-            <a:blip r:embed="rId2">
-              <a:extLst>
-                <a:ext uri="{28A0092B-C50C-407E-A947-70E740481C1C}">
-                  <a14:useLocalDpi xmlns:a14="http://schemas.microsoft.com/office/drawing/2010/main" val="0"/>
-                </a:ext>
-                <a:ext uri="{96DAC541-7B7A-43D3-8B79-37D633B846F1}">
-                  <asvg:svgBlip xmlns:asvg="http://schemas.microsoft.com/office/drawing/2016/SVG/main" r:embed="rId3"/>
-                </a:ext>
-              </a:extLst>
-            </a:blip>
-            <a:stretch>
-              <a:fillRect/>
-            </a:stretch>
-          </p:blipFill>
-          <p:spPr>
-            <a:xfrm>
-              <a:off x="4559195" y="2192336"/>
-              <a:ext cx="457200" cy="457200"/>
-            </a:xfrm>
-            <a:prstGeom prst="rect">
-              <a:avLst/>
-            </a:prstGeom>
-          </p:spPr>
-        </p:pic>
-      </p:grpSp>
-      <p:grpSp>
-        <p:nvGrpSpPr>
-          <p:cNvPr id="149" name="Group 148">
-            <a:extLst>
-              <a:ext uri="{FF2B5EF4-FFF2-40B4-BE49-F238E27FC236}">
-                <a16:creationId xmlns:a16="http://schemas.microsoft.com/office/drawing/2014/main" id="{ACB25BB2-7C09-CC04-6B1A-8208FB439113}"/>
-              </a:ext>
-            </a:extLst>
-          </p:cNvPr>
-          <p:cNvGrpSpPr/>
-          <p:nvPr/>
-        </p:nvGrpSpPr>
-        <p:grpSpPr>
-          <a:xfrm>
-            <a:off x="235527" y="4355146"/>
-            <a:ext cx="5808905" cy="2362200"/>
-            <a:chOff x="235527" y="4355146"/>
-            <a:chExt cx="5808905" cy="2362200"/>
-          </a:xfrm>
-        </p:grpSpPr>
-        <p:sp>
-          <p:nvSpPr>
-            <p:cNvPr id="82" name="Rectangle 81">
-              <a:extLst>
-                <a:ext uri="{FF2B5EF4-FFF2-40B4-BE49-F238E27FC236}">
-                  <a16:creationId xmlns:a16="http://schemas.microsoft.com/office/drawing/2014/main" id="{344A1145-5B39-624B-84F5-C9E28A6A57F5}"/>
-                </a:ext>
-              </a:extLst>
-            </p:cNvPr>
-            <p:cNvSpPr/>
-            <p:nvPr/>
-          </p:nvSpPr>
-          <p:spPr>
-            <a:xfrm>
-              <a:off x="235527" y="4355146"/>
-              <a:ext cx="5808905" cy="2362200"/>
-            </a:xfrm>
-            <a:prstGeom prst="rect">
-              <a:avLst/>
-            </a:prstGeom>
-            <a:noFill/>
-            <a:ln w="38100"/>
-          </p:spPr>
-          <p:style>
-            <a:lnRef idx="2">
-              <a:schemeClr val="accent1">
-                <a:shade val="15000"/>
-              </a:schemeClr>
-            </a:lnRef>
-            <a:fillRef idx="1">
-              <a:schemeClr val="accent1"/>
-            </a:fillRef>
-            <a:effectRef idx="0">
-              <a:schemeClr val="accent1"/>
-            </a:effectRef>
-            <a:fontRef idx="minor">
-              <a:schemeClr val="lt1"/>
-            </a:fontRef>
-          </p:style>
-          <p:txBody>
-            <a:bodyPr rtlCol="0" anchor="ctr"/>
-            <a:lstStyle/>
-            <a:p>
-              <a:pPr algn="ctr"/>
-              <a:endParaRPr lang="en-US"/>
-            </a:p>
-          </p:txBody>
-        </p:sp>
-        <p:sp>
-          <p:nvSpPr>
-            <p:cNvPr id="119" name="Oval 118">
-              <a:extLst>
-                <a:ext uri="{FF2B5EF4-FFF2-40B4-BE49-F238E27FC236}">
-                  <a16:creationId xmlns:a16="http://schemas.microsoft.com/office/drawing/2014/main" id="{D7124E7F-FE81-CC7D-1F7A-8691AF12BAA6}"/>
-                </a:ext>
-              </a:extLst>
-            </p:cNvPr>
-            <p:cNvSpPr/>
-            <p:nvPr/>
-          </p:nvSpPr>
-          <p:spPr>
-            <a:xfrm>
-              <a:off x="397423" y="4439360"/>
-              <a:ext cx="1406753" cy="971478"/>
-            </a:xfrm>
-            <a:prstGeom prst="ellipse">
-              <a:avLst/>
-            </a:prstGeom>
-            <a:noFill/>
-            <a:ln w="38100">
-              <a:solidFill>
-                <a:srgbClr val="FF0000"/>
-              </a:solidFill>
-            </a:ln>
-          </p:spPr>
-          <p:style>
-            <a:lnRef idx="2">
-              <a:schemeClr val="accent1">
-                <a:shade val="15000"/>
-              </a:schemeClr>
-            </a:lnRef>
-            <a:fillRef idx="1">
-              <a:schemeClr val="accent1"/>
-            </a:fillRef>
-            <a:effectRef idx="0">
-              <a:schemeClr val="accent1"/>
-            </a:effectRef>
-            <a:fontRef idx="minor">
-              <a:schemeClr val="lt1"/>
-            </a:fontRef>
-          </p:style>
-          <p:txBody>
-            <a:bodyPr rtlCol="0" anchor="ctr"/>
-            <a:lstStyle/>
-            <a:p>
-              <a:pPr algn="ctr"/>
-              <a:endParaRPr lang="en-US"/>
-            </a:p>
-          </p:txBody>
-        </p:sp>
-        <p:sp>
-          <p:nvSpPr>
-            <p:cNvPr id="120" name="Oval 119">
-              <a:extLst>
-                <a:ext uri="{FF2B5EF4-FFF2-40B4-BE49-F238E27FC236}">
-                  <a16:creationId xmlns:a16="http://schemas.microsoft.com/office/drawing/2014/main" id="{53B3E5CD-90F3-FE32-F879-64F9D5A365AE}"/>
-                </a:ext>
-              </a:extLst>
-            </p:cNvPr>
-            <p:cNvSpPr/>
-            <p:nvPr/>
-          </p:nvSpPr>
-          <p:spPr>
-            <a:xfrm rot="21029917">
-              <a:off x="362526" y="5579633"/>
-              <a:ext cx="1697917" cy="1058764"/>
-            </a:xfrm>
-            <a:prstGeom prst="ellipse">
-              <a:avLst/>
-            </a:prstGeom>
-            <a:noFill/>
-            <a:ln w="38100">
-              <a:solidFill>
-                <a:srgbClr val="FF0000"/>
-              </a:solidFill>
-            </a:ln>
-          </p:spPr>
-          <p:style>
-            <a:lnRef idx="2">
-              <a:schemeClr val="accent1">
-                <a:shade val="15000"/>
-              </a:schemeClr>
-            </a:lnRef>
-            <a:fillRef idx="1">
-              <a:schemeClr val="accent1"/>
-            </a:fillRef>
-            <a:effectRef idx="0">
-              <a:schemeClr val="accent1"/>
-            </a:effectRef>
-            <a:fontRef idx="minor">
-              <a:schemeClr val="lt1"/>
-            </a:fontRef>
-          </p:style>
-          <p:txBody>
-            <a:bodyPr rtlCol="0" anchor="ctr"/>
-            <a:lstStyle/>
-            <a:p>
-              <a:pPr algn="ctr"/>
-              <a:endParaRPr lang="en-US"/>
-            </a:p>
-          </p:txBody>
-        </p:sp>
-        <p:sp>
-          <p:nvSpPr>
-            <p:cNvPr id="121" name="Oval 120">
-              <a:extLst>
-                <a:ext uri="{FF2B5EF4-FFF2-40B4-BE49-F238E27FC236}">
-                  <a16:creationId xmlns:a16="http://schemas.microsoft.com/office/drawing/2014/main" id="{BDAF79BD-4886-D70D-D164-87BA98AE023A}"/>
-                </a:ext>
-              </a:extLst>
-            </p:cNvPr>
-            <p:cNvSpPr/>
-            <p:nvPr/>
-          </p:nvSpPr>
-          <p:spPr>
-            <a:xfrm rot="912628">
-              <a:off x="2141658" y="5364872"/>
-              <a:ext cx="1119591" cy="1296736"/>
-            </a:xfrm>
-            <a:prstGeom prst="ellipse">
-              <a:avLst/>
-            </a:prstGeom>
-            <a:noFill/>
-            <a:ln w="38100"/>
-          </p:spPr>
-          <p:style>
-            <a:lnRef idx="2">
-              <a:schemeClr val="accent1">
-                <a:shade val="15000"/>
-              </a:schemeClr>
-            </a:lnRef>
-            <a:fillRef idx="1">
-              <a:schemeClr val="accent1"/>
-            </a:fillRef>
-            <a:effectRef idx="0">
-              <a:schemeClr val="accent1"/>
-            </a:effectRef>
-            <a:fontRef idx="minor">
-              <a:schemeClr val="lt1"/>
-            </a:fontRef>
-          </p:style>
-          <p:txBody>
-            <a:bodyPr rtlCol="0" anchor="ctr"/>
-            <a:lstStyle/>
-            <a:p>
-              <a:pPr algn="ctr"/>
-              <a:endParaRPr lang="en-US"/>
-            </a:p>
-          </p:txBody>
-        </p:sp>
-        <p:sp>
-          <p:nvSpPr>
-            <p:cNvPr id="122" name="Oval 121">
-              <a:extLst>
-                <a:ext uri="{FF2B5EF4-FFF2-40B4-BE49-F238E27FC236}">
-                  <a16:creationId xmlns:a16="http://schemas.microsoft.com/office/drawing/2014/main" id="{FEF0FDE8-1440-2ADE-900D-8B944F4BD58A}"/>
-                </a:ext>
-              </a:extLst>
-            </p:cNvPr>
-            <p:cNvSpPr/>
-            <p:nvPr/>
-          </p:nvSpPr>
-          <p:spPr>
-            <a:xfrm rot="8691751">
-              <a:off x="4398199" y="4450796"/>
-              <a:ext cx="1433997" cy="1158308"/>
-            </a:xfrm>
-            <a:prstGeom prst="ellipse">
-              <a:avLst/>
-            </a:prstGeom>
-            <a:noFill/>
-            <a:ln w="38100"/>
-          </p:spPr>
-          <p:style>
-            <a:lnRef idx="2">
-              <a:schemeClr val="accent1">
-                <a:shade val="15000"/>
-              </a:schemeClr>
-            </a:lnRef>
-            <a:fillRef idx="1">
-              <a:schemeClr val="accent1"/>
-            </a:fillRef>
-            <a:effectRef idx="0">
-              <a:schemeClr val="accent1"/>
-            </a:effectRef>
-            <a:fontRef idx="minor">
-              <a:schemeClr val="lt1"/>
-            </a:fontRef>
-          </p:style>
-          <p:txBody>
-            <a:bodyPr rtlCol="0" anchor="ctr"/>
-            <a:lstStyle/>
-            <a:p>
-              <a:pPr algn="ctr"/>
-              <a:endParaRPr lang="en-US"/>
-            </a:p>
-          </p:txBody>
-        </p:sp>
-        <p:sp>
-          <p:nvSpPr>
-            <p:cNvPr id="123" name="Oval 122">
-              <a:extLst>
-                <a:ext uri="{FF2B5EF4-FFF2-40B4-BE49-F238E27FC236}">
-                  <a16:creationId xmlns:a16="http://schemas.microsoft.com/office/drawing/2014/main" id="{A0A66710-47AB-4535-C3DE-F521F58E92DF}"/>
-                </a:ext>
-              </a:extLst>
-            </p:cNvPr>
-            <p:cNvSpPr/>
-            <p:nvPr/>
-          </p:nvSpPr>
-          <p:spPr>
-            <a:xfrm>
-              <a:off x="3348922" y="5688190"/>
-              <a:ext cx="2290330" cy="966112"/>
-            </a:xfrm>
-            <a:prstGeom prst="ellipse">
-              <a:avLst/>
-            </a:prstGeom>
-            <a:noFill/>
-            <a:ln w="38100">
-              <a:solidFill>
-                <a:srgbClr val="FF0000"/>
-              </a:solidFill>
-            </a:ln>
-          </p:spPr>
-          <p:style>
-            <a:lnRef idx="2">
-              <a:schemeClr val="accent1">
-                <a:shade val="15000"/>
-              </a:schemeClr>
-            </a:lnRef>
-            <a:fillRef idx="1">
-              <a:schemeClr val="accent1"/>
-            </a:fillRef>
-            <a:effectRef idx="0">
-              <a:schemeClr val="accent1"/>
-            </a:effectRef>
-            <a:fontRef idx="minor">
-              <a:schemeClr val="lt1"/>
-            </a:fontRef>
-          </p:style>
-          <p:txBody>
-            <a:bodyPr rtlCol="0" anchor="ctr"/>
-            <a:lstStyle/>
-            <a:p>
-              <a:pPr algn="ctr"/>
-              <a:endParaRPr lang="en-US"/>
-            </a:p>
-          </p:txBody>
-        </p:sp>
-        <p:sp>
-          <p:nvSpPr>
-            <p:cNvPr id="124" name="Oval 123">
-              <a:extLst>
-                <a:ext uri="{FF2B5EF4-FFF2-40B4-BE49-F238E27FC236}">
-                  <a16:creationId xmlns:a16="http://schemas.microsoft.com/office/drawing/2014/main" id="{8CEBBC64-A3CC-92CF-8FBF-EF616DC2CF2A}"/>
-                </a:ext>
-              </a:extLst>
-            </p:cNvPr>
-            <p:cNvSpPr/>
-            <p:nvPr/>
-          </p:nvSpPr>
-          <p:spPr>
-            <a:xfrm rot="549347">
-              <a:off x="1900918" y="4431346"/>
-              <a:ext cx="2160675" cy="899795"/>
-            </a:xfrm>
-            <a:prstGeom prst="ellipse">
-              <a:avLst/>
-            </a:prstGeom>
-            <a:noFill/>
-            <a:ln w="38100"/>
-          </p:spPr>
-          <p:style>
-            <a:lnRef idx="2">
-              <a:schemeClr val="accent1">
-                <a:shade val="15000"/>
-              </a:schemeClr>
-            </a:lnRef>
-            <a:fillRef idx="1">
-              <a:schemeClr val="accent1"/>
-            </a:fillRef>
-            <a:effectRef idx="0">
-              <a:schemeClr val="accent1"/>
-            </a:effectRef>
-            <a:fontRef idx="minor">
-              <a:schemeClr val="lt1"/>
-            </a:fontRef>
-          </p:style>
-          <p:txBody>
-            <a:bodyPr rtlCol="0" anchor="ctr"/>
-            <a:lstStyle/>
-            <a:p>
-              <a:pPr algn="ctr"/>
-              <a:endParaRPr lang="en-US"/>
-            </a:p>
-          </p:txBody>
-        </p:sp>
-        <p:pic>
-          <p:nvPicPr>
-            <p:cNvPr id="125" name="Graphic 124" descr="Man with solid fill">
-              <a:extLst>
-                <a:ext uri="{FF2B5EF4-FFF2-40B4-BE49-F238E27FC236}">
-                  <a16:creationId xmlns:a16="http://schemas.microsoft.com/office/drawing/2014/main" id="{2BCA7E9C-E210-5C59-7B9C-A367047E4FCC}"/>
-                </a:ext>
-              </a:extLst>
-            </p:cNvPr>
-            <p:cNvPicPr>
-              <a:picLocks noChangeAspect="1"/>
-            </p:cNvPicPr>
-            <p:nvPr/>
-          </p:nvPicPr>
-          <p:blipFill>
-            <a:blip r:embed="rId2">
-              <a:extLst>
-                <a:ext uri="{28A0092B-C50C-407E-A947-70E740481C1C}">
-                  <a14:useLocalDpi xmlns:a14="http://schemas.microsoft.com/office/drawing/2010/main" val="0"/>
-                </a:ext>
-                <a:ext uri="{96DAC541-7B7A-43D3-8B79-37D633B846F1}">
-                  <asvg:svgBlip xmlns:asvg="http://schemas.microsoft.com/office/drawing/2016/SVG/main" r:embed="rId3"/>
-                </a:ext>
-              </a:extLst>
-            </a:blip>
-            <a:stretch>
-              <a:fillRect/>
-            </a:stretch>
-          </p:blipFill>
-          <p:spPr>
-            <a:xfrm>
-              <a:off x="2005127" y="4525956"/>
-              <a:ext cx="457200" cy="457200"/>
-            </a:xfrm>
-            <a:prstGeom prst="rect">
-              <a:avLst/>
-            </a:prstGeom>
-          </p:spPr>
-        </p:pic>
-        <p:pic>
-          <p:nvPicPr>
-            <p:cNvPr id="126" name="Graphic 125" descr="Man with solid fill">
-              <a:extLst>
-                <a:ext uri="{FF2B5EF4-FFF2-40B4-BE49-F238E27FC236}">
-                  <a16:creationId xmlns:a16="http://schemas.microsoft.com/office/drawing/2014/main" id="{85C3E040-AAB0-269C-029E-64E8F377F9AD}"/>
-                </a:ext>
-              </a:extLst>
-            </p:cNvPr>
-            <p:cNvPicPr>
-              <a:picLocks noChangeAspect="1"/>
-            </p:cNvPicPr>
-            <p:nvPr/>
-          </p:nvPicPr>
-          <p:blipFill>
-            <a:blip r:embed="rId2">
-              <a:extLst>
-                <a:ext uri="{28A0092B-C50C-407E-A947-70E740481C1C}">
-                  <a14:useLocalDpi xmlns:a14="http://schemas.microsoft.com/office/drawing/2010/main" val="0"/>
-                </a:ext>
-                <a:ext uri="{96DAC541-7B7A-43D3-8B79-37D633B846F1}">
-                  <asvg:svgBlip xmlns:asvg="http://schemas.microsoft.com/office/drawing/2016/SVG/main" r:embed="rId3"/>
-                </a:ext>
-              </a:extLst>
-            </a:blip>
-            <a:stretch>
-              <a:fillRect/>
-            </a:stretch>
-          </p:blipFill>
-          <p:spPr>
-            <a:xfrm>
-              <a:off x="2927867" y="4748082"/>
-              <a:ext cx="457200" cy="457200"/>
-            </a:xfrm>
-            <a:prstGeom prst="rect">
-              <a:avLst/>
-            </a:prstGeom>
-          </p:spPr>
-        </p:pic>
-        <p:pic>
-          <p:nvPicPr>
-            <p:cNvPr id="127" name="Graphic 126" descr="Man with solid fill">
-              <a:extLst>
-                <a:ext uri="{FF2B5EF4-FFF2-40B4-BE49-F238E27FC236}">
-                  <a16:creationId xmlns:a16="http://schemas.microsoft.com/office/drawing/2014/main" id="{A12F2357-974B-1D73-0186-DBF96633C90D}"/>
-                </a:ext>
-              </a:extLst>
-            </p:cNvPr>
-            <p:cNvPicPr>
-              <a:picLocks noChangeAspect="1"/>
-            </p:cNvPicPr>
-            <p:nvPr/>
-          </p:nvPicPr>
-          <p:blipFill>
-            <a:blip r:embed="rId2">
-              <a:extLst>
-                <a:ext uri="{28A0092B-C50C-407E-A947-70E740481C1C}">
-                  <a14:useLocalDpi xmlns:a14="http://schemas.microsoft.com/office/drawing/2010/main" val="0"/>
-                </a:ext>
-                <a:ext uri="{96DAC541-7B7A-43D3-8B79-37D633B846F1}">
-                  <asvg:svgBlip xmlns:asvg="http://schemas.microsoft.com/office/drawing/2016/SVG/main" r:embed="rId3"/>
-                </a:ext>
-              </a:extLst>
-            </a:blip>
-            <a:stretch>
-              <a:fillRect/>
-            </a:stretch>
-          </p:blipFill>
-          <p:spPr>
-            <a:xfrm>
-              <a:off x="2538527" y="4424043"/>
-              <a:ext cx="457200" cy="457200"/>
-            </a:xfrm>
-            <a:prstGeom prst="rect">
-              <a:avLst/>
-            </a:prstGeom>
-          </p:spPr>
-        </p:pic>
-        <p:pic>
-          <p:nvPicPr>
-            <p:cNvPr id="128" name="Graphic 127" descr="Man with solid fill">
-              <a:extLst>
-                <a:ext uri="{FF2B5EF4-FFF2-40B4-BE49-F238E27FC236}">
-                  <a16:creationId xmlns:a16="http://schemas.microsoft.com/office/drawing/2014/main" id="{EEAFC48E-90B9-F7A5-EC20-BD4D58B9BB86}"/>
-                </a:ext>
-              </a:extLst>
-            </p:cNvPr>
-            <p:cNvPicPr>
-              <a:picLocks noChangeAspect="1"/>
-            </p:cNvPicPr>
-            <p:nvPr/>
-          </p:nvPicPr>
-          <p:blipFill>
-            <a:blip r:embed="rId2">
-              <a:extLst>
-                <a:ext uri="{28A0092B-C50C-407E-A947-70E740481C1C}">
-                  <a14:useLocalDpi xmlns:a14="http://schemas.microsoft.com/office/drawing/2010/main" val="0"/>
-                </a:ext>
-                <a:ext uri="{96DAC541-7B7A-43D3-8B79-37D633B846F1}">
-                  <asvg:svgBlip xmlns:asvg="http://schemas.microsoft.com/office/drawing/2016/SVG/main" r:embed="rId3"/>
-                </a:ext>
-              </a:extLst>
-            </a:blip>
-            <a:stretch>
-              <a:fillRect/>
-            </a:stretch>
-          </p:blipFill>
-          <p:spPr>
-            <a:xfrm>
-              <a:off x="3508416" y="4754556"/>
-              <a:ext cx="457200" cy="457200"/>
-            </a:xfrm>
-            <a:prstGeom prst="rect">
-              <a:avLst/>
-            </a:prstGeom>
-          </p:spPr>
-        </p:pic>
-        <p:pic>
-          <p:nvPicPr>
-            <p:cNvPr id="129" name="Graphic 128" descr="Man with solid fill">
-              <a:extLst>
-                <a:ext uri="{FF2B5EF4-FFF2-40B4-BE49-F238E27FC236}">
-                  <a16:creationId xmlns:a16="http://schemas.microsoft.com/office/drawing/2014/main" id="{C4532B19-326F-3819-239F-41EE3D642EF5}"/>
-                </a:ext>
-              </a:extLst>
-            </p:cNvPr>
-            <p:cNvPicPr>
-              <a:picLocks noChangeAspect="1"/>
-            </p:cNvPicPr>
-            <p:nvPr/>
-          </p:nvPicPr>
-          <p:blipFill>
-            <a:blip r:embed="rId4">
-              <a:extLst>
-                <a:ext uri="{28A0092B-C50C-407E-A947-70E740481C1C}">
-                  <a14:useLocalDpi xmlns:a14="http://schemas.microsoft.com/office/drawing/2010/main" val="0"/>
-                </a:ext>
-                <a:ext uri="{96DAC541-7B7A-43D3-8B79-37D633B846F1}">
-                  <asvg:svgBlip xmlns:asvg="http://schemas.microsoft.com/office/drawing/2016/SVG/main" r:embed="rId5"/>
-                </a:ext>
-              </a:extLst>
-            </a:blip>
-            <a:stretch>
-              <a:fillRect/>
-            </a:stretch>
-          </p:blipFill>
-          <p:spPr>
-            <a:xfrm>
-              <a:off x="353511" y="4683721"/>
-              <a:ext cx="457200" cy="457200"/>
-            </a:xfrm>
-            <a:prstGeom prst="rect">
-              <a:avLst/>
-            </a:prstGeom>
-          </p:spPr>
-        </p:pic>
-        <p:pic>
-          <p:nvPicPr>
-            <p:cNvPr id="130" name="Graphic 129" descr="Man with solid fill">
-              <a:extLst>
-                <a:ext uri="{FF2B5EF4-FFF2-40B4-BE49-F238E27FC236}">
-                  <a16:creationId xmlns:a16="http://schemas.microsoft.com/office/drawing/2014/main" id="{C0F741AC-FD7B-6E42-FF3D-0E484D418E5C}"/>
-                </a:ext>
-              </a:extLst>
-            </p:cNvPr>
-            <p:cNvPicPr>
-              <a:picLocks noChangeAspect="1"/>
-            </p:cNvPicPr>
-            <p:nvPr/>
-          </p:nvPicPr>
-          <p:blipFill>
-            <a:blip r:embed="rId4">
-              <a:extLst>
-                <a:ext uri="{28A0092B-C50C-407E-A947-70E740481C1C}">
-                  <a14:useLocalDpi xmlns:a14="http://schemas.microsoft.com/office/drawing/2010/main" val="0"/>
-                </a:ext>
-                <a:ext uri="{96DAC541-7B7A-43D3-8B79-37D633B846F1}">
-                  <asvg:svgBlip xmlns:asvg="http://schemas.microsoft.com/office/drawing/2016/SVG/main" r:embed="rId5"/>
-                </a:ext>
-              </a:extLst>
-            </a:blip>
-            <a:stretch>
-              <a:fillRect/>
-            </a:stretch>
-          </p:blipFill>
-          <p:spPr>
-            <a:xfrm>
-              <a:off x="645530" y="4484272"/>
-              <a:ext cx="457200" cy="457200"/>
-            </a:xfrm>
-            <a:prstGeom prst="rect">
-              <a:avLst/>
-            </a:prstGeom>
-          </p:spPr>
-        </p:pic>
-        <p:pic>
-          <p:nvPicPr>
-            <p:cNvPr id="131" name="Graphic 130" descr="Man with solid fill">
-              <a:extLst>
-                <a:ext uri="{FF2B5EF4-FFF2-40B4-BE49-F238E27FC236}">
-                  <a16:creationId xmlns:a16="http://schemas.microsoft.com/office/drawing/2014/main" id="{C3AF7DC5-DC1A-91EB-A34B-B21D1D561473}"/>
-                </a:ext>
-              </a:extLst>
-            </p:cNvPr>
-            <p:cNvPicPr>
-              <a:picLocks noChangeAspect="1"/>
-            </p:cNvPicPr>
-            <p:nvPr/>
-          </p:nvPicPr>
-          <p:blipFill>
-            <a:blip r:embed="rId4">
-              <a:extLst>
-                <a:ext uri="{28A0092B-C50C-407E-A947-70E740481C1C}">
-                  <a14:useLocalDpi xmlns:a14="http://schemas.microsoft.com/office/drawing/2010/main" val="0"/>
-                </a:ext>
-                <a:ext uri="{96DAC541-7B7A-43D3-8B79-37D633B846F1}">
-                  <asvg:svgBlip xmlns:asvg="http://schemas.microsoft.com/office/drawing/2016/SVG/main" r:embed="rId5"/>
-                </a:ext>
-              </a:extLst>
-            </a:blip>
-            <a:stretch>
-              <a:fillRect/>
-            </a:stretch>
-          </p:blipFill>
-          <p:spPr>
-            <a:xfrm>
-              <a:off x="862088" y="4848337"/>
-              <a:ext cx="457200" cy="457200"/>
-            </a:xfrm>
-            <a:prstGeom prst="rect">
-              <a:avLst/>
-            </a:prstGeom>
-          </p:spPr>
-        </p:pic>
-        <p:pic>
-          <p:nvPicPr>
-            <p:cNvPr id="132" name="Graphic 131" descr="Man with solid fill">
-              <a:extLst>
-                <a:ext uri="{FF2B5EF4-FFF2-40B4-BE49-F238E27FC236}">
-                  <a16:creationId xmlns:a16="http://schemas.microsoft.com/office/drawing/2014/main" id="{508029DE-327A-64E9-4A24-846D23BFFAA0}"/>
-                </a:ext>
-              </a:extLst>
-            </p:cNvPr>
-            <p:cNvPicPr>
-              <a:picLocks noChangeAspect="1"/>
-            </p:cNvPicPr>
-            <p:nvPr/>
-          </p:nvPicPr>
-          <p:blipFill>
-            <a:blip r:embed="rId4">
-              <a:extLst>
-                <a:ext uri="{28A0092B-C50C-407E-A947-70E740481C1C}">
-                  <a14:useLocalDpi xmlns:a14="http://schemas.microsoft.com/office/drawing/2010/main" val="0"/>
-                </a:ext>
-                <a:ext uri="{96DAC541-7B7A-43D3-8B79-37D633B846F1}">
-                  <asvg:svgBlip xmlns:asvg="http://schemas.microsoft.com/office/drawing/2016/SVG/main" r:embed="rId5"/>
-                </a:ext>
-              </a:extLst>
-            </a:blip>
-            <a:stretch>
-              <a:fillRect/>
-            </a:stretch>
-          </p:blipFill>
-          <p:spPr>
-            <a:xfrm>
-              <a:off x="1259625" y="4645341"/>
-              <a:ext cx="457200" cy="457200"/>
-            </a:xfrm>
-            <a:prstGeom prst="rect">
-              <a:avLst/>
-            </a:prstGeom>
-          </p:spPr>
-        </p:pic>
-        <p:pic>
-          <p:nvPicPr>
-            <p:cNvPr id="133" name="Graphic 132" descr="Man with solid fill">
-              <a:extLst>
-                <a:ext uri="{FF2B5EF4-FFF2-40B4-BE49-F238E27FC236}">
-                  <a16:creationId xmlns:a16="http://schemas.microsoft.com/office/drawing/2014/main" id="{0FDA1C70-82B6-D871-68D9-986C5A6EAB2C}"/>
-                </a:ext>
-              </a:extLst>
-            </p:cNvPr>
-            <p:cNvPicPr>
-              <a:picLocks noChangeAspect="1"/>
-            </p:cNvPicPr>
-            <p:nvPr/>
-          </p:nvPicPr>
-          <p:blipFill>
-            <a:blip r:embed="rId4">
-              <a:extLst>
-                <a:ext uri="{28A0092B-C50C-407E-A947-70E740481C1C}">
-                  <a14:useLocalDpi xmlns:a14="http://schemas.microsoft.com/office/drawing/2010/main" val="0"/>
-                </a:ext>
-                <a:ext uri="{96DAC541-7B7A-43D3-8B79-37D633B846F1}">
-                  <asvg:svgBlip xmlns:asvg="http://schemas.microsoft.com/office/drawing/2016/SVG/main" r:embed="rId5"/>
-                </a:ext>
-              </a:extLst>
-            </a:blip>
-            <a:stretch>
-              <a:fillRect/>
-            </a:stretch>
-          </p:blipFill>
-          <p:spPr>
-            <a:xfrm>
-              <a:off x="1125654" y="6013240"/>
-              <a:ext cx="457200" cy="457200"/>
-            </a:xfrm>
-            <a:prstGeom prst="rect">
-              <a:avLst/>
-            </a:prstGeom>
-          </p:spPr>
-        </p:pic>
-        <p:pic>
-          <p:nvPicPr>
-            <p:cNvPr id="134" name="Graphic 133" descr="Man with solid fill">
-              <a:extLst>
-                <a:ext uri="{FF2B5EF4-FFF2-40B4-BE49-F238E27FC236}">
-                  <a16:creationId xmlns:a16="http://schemas.microsoft.com/office/drawing/2014/main" id="{70049625-9A61-1121-4368-5235F017F5AA}"/>
-                </a:ext>
-              </a:extLst>
-            </p:cNvPr>
-            <p:cNvPicPr>
-              <a:picLocks noChangeAspect="1"/>
-            </p:cNvPicPr>
-            <p:nvPr/>
-          </p:nvPicPr>
-          <p:blipFill>
-            <a:blip r:embed="rId4">
-              <a:extLst>
-                <a:ext uri="{28A0092B-C50C-407E-A947-70E740481C1C}">
-                  <a14:useLocalDpi xmlns:a14="http://schemas.microsoft.com/office/drawing/2010/main" val="0"/>
-                </a:ext>
-                <a:ext uri="{96DAC541-7B7A-43D3-8B79-37D633B846F1}">
-                  <asvg:svgBlip xmlns:asvg="http://schemas.microsoft.com/office/drawing/2016/SVG/main" r:embed="rId5"/>
-                </a:ext>
-              </a:extLst>
-            </a:blip>
-            <a:stretch>
-              <a:fillRect/>
-            </a:stretch>
-          </p:blipFill>
-          <p:spPr>
-            <a:xfrm>
-              <a:off x="353511" y="5955826"/>
-              <a:ext cx="457200" cy="457200"/>
-            </a:xfrm>
-            <a:prstGeom prst="rect">
-              <a:avLst/>
-            </a:prstGeom>
-          </p:spPr>
-        </p:pic>
-        <p:pic>
-          <p:nvPicPr>
-            <p:cNvPr id="135" name="Graphic 134" descr="Man with solid fill">
-              <a:extLst>
-                <a:ext uri="{FF2B5EF4-FFF2-40B4-BE49-F238E27FC236}">
-                  <a16:creationId xmlns:a16="http://schemas.microsoft.com/office/drawing/2014/main" id="{40DFAD75-B782-F2D1-6B9C-6A5D6C9C5C02}"/>
-                </a:ext>
-              </a:extLst>
-            </p:cNvPr>
-            <p:cNvPicPr>
-              <a:picLocks noChangeAspect="1"/>
-            </p:cNvPicPr>
-            <p:nvPr/>
-          </p:nvPicPr>
-          <p:blipFill>
-            <a:blip r:embed="rId4">
-              <a:extLst>
-                <a:ext uri="{28A0092B-C50C-407E-A947-70E740481C1C}">
-                  <a14:useLocalDpi xmlns:a14="http://schemas.microsoft.com/office/drawing/2010/main" val="0"/>
-                </a:ext>
-                <a:ext uri="{96DAC541-7B7A-43D3-8B79-37D633B846F1}">
-                  <asvg:svgBlip xmlns:asvg="http://schemas.microsoft.com/office/drawing/2016/SVG/main" r:embed="rId5"/>
-                </a:ext>
-              </a:extLst>
-            </a:blip>
-            <a:stretch>
-              <a:fillRect/>
-            </a:stretch>
-          </p:blipFill>
-          <p:spPr>
-            <a:xfrm>
-              <a:off x="709346" y="5677630"/>
-              <a:ext cx="457200" cy="457200"/>
-            </a:xfrm>
-            <a:prstGeom prst="rect">
-              <a:avLst/>
-            </a:prstGeom>
-          </p:spPr>
-        </p:pic>
-        <p:pic>
-          <p:nvPicPr>
-            <p:cNvPr id="136" name="Graphic 135" descr="Man with solid fill">
-              <a:extLst>
-                <a:ext uri="{FF2B5EF4-FFF2-40B4-BE49-F238E27FC236}">
-                  <a16:creationId xmlns:a16="http://schemas.microsoft.com/office/drawing/2014/main" id="{E989C767-2C72-C99D-4543-07C3390D0876}"/>
-                </a:ext>
-              </a:extLst>
-            </p:cNvPr>
-            <p:cNvPicPr>
-              <a:picLocks noChangeAspect="1"/>
-            </p:cNvPicPr>
-            <p:nvPr/>
-          </p:nvPicPr>
-          <p:blipFill>
-            <a:blip r:embed="rId4">
-              <a:extLst>
-                <a:ext uri="{28A0092B-C50C-407E-A947-70E740481C1C}">
-                  <a14:useLocalDpi xmlns:a14="http://schemas.microsoft.com/office/drawing/2010/main" val="0"/>
-                </a:ext>
-                <a:ext uri="{96DAC541-7B7A-43D3-8B79-37D633B846F1}">
-                  <asvg:svgBlip xmlns:asvg="http://schemas.microsoft.com/office/drawing/2016/SVG/main" r:embed="rId5"/>
-                </a:ext>
-              </a:extLst>
-            </a:blip>
-            <a:stretch>
-              <a:fillRect/>
-            </a:stretch>
-          </p:blipFill>
-          <p:spPr>
-            <a:xfrm>
-              <a:off x="1390764" y="5677630"/>
-              <a:ext cx="457200" cy="457200"/>
-            </a:xfrm>
-            <a:prstGeom prst="rect">
-              <a:avLst/>
-            </a:prstGeom>
-          </p:spPr>
-        </p:pic>
-        <p:pic>
-          <p:nvPicPr>
-            <p:cNvPr id="137" name="Graphic 136" descr="Man with solid fill">
-              <a:extLst>
-                <a:ext uri="{FF2B5EF4-FFF2-40B4-BE49-F238E27FC236}">
-                  <a16:creationId xmlns:a16="http://schemas.microsoft.com/office/drawing/2014/main" id="{79EC3448-ADDF-DEA1-4D08-B24577E43659}"/>
-                </a:ext>
-              </a:extLst>
-            </p:cNvPr>
-            <p:cNvPicPr>
-              <a:picLocks noChangeAspect="1"/>
-            </p:cNvPicPr>
-            <p:nvPr/>
-          </p:nvPicPr>
-          <p:blipFill>
-            <a:blip r:embed="rId2">
-              <a:extLst>
-                <a:ext uri="{28A0092B-C50C-407E-A947-70E740481C1C}">
-                  <a14:useLocalDpi xmlns:a14="http://schemas.microsoft.com/office/drawing/2010/main" val="0"/>
-                </a:ext>
-                <a:ext uri="{96DAC541-7B7A-43D3-8B79-37D633B846F1}">
-                  <asvg:svgBlip xmlns:asvg="http://schemas.microsoft.com/office/drawing/2016/SVG/main" r:embed="rId3"/>
-                </a:ext>
-              </a:extLst>
-            </a:blip>
-            <a:stretch>
-              <a:fillRect/>
-            </a:stretch>
-          </p:blipFill>
-          <p:spPr>
-            <a:xfrm>
-              <a:off x="2417169" y="6126930"/>
-              <a:ext cx="457200" cy="457200"/>
-            </a:xfrm>
-            <a:prstGeom prst="rect">
-              <a:avLst/>
-            </a:prstGeom>
-          </p:spPr>
-        </p:pic>
-        <p:pic>
-          <p:nvPicPr>
-            <p:cNvPr id="138" name="Graphic 137" descr="Man with solid fill">
-              <a:extLst>
-                <a:ext uri="{FF2B5EF4-FFF2-40B4-BE49-F238E27FC236}">
-                  <a16:creationId xmlns:a16="http://schemas.microsoft.com/office/drawing/2014/main" id="{33FBA615-BCC1-B699-F226-4BC5D26057BF}"/>
-                </a:ext>
-              </a:extLst>
-            </p:cNvPr>
-            <p:cNvPicPr>
-              <a:picLocks noChangeAspect="1"/>
-            </p:cNvPicPr>
-            <p:nvPr/>
-          </p:nvPicPr>
-          <p:blipFill>
-            <a:blip r:embed="rId2">
-              <a:extLst>
-                <a:ext uri="{28A0092B-C50C-407E-A947-70E740481C1C}">
-                  <a14:useLocalDpi xmlns:a14="http://schemas.microsoft.com/office/drawing/2010/main" val="0"/>
-                </a:ext>
-                <a:ext uri="{96DAC541-7B7A-43D3-8B79-37D633B846F1}">
-                  <asvg:svgBlip xmlns:asvg="http://schemas.microsoft.com/office/drawing/2016/SVG/main" r:embed="rId3"/>
-                </a:ext>
-              </a:extLst>
-            </a:blip>
-            <a:stretch>
-              <a:fillRect/>
-            </a:stretch>
-          </p:blipFill>
-          <p:spPr>
-            <a:xfrm>
-              <a:off x="2809059" y="5765114"/>
-              <a:ext cx="457200" cy="457200"/>
-            </a:xfrm>
-            <a:prstGeom prst="rect">
-              <a:avLst/>
-            </a:prstGeom>
-          </p:spPr>
-        </p:pic>
-        <p:pic>
-          <p:nvPicPr>
-            <p:cNvPr id="139" name="Graphic 138" descr="Man with solid fill">
-              <a:extLst>
-                <a:ext uri="{FF2B5EF4-FFF2-40B4-BE49-F238E27FC236}">
-                  <a16:creationId xmlns:a16="http://schemas.microsoft.com/office/drawing/2014/main" id="{3D2EAB26-4CEA-B3A3-58C7-E1A7C499178F}"/>
-                </a:ext>
-              </a:extLst>
-            </p:cNvPr>
-            <p:cNvPicPr>
-              <a:picLocks noChangeAspect="1"/>
-            </p:cNvPicPr>
-            <p:nvPr/>
-          </p:nvPicPr>
-          <p:blipFill>
-            <a:blip r:embed="rId2">
-              <a:extLst>
-                <a:ext uri="{28A0092B-C50C-407E-A947-70E740481C1C}">
-                  <a14:useLocalDpi xmlns:a14="http://schemas.microsoft.com/office/drawing/2010/main" val="0"/>
-                </a:ext>
-                <a:ext uri="{96DAC541-7B7A-43D3-8B79-37D633B846F1}">
-                  <asvg:svgBlip xmlns:asvg="http://schemas.microsoft.com/office/drawing/2016/SVG/main" r:embed="rId3"/>
-                </a:ext>
-              </a:extLst>
-            </a:blip>
-            <a:stretch>
-              <a:fillRect/>
-            </a:stretch>
-          </p:blipFill>
-          <p:spPr>
-            <a:xfrm>
-              <a:off x="2178867" y="5728817"/>
-              <a:ext cx="457200" cy="457200"/>
-            </a:xfrm>
-            <a:prstGeom prst="rect">
-              <a:avLst/>
-            </a:prstGeom>
-          </p:spPr>
-        </p:pic>
-        <p:pic>
-          <p:nvPicPr>
-            <p:cNvPr id="140" name="Graphic 139" descr="Man with solid fill">
-              <a:extLst>
-                <a:ext uri="{FF2B5EF4-FFF2-40B4-BE49-F238E27FC236}">
-                  <a16:creationId xmlns:a16="http://schemas.microsoft.com/office/drawing/2014/main" id="{986A423D-E223-0628-D5AA-C14096E35527}"/>
-                </a:ext>
-              </a:extLst>
-            </p:cNvPr>
-            <p:cNvPicPr>
-              <a:picLocks noChangeAspect="1"/>
-            </p:cNvPicPr>
-            <p:nvPr/>
-          </p:nvPicPr>
-          <p:blipFill>
-            <a:blip r:embed="rId2">
-              <a:extLst>
-                <a:ext uri="{28A0092B-C50C-407E-A947-70E740481C1C}">
-                  <a14:useLocalDpi xmlns:a14="http://schemas.microsoft.com/office/drawing/2010/main" val="0"/>
-                </a:ext>
-                <a:ext uri="{96DAC541-7B7A-43D3-8B79-37D633B846F1}">
-                  <asvg:svgBlip xmlns:asvg="http://schemas.microsoft.com/office/drawing/2016/SVG/main" r:embed="rId3"/>
-                </a:ext>
-              </a:extLst>
-            </a:blip>
-            <a:stretch>
-              <a:fillRect/>
-            </a:stretch>
-          </p:blipFill>
-          <p:spPr>
-            <a:xfrm>
-              <a:off x="2496685" y="5412706"/>
-              <a:ext cx="457200" cy="457200"/>
-            </a:xfrm>
-            <a:prstGeom prst="rect">
-              <a:avLst/>
-            </a:prstGeom>
-          </p:spPr>
-        </p:pic>
-        <p:pic>
-          <p:nvPicPr>
-            <p:cNvPr id="141" name="Graphic 140" descr="Man with solid fill">
-              <a:extLst>
-                <a:ext uri="{FF2B5EF4-FFF2-40B4-BE49-F238E27FC236}">
-                  <a16:creationId xmlns:a16="http://schemas.microsoft.com/office/drawing/2014/main" id="{C9A58DB5-0C63-ECCD-2F14-47EB8640F5A1}"/>
-                </a:ext>
-              </a:extLst>
-            </p:cNvPr>
-            <p:cNvPicPr>
-              <a:picLocks noChangeAspect="1"/>
-            </p:cNvPicPr>
-            <p:nvPr/>
-          </p:nvPicPr>
-          <p:blipFill>
-            <a:blip r:embed="rId4">
-              <a:extLst>
-                <a:ext uri="{28A0092B-C50C-407E-A947-70E740481C1C}">
-                  <a14:useLocalDpi xmlns:a14="http://schemas.microsoft.com/office/drawing/2010/main" val="0"/>
-                </a:ext>
-                <a:ext uri="{96DAC541-7B7A-43D3-8B79-37D633B846F1}">
-                  <asvg:svgBlip xmlns:asvg="http://schemas.microsoft.com/office/drawing/2016/SVG/main" r:embed="rId5"/>
-                </a:ext>
-              </a:extLst>
-            </a:blip>
-            <a:stretch>
-              <a:fillRect/>
-            </a:stretch>
-          </p:blipFill>
-          <p:spPr>
-            <a:xfrm>
-              <a:off x="3467033" y="5942646"/>
-              <a:ext cx="457200" cy="457200"/>
-            </a:xfrm>
-            <a:prstGeom prst="rect">
-              <a:avLst/>
-            </a:prstGeom>
-          </p:spPr>
-        </p:pic>
-        <p:pic>
-          <p:nvPicPr>
-            <p:cNvPr id="142" name="Graphic 141" descr="Man with solid fill">
-              <a:extLst>
-                <a:ext uri="{FF2B5EF4-FFF2-40B4-BE49-F238E27FC236}">
-                  <a16:creationId xmlns:a16="http://schemas.microsoft.com/office/drawing/2014/main" id="{612BB800-EC7A-4F76-3025-D6110CEA1D1D}"/>
-                </a:ext>
-              </a:extLst>
-            </p:cNvPr>
-            <p:cNvPicPr>
-              <a:picLocks noChangeAspect="1"/>
-            </p:cNvPicPr>
-            <p:nvPr/>
-          </p:nvPicPr>
-          <p:blipFill>
-            <a:blip r:embed="rId4">
-              <a:extLst>
-                <a:ext uri="{28A0092B-C50C-407E-A947-70E740481C1C}">
-                  <a14:useLocalDpi xmlns:a14="http://schemas.microsoft.com/office/drawing/2010/main" val="0"/>
-                </a:ext>
-                <a:ext uri="{96DAC541-7B7A-43D3-8B79-37D633B846F1}">
-                  <asvg:svgBlip xmlns:asvg="http://schemas.microsoft.com/office/drawing/2016/SVG/main" r:embed="rId5"/>
-                </a:ext>
-              </a:extLst>
-            </a:blip>
-            <a:stretch>
-              <a:fillRect/>
-            </a:stretch>
-          </p:blipFill>
-          <p:spPr>
-            <a:xfrm>
-              <a:off x="3998551" y="5840446"/>
-              <a:ext cx="457200" cy="457200"/>
-            </a:xfrm>
-            <a:prstGeom prst="rect">
-              <a:avLst/>
-            </a:prstGeom>
-          </p:spPr>
-        </p:pic>
-        <p:pic>
-          <p:nvPicPr>
-            <p:cNvPr id="143" name="Graphic 142" descr="Man with solid fill">
-              <a:extLst>
-                <a:ext uri="{FF2B5EF4-FFF2-40B4-BE49-F238E27FC236}">
-                  <a16:creationId xmlns:a16="http://schemas.microsoft.com/office/drawing/2014/main" id="{26EE2305-EC87-ED9C-AA08-19AEFCE38DE8}"/>
-                </a:ext>
-              </a:extLst>
-            </p:cNvPr>
-            <p:cNvPicPr>
-              <a:picLocks noChangeAspect="1"/>
-            </p:cNvPicPr>
-            <p:nvPr/>
-          </p:nvPicPr>
-          <p:blipFill>
-            <a:blip r:embed="rId4">
-              <a:extLst>
-                <a:ext uri="{28A0092B-C50C-407E-A947-70E740481C1C}">
-                  <a14:useLocalDpi xmlns:a14="http://schemas.microsoft.com/office/drawing/2010/main" val="0"/>
-                </a:ext>
-                <a:ext uri="{96DAC541-7B7A-43D3-8B79-37D633B846F1}">
-                  <asvg:svgBlip xmlns:asvg="http://schemas.microsoft.com/office/drawing/2016/SVG/main" r:embed="rId5"/>
-                </a:ext>
-              </a:extLst>
-            </a:blip>
-            <a:stretch>
-              <a:fillRect/>
-            </a:stretch>
-          </p:blipFill>
-          <p:spPr>
-            <a:xfrm>
-              <a:off x="4446789" y="6121009"/>
-              <a:ext cx="457200" cy="457200"/>
-            </a:xfrm>
-            <a:prstGeom prst="rect">
-              <a:avLst/>
-            </a:prstGeom>
-          </p:spPr>
-        </p:pic>
-        <p:pic>
-          <p:nvPicPr>
-            <p:cNvPr id="144" name="Graphic 143" descr="Man with solid fill">
-              <a:extLst>
-                <a:ext uri="{FF2B5EF4-FFF2-40B4-BE49-F238E27FC236}">
-                  <a16:creationId xmlns:a16="http://schemas.microsoft.com/office/drawing/2014/main" id="{4871C708-7F46-E68C-41F3-3C1ADC4A8C9E}"/>
-                </a:ext>
-              </a:extLst>
-            </p:cNvPr>
-            <p:cNvPicPr>
-              <a:picLocks noChangeAspect="1"/>
-            </p:cNvPicPr>
-            <p:nvPr/>
-          </p:nvPicPr>
-          <p:blipFill>
-            <a:blip r:embed="rId4">
-              <a:extLst>
-                <a:ext uri="{28A0092B-C50C-407E-A947-70E740481C1C}">
-                  <a14:useLocalDpi xmlns:a14="http://schemas.microsoft.com/office/drawing/2010/main" val="0"/>
-                </a:ext>
-                <a:ext uri="{96DAC541-7B7A-43D3-8B79-37D633B846F1}">
-                  <asvg:svgBlip xmlns:asvg="http://schemas.microsoft.com/office/drawing/2016/SVG/main" r:embed="rId5"/>
-                </a:ext>
-              </a:extLst>
-            </a:blip>
-            <a:stretch>
-              <a:fillRect/>
-            </a:stretch>
-          </p:blipFill>
-          <p:spPr>
-            <a:xfrm>
-              <a:off x="5149973" y="5970109"/>
-              <a:ext cx="457200" cy="457200"/>
-            </a:xfrm>
-            <a:prstGeom prst="rect">
-              <a:avLst/>
-            </a:prstGeom>
-          </p:spPr>
-        </p:pic>
-        <p:pic>
-          <p:nvPicPr>
-            <p:cNvPr id="145" name="Graphic 144" descr="Man with solid fill">
-              <a:extLst>
-                <a:ext uri="{FF2B5EF4-FFF2-40B4-BE49-F238E27FC236}">
-                  <a16:creationId xmlns:a16="http://schemas.microsoft.com/office/drawing/2014/main" id="{C2FAB659-95EE-8B83-3509-2F4B1B5BD815}"/>
-                </a:ext>
-              </a:extLst>
-            </p:cNvPr>
-            <p:cNvPicPr>
-              <a:picLocks noChangeAspect="1"/>
-            </p:cNvPicPr>
-            <p:nvPr/>
-          </p:nvPicPr>
-          <p:blipFill>
-            <a:blip r:embed="rId2">
-              <a:extLst>
-                <a:ext uri="{28A0092B-C50C-407E-A947-70E740481C1C}">
-                  <a14:useLocalDpi xmlns:a14="http://schemas.microsoft.com/office/drawing/2010/main" val="0"/>
-                </a:ext>
-                <a:ext uri="{96DAC541-7B7A-43D3-8B79-37D633B846F1}">
-                  <asvg:svgBlip xmlns:asvg="http://schemas.microsoft.com/office/drawing/2016/SVG/main" r:embed="rId3"/>
-                </a:ext>
-              </a:extLst>
-            </a:blip>
-            <a:stretch>
-              <a:fillRect/>
-            </a:stretch>
-          </p:blipFill>
-          <p:spPr>
-            <a:xfrm>
-              <a:off x="4852683" y="4484272"/>
-              <a:ext cx="457200" cy="457200"/>
-            </a:xfrm>
-            <a:prstGeom prst="rect">
-              <a:avLst/>
-            </a:prstGeom>
-          </p:spPr>
-        </p:pic>
-        <p:pic>
-          <p:nvPicPr>
-            <p:cNvPr id="146" name="Graphic 145" descr="Man with solid fill">
-              <a:extLst>
-                <a:ext uri="{FF2B5EF4-FFF2-40B4-BE49-F238E27FC236}">
-                  <a16:creationId xmlns:a16="http://schemas.microsoft.com/office/drawing/2014/main" id="{93E089B9-8486-BC6B-EEE8-D765C8044B2E}"/>
-                </a:ext>
-              </a:extLst>
-            </p:cNvPr>
-            <p:cNvPicPr>
-              <a:picLocks noChangeAspect="1"/>
-            </p:cNvPicPr>
-            <p:nvPr/>
-          </p:nvPicPr>
-          <p:blipFill>
-            <a:blip r:embed="rId2">
-              <a:extLst>
-                <a:ext uri="{28A0092B-C50C-407E-A947-70E740481C1C}">
-                  <a14:useLocalDpi xmlns:a14="http://schemas.microsoft.com/office/drawing/2010/main" val="0"/>
-                </a:ext>
-                <a:ext uri="{96DAC541-7B7A-43D3-8B79-37D633B846F1}">
-                  <asvg:svgBlip xmlns:asvg="http://schemas.microsoft.com/office/drawing/2016/SVG/main" r:embed="rId3"/>
-                </a:ext>
-              </a:extLst>
-            </a:blip>
-            <a:stretch>
-              <a:fillRect/>
-            </a:stretch>
-          </p:blipFill>
-          <p:spPr>
-            <a:xfrm>
-              <a:off x="4780589" y="5115977"/>
-              <a:ext cx="457200" cy="457200"/>
-            </a:xfrm>
-            <a:prstGeom prst="rect">
-              <a:avLst/>
-            </a:prstGeom>
-          </p:spPr>
-        </p:pic>
-        <p:pic>
-          <p:nvPicPr>
-            <p:cNvPr id="147" name="Graphic 146" descr="Man with solid fill">
-              <a:extLst>
-                <a:ext uri="{FF2B5EF4-FFF2-40B4-BE49-F238E27FC236}">
-                  <a16:creationId xmlns:a16="http://schemas.microsoft.com/office/drawing/2014/main" id="{2D6C5D38-5AC4-4B5A-A7C6-B2251A18B298}"/>
-                </a:ext>
-              </a:extLst>
-            </p:cNvPr>
-            <p:cNvPicPr>
-              <a:picLocks noChangeAspect="1"/>
-            </p:cNvPicPr>
-            <p:nvPr/>
-          </p:nvPicPr>
-          <p:blipFill>
-            <a:blip r:embed="rId2">
-              <a:extLst>
-                <a:ext uri="{28A0092B-C50C-407E-A947-70E740481C1C}">
-                  <a14:useLocalDpi xmlns:a14="http://schemas.microsoft.com/office/drawing/2010/main" val="0"/>
-                </a:ext>
-                <a:ext uri="{96DAC541-7B7A-43D3-8B79-37D633B846F1}">
-                  <asvg:svgBlip xmlns:asvg="http://schemas.microsoft.com/office/drawing/2016/SVG/main" r:embed="rId3"/>
-                </a:ext>
-              </a:extLst>
-            </a:blip>
-            <a:stretch>
-              <a:fillRect/>
-            </a:stretch>
-          </p:blipFill>
-          <p:spPr>
-            <a:xfrm>
-              <a:off x="4414755" y="4925099"/>
-              <a:ext cx="457200" cy="457200"/>
-            </a:xfrm>
-            <a:prstGeom prst="rect">
-              <a:avLst/>
-            </a:prstGeom>
-          </p:spPr>
-        </p:pic>
-        <p:pic>
-          <p:nvPicPr>
-            <p:cNvPr id="148" name="Graphic 147" descr="Man with solid fill">
-              <a:extLst>
-                <a:ext uri="{FF2B5EF4-FFF2-40B4-BE49-F238E27FC236}">
-                  <a16:creationId xmlns:a16="http://schemas.microsoft.com/office/drawing/2014/main" id="{11CAE88A-AC02-BBD8-64F6-A096863B73E0}"/>
-                </a:ext>
-              </a:extLst>
-            </p:cNvPr>
-            <p:cNvPicPr>
-              <a:picLocks noChangeAspect="1"/>
-            </p:cNvPicPr>
-            <p:nvPr/>
-          </p:nvPicPr>
-          <p:blipFill>
-            <a:blip r:embed="rId2">
-              <a:extLst>
-                <a:ext uri="{28A0092B-C50C-407E-A947-70E740481C1C}">
-                  <a14:useLocalDpi xmlns:a14="http://schemas.microsoft.com/office/drawing/2010/main" val="0"/>
-                </a:ext>
-                <a:ext uri="{96DAC541-7B7A-43D3-8B79-37D633B846F1}">
-                  <asvg:svgBlip xmlns:asvg="http://schemas.microsoft.com/office/drawing/2016/SVG/main" r:embed="rId3"/>
-                </a:ext>
-              </a:extLst>
-            </a:blip>
-            <a:stretch>
-              <a:fillRect/>
-            </a:stretch>
-          </p:blipFill>
-          <p:spPr>
-            <a:xfrm>
-              <a:off x="5220352" y="4770379"/>
-              <a:ext cx="457200" cy="457200"/>
-            </a:xfrm>
-            <a:prstGeom prst="rect">
-              <a:avLst/>
-            </a:prstGeom>
-          </p:spPr>
-        </p:pic>
-      </p:grpSp>
-      <p:sp>
-        <p:nvSpPr>
-          <p:cNvPr id="150" name="TextBox 149">
-            <a:extLst>
-              <a:ext uri="{FF2B5EF4-FFF2-40B4-BE49-F238E27FC236}">
-                <a16:creationId xmlns:a16="http://schemas.microsoft.com/office/drawing/2014/main" id="{56DB5F7F-3576-AF7D-BDD7-58805C84D69B}"/>
-              </a:ext>
-            </a:extLst>
-          </p:cNvPr>
-          <p:cNvSpPr txBox="1"/>
-          <p:nvPr/>
-        </p:nvSpPr>
-        <p:spPr>
-          <a:xfrm>
-            <a:off x="1641722" y="29499"/>
-            <a:ext cx="2195409" cy="369332"/>
-          </a:xfrm>
-          <a:prstGeom prst="rect">
-            <a:avLst/>
-          </a:prstGeom>
-          <a:noFill/>
-        </p:spPr>
-        <p:txBody>
-          <a:bodyPr wrap="none" rtlCol="0">
-            <a:spAutoFit/>
-          </a:bodyPr>
-          <a:lstStyle/>
-          <a:p>
-            <a:r>
-              <a:rPr lang="en-US" b="1" dirty="0"/>
-              <a:t>Systematic Sampling </a:t>
-            </a:r>
-          </a:p>
-        </p:txBody>
-      </p:sp>
-      <p:sp>
-        <p:nvSpPr>
-          <p:cNvPr id="151" name="TextBox 150">
-            <a:extLst>
-              <a:ext uri="{FF2B5EF4-FFF2-40B4-BE49-F238E27FC236}">
-                <a16:creationId xmlns:a16="http://schemas.microsoft.com/office/drawing/2014/main" id="{3496156D-F66F-4C3C-3E0F-AC9C8544171F}"/>
-              </a:ext>
-            </a:extLst>
-          </p:cNvPr>
-          <p:cNvSpPr txBox="1"/>
-          <p:nvPr/>
-        </p:nvSpPr>
-        <p:spPr>
-          <a:xfrm>
-            <a:off x="1877678" y="3723853"/>
-            <a:ext cx="1886478" cy="369332"/>
-          </a:xfrm>
-          <a:prstGeom prst="rect">
-            <a:avLst/>
-          </a:prstGeom>
-          <a:noFill/>
-        </p:spPr>
-        <p:txBody>
-          <a:bodyPr wrap="none" rtlCol="0">
-            <a:spAutoFit/>
-          </a:bodyPr>
-          <a:lstStyle/>
-          <a:p>
-            <a:r>
-              <a:rPr lang="en-US" b="1" dirty="0"/>
-              <a:t>Cluster Sampling </a:t>
-            </a:r>
-          </a:p>
-        </p:txBody>
-      </p:sp>
-      <p:sp>
-        <p:nvSpPr>
-          <p:cNvPr id="152" name="TextBox 151">
-            <a:extLst>
-              <a:ext uri="{FF2B5EF4-FFF2-40B4-BE49-F238E27FC236}">
-                <a16:creationId xmlns:a16="http://schemas.microsoft.com/office/drawing/2014/main" id="{D2674B7F-F833-6497-3B51-DD04654A5328}"/>
-              </a:ext>
-            </a:extLst>
-          </p:cNvPr>
-          <p:cNvSpPr txBox="1"/>
-          <p:nvPr/>
-        </p:nvSpPr>
-        <p:spPr>
-          <a:xfrm>
-            <a:off x="8087289" y="124938"/>
-            <a:ext cx="2670924" cy="369332"/>
-          </a:xfrm>
-          <a:prstGeom prst="rect">
-            <a:avLst/>
-          </a:prstGeom>
-          <a:noFill/>
-        </p:spPr>
-        <p:txBody>
-          <a:bodyPr wrap="none" rtlCol="0">
-            <a:spAutoFit/>
-          </a:bodyPr>
-          <a:lstStyle/>
-          <a:p>
-            <a:r>
-              <a:rPr lang="en-US" b="1" dirty="0"/>
-              <a:t>Simple Random Sampling </a:t>
-            </a:r>
-          </a:p>
-        </p:txBody>
-      </p:sp>
-      <p:sp>
-        <p:nvSpPr>
-          <p:cNvPr id="153" name="TextBox 152">
-            <a:extLst>
-              <a:ext uri="{FF2B5EF4-FFF2-40B4-BE49-F238E27FC236}">
-                <a16:creationId xmlns:a16="http://schemas.microsoft.com/office/drawing/2014/main" id="{DF2D4DD3-053A-CCE4-C0E6-5A34C1E84525}"/>
-              </a:ext>
-            </a:extLst>
-          </p:cNvPr>
-          <p:cNvSpPr txBox="1"/>
-          <p:nvPr/>
-        </p:nvSpPr>
-        <p:spPr>
-          <a:xfrm>
-            <a:off x="8129811" y="3244649"/>
-            <a:ext cx="2852897" cy="369332"/>
-          </a:xfrm>
-          <a:prstGeom prst="rect">
-            <a:avLst/>
-          </a:prstGeom>
-          <a:noFill/>
-        </p:spPr>
-        <p:txBody>
-          <a:bodyPr wrap="none" rtlCol="0">
-            <a:spAutoFit/>
-          </a:bodyPr>
-          <a:lstStyle/>
-          <a:p>
-            <a:r>
-              <a:rPr lang="en-US" b="1" dirty="0"/>
-              <a:t>Stratified Random Sampling</a:t>
-            </a:r>
-          </a:p>
-        </p:txBody>
-      </p:sp>
-      <p:pic>
-        <p:nvPicPr>
-          <p:cNvPr id="154" name="Graphic 153" descr="Man with solid fill">
-            <a:extLst>
-              <a:ext uri="{FF2B5EF4-FFF2-40B4-BE49-F238E27FC236}">
-                <a16:creationId xmlns:a16="http://schemas.microsoft.com/office/drawing/2014/main" id="{B5E8E122-B18A-3364-15D6-4E30CA46DF2D}"/>
-              </a:ext>
-            </a:extLst>
-          </p:cNvPr>
-          <p:cNvPicPr>
-            <a:picLocks noChangeAspect="1"/>
-          </p:cNvPicPr>
-          <p:nvPr/>
-        </p:nvPicPr>
-        <p:blipFill>
-          <a:blip r:embed="rId4">
-            <a:extLst>
-              <a:ext uri="{28A0092B-C50C-407E-A947-70E740481C1C}">
-                <a14:useLocalDpi xmlns:a14="http://schemas.microsoft.com/office/drawing/2010/main" val="0"/>
-              </a:ext>
-              <a:ext uri="{96DAC541-7B7A-43D3-8B79-37D633B846F1}">
-                <asvg:svgBlip xmlns:asvg="http://schemas.microsoft.com/office/drawing/2016/SVG/main" r:embed="rId5"/>
-              </a:ext>
-            </a:extLst>
-          </a:blip>
-          <a:stretch>
-            <a:fillRect/>
-          </a:stretch>
-        </p:blipFill>
-        <p:spPr>
-          <a:xfrm>
-            <a:off x="10838758" y="4909182"/>
-            <a:ext cx="457200" cy="457200"/>
-          </a:xfrm>
-          <a:prstGeom prst="rect">
-            <a:avLst/>
-          </a:prstGeom>
-        </p:spPr>
-      </p:pic>
-    </p:spTree>
-    <p:extLst>
-      <p:ext uri="{BB962C8B-B14F-4D97-AF65-F5344CB8AC3E}">
-        <p14:creationId xmlns:p14="http://schemas.microsoft.com/office/powerpoint/2010/main" val="955445428"/>
-      </p:ext>
-    </p:extLst>
-  </p:cSld>
-  <p:clrMapOvr>
-    <a:masterClrMapping/>
-  </p:clrMapOvr>
-</p:sld>
-</file>
-
-<file path=ppt/slides/slide15.xml><?xml version="1.0" encoding="utf-8"?>
-<p:sld xmlns:a="http://schemas.openxmlformats.org/drawingml/2006/main" xmlns:r="http://schemas.openxmlformats.org/officeDocument/2006/relationships" xmlns:p="http://schemas.openxmlformats.org/presentationml/2006/main">
-  <p:cSld>
-    <p:spTree>
-      <p:nvGrpSpPr>
-        <p:cNvPr id="1" name=""/>
-        <p:cNvGrpSpPr/>
-        <p:nvPr/>
-      </p:nvGrpSpPr>
-      <p:grpSpPr>
-        <a:xfrm>
-          <a:off x="0" y="0"/>
-          <a:ext cx="0" cy="0"/>
-          <a:chOff x="0" y="0"/>
-          <a:chExt cx="0" cy="0"/>
-        </a:xfrm>
-      </p:grpSpPr>
-      <p:sp>
-        <p:nvSpPr>
-          <p:cNvPr id="2" name="Title 1">
-            <a:extLst>
-              <a:ext uri="{FF2B5EF4-FFF2-40B4-BE49-F238E27FC236}">
-                <a16:creationId xmlns:a16="http://schemas.microsoft.com/office/drawing/2014/main" id="{A5A77A5D-6221-0930-12CE-1ED2CD946375}"/>
-              </a:ext>
-            </a:extLst>
-          </p:cNvPr>
-          <p:cNvSpPr>
-            <a:spLocks noGrp="1"/>
-          </p:cNvSpPr>
-          <p:nvPr>
-            <p:ph type="title"/>
-          </p:nvPr>
-        </p:nvSpPr>
-        <p:spPr>
-          <a:xfrm>
-            <a:off x="228600" y="127000"/>
-            <a:ext cx="10515600" cy="1325563"/>
-          </a:xfrm>
-        </p:spPr>
-        <p:txBody>
-          <a:bodyPr/>
-          <a:lstStyle/>
-          <a:p>
-            <a:r>
-              <a:rPr lang="en-US" dirty="0"/>
-              <a:t>More complex methods of sampling</a:t>
-            </a:r>
-          </a:p>
-        </p:txBody>
-      </p:sp>
-      <p:sp>
-        <p:nvSpPr>
-          <p:cNvPr id="3" name="Content Placeholder 2">
-            <a:extLst>
-              <a:ext uri="{FF2B5EF4-FFF2-40B4-BE49-F238E27FC236}">
-                <a16:creationId xmlns:a16="http://schemas.microsoft.com/office/drawing/2014/main" id="{A24B0B33-0A8F-A099-17BE-7CB51D5420F8}"/>
-              </a:ext>
-            </a:extLst>
-          </p:cNvPr>
-          <p:cNvSpPr>
-            <a:spLocks noGrp="1"/>
-          </p:cNvSpPr>
-          <p:nvPr>
-            <p:ph idx="1"/>
-          </p:nvPr>
-        </p:nvSpPr>
-        <p:spPr>
-          <a:xfrm>
-            <a:off x="228600" y="1558925"/>
-            <a:ext cx="10515600" cy="1603375"/>
-          </a:xfrm>
-        </p:spPr>
-        <p:txBody>
-          <a:bodyPr>
-            <a:normAutofit lnSpcReduction="10000"/>
-          </a:bodyPr>
-          <a:lstStyle/>
-          <a:p>
-            <a:r>
-              <a:rPr lang="en-US" b="1" dirty="0"/>
-              <a:t>Two – Stage cluster Sampling </a:t>
-            </a:r>
-            <a:r>
-              <a:rPr lang="en-US" dirty="0"/>
-              <a:t>- A type of sampling method in which the population is divided into a set of clusters and the researcher selects a simple random sample of the clusters. A simple random sample is then applied to each cluster</a:t>
-            </a:r>
-            <a:endParaRPr lang="en-US" b="1" dirty="0"/>
-          </a:p>
-          <a:p>
-            <a:pPr marL="0" indent="0">
-              <a:buNone/>
-            </a:pPr>
-            <a:endParaRPr lang="en-US" b="1" dirty="0"/>
-          </a:p>
-        </p:txBody>
-      </p:sp>
-      <p:sp>
-        <p:nvSpPr>
-          <p:cNvPr id="5" name="Rectangle 4">
-            <a:extLst>
-              <a:ext uri="{FF2B5EF4-FFF2-40B4-BE49-F238E27FC236}">
-                <a16:creationId xmlns:a16="http://schemas.microsoft.com/office/drawing/2014/main" id="{18A44D94-3F5D-9B93-415C-14FBB6918955}"/>
-              </a:ext>
-            </a:extLst>
-          </p:cNvPr>
-          <p:cNvSpPr/>
-          <p:nvPr/>
-        </p:nvSpPr>
-        <p:spPr>
-          <a:xfrm>
-            <a:off x="2254827" y="3695701"/>
-            <a:ext cx="7165398" cy="3067684"/>
-          </a:xfrm>
-          <a:prstGeom prst="rect">
-            <a:avLst/>
-          </a:prstGeom>
-          <a:noFill/>
-          <a:ln w="38100"/>
-        </p:spPr>
-        <p:style>
-          <a:lnRef idx="2">
-            <a:schemeClr val="accent1">
-              <a:shade val="15000"/>
-            </a:schemeClr>
-          </a:lnRef>
-          <a:fillRef idx="1">
-            <a:schemeClr val="accent1"/>
-          </a:fillRef>
-          <a:effectRef idx="0">
-            <a:schemeClr val="accent1"/>
-          </a:effectRef>
-          <a:fontRef idx="minor">
-            <a:schemeClr val="lt1"/>
-          </a:fontRef>
-        </p:style>
-        <p:txBody>
-          <a:bodyPr rtlCol="0" anchor="ctr"/>
-          <a:lstStyle/>
-          <a:p>
-            <a:pPr algn="ctr"/>
-            <a:endParaRPr lang="en-US" dirty="0"/>
-          </a:p>
-        </p:txBody>
-      </p:sp>
-      <p:sp>
-        <p:nvSpPr>
-          <p:cNvPr id="6" name="Oval 5">
-            <a:extLst>
-              <a:ext uri="{FF2B5EF4-FFF2-40B4-BE49-F238E27FC236}">
-                <a16:creationId xmlns:a16="http://schemas.microsoft.com/office/drawing/2014/main" id="{55363636-312E-3A55-D7C1-9F955706A62A}"/>
-              </a:ext>
-            </a:extLst>
-          </p:cNvPr>
-          <p:cNvSpPr/>
-          <p:nvPr/>
-        </p:nvSpPr>
-        <p:spPr>
-          <a:xfrm>
-            <a:off x="2454529" y="3805066"/>
-            <a:ext cx="1735257" cy="1261615"/>
-          </a:xfrm>
-          <a:prstGeom prst="ellipse">
-            <a:avLst/>
-          </a:prstGeom>
-          <a:noFill/>
-          <a:ln w="38100">
-            <a:solidFill>
-              <a:srgbClr val="FF0000"/>
-            </a:solidFill>
-          </a:ln>
-        </p:spPr>
-        <p:style>
-          <a:lnRef idx="2">
-            <a:schemeClr val="accent1">
-              <a:shade val="15000"/>
-            </a:schemeClr>
-          </a:lnRef>
-          <a:fillRef idx="1">
-            <a:schemeClr val="accent1"/>
-          </a:fillRef>
-          <a:effectRef idx="0">
-            <a:schemeClr val="accent1"/>
-          </a:effectRef>
-          <a:fontRef idx="minor">
-            <a:schemeClr val="lt1"/>
-          </a:fontRef>
-        </p:style>
-        <p:txBody>
-          <a:bodyPr rtlCol="0" anchor="ctr"/>
-          <a:lstStyle/>
-          <a:p>
-            <a:pPr algn="ctr"/>
-            <a:endParaRPr lang="en-US"/>
-          </a:p>
-        </p:txBody>
-      </p:sp>
-      <p:sp>
-        <p:nvSpPr>
-          <p:cNvPr id="7" name="Oval 6">
-            <a:extLst>
-              <a:ext uri="{FF2B5EF4-FFF2-40B4-BE49-F238E27FC236}">
-                <a16:creationId xmlns:a16="http://schemas.microsoft.com/office/drawing/2014/main" id="{9F7635CF-88DF-4BCB-55FF-516E03C2E090}"/>
-              </a:ext>
-            </a:extLst>
-          </p:cNvPr>
-          <p:cNvSpPr/>
-          <p:nvPr/>
-        </p:nvSpPr>
-        <p:spPr>
-          <a:xfrm rot="21029917">
-            <a:off x="2411483" y="5285888"/>
-            <a:ext cx="2094414" cy="1374970"/>
-          </a:xfrm>
-          <a:prstGeom prst="ellipse">
-            <a:avLst/>
-          </a:prstGeom>
-          <a:noFill/>
-          <a:ln w="38100">
-            <a:solidFill>
-              <a:srgbClr val="FF0000"/>
-            </a:solidFill>
-          </a:ln>
-        </p:spPr>
-        <p:style>
-          <a:lnRef idx="2">
-            <a:schemeClr val="accent1">
-              <a:shade val="15000"/>
-            </a:schemeClr>
-          </a:lnRef>
-          <a:fillRef idx="1">
-            <a:schemeClr val="accent1"/>
-          </a:fillRef>
-          <a:effectRef idx="0">
-            <a:schemeClr val="accent1"/>
-          </a:effectRef>
-          <a:fontRef idx="minor">
-            <a:schemeClr val="lt1"/>
-          </a:fontRef>
-        </p:style>
-        <p:txBody>
-          <a:bodyPr rtlCol="0" anchor="ctr"/>
-          <a:lstStyle/>
-          <a:p>
-            <a:pPr algn="ctr"/>
-            <a:endParaRPr lang="en-US"/>
-          </a:p>
-        </p:txBody>
-      </p:sp>
-      <p:sp>
-        <p:nvSpPr>
-          <p:cNvPr id="8" name="Oval 7">
-            <a:extLst>
-              <a:ext uri="{FF2B5EF4-FFF2-40B4-BE49-F238E27FC236}">
-                <a16:creationId xmlns:a16="http://schemas.microsoft.com/office/drawing/2014/main" id="{81BE19EB-D2EB-33B2-6FF8-9760BF16A85A}"/>
-              </a:ext>
-            </a:extLst>
-          </p:cNvPr>
-          <p:cNvSpPr/>
-          <p:nvPr/>
-        </p:nvSpPr>
-        <p:spPr>
-          <a:xfrm rot="912628">
-            <a:off x="4606077" y="5006987"/>
-            <a:ext cx="1381037" cy="1684013"/>
-          </a:xfrm>
-          <a:prstGeom prst="ellipse">
-            <a:avLst/>
-          </a:prstGeom>
-          <a:noFill/>
-          <a:ln w="38100"/>
-        </p:spPr>
-        <p:style>
-          <a:lnRef idx="2">
-            <a:schemeClr val="accent1">
-              <a:shade val="15000"/>
-            </a:schemeClr>
-          </a:lnRef>
-          <a:fillRef idx="1">
-            <a:schemeClr val="accent1"/>
-          </a:fillRef>
-          <a:effectRef idx="0">
-            <a:schemeClr val="accent1"/>
-          </a:effectRef>
-          <a:fontRef idx="minor">
-            <a:schemeClr val="lt1"/>
-          </a:fontRef>
-        </p:style>
-        <p:txBody>
-          <a:bodyPr rtlCol="0" anchor="ctr"/>
-          <a:lstStyle/>
-          <a:p>
-            <a:pPr algn="ctr"/>
-            <a:endParaRPr lang="en-US"/>
-          </a:p>
-        </p:txBody>
-      </p:sp>
-      <p:sp>
-        <p:nvSpPr>
-          <p:cNvPr id="9" name="Oval 8">
-            <a:extLst>
-              <a:ext uri="{FF2B5EF4-FFF2-40B4-BE49-F238E27FC236}">
-                <a16:creationId xmlns:a16="http://schemas.microsoft.com/office/drawing/2014/main" id="{275DBCB4-907D-3B4B-036D-6792DF438873}"/>
-              </a:ext>
-            </a:extLst>
-          </p:cNvPr>
-          <p:cNvSpPr/>
-          <p:nvPr/>
-        </p:nvSpPr>
-        <p:spPr>
-          <a:xfrm rot="8691751">
-            <a:off x="7389564" y="3819917"/>
-            <a:ext cx="1768863" cy="1504243"/>
-          </a:xfrm>
-          <a:prstGeom prst="ellipse">
-            <a:avLst/>
-          </a:prstGeom>
-          <a:noFill/>
-          <a:ln w="38100"/>
-        </p:spPr>
-        <p:style>
-          <a:lnRef idx="2">
-            <a:schemeClr val="accent1">
-              <a:shade val="15000"/>
-            </a:schemeClr>
-          </a:lnRef>
-          <a:fillRef idx="1">
-            <a:schemeClr val="accent1"/>
-          </a:fillRef>
-          <a:effectRef idx="0">
-            <a:schemeClr val="accent1"/>
-          </a:effectRef>
-          <a:fontRef idx="minor">
-            <a:schemeClr val="lt1"/>
-          </a:fontRef>
-        </p:style>
-        <p:txBody>
-          <a:bodyPr rtlCol="0" anchor="ctr"/>
-          <a:lstStyle/>
-          <a:p>
-            <a:pPr algn="ctr"/>
-            <a:endParaRPr lang="en-US"/>
-          </a:p>
-        </p:txBody>
-      </p:sp>
-      <p:sp>
-        <p:nvSpPr>
-          <p:cNvPr id="10" name="Oval 9">
-            <a:extLst>
-              <a:ext uri="{FF2B5EF4-FFF2-40B4-BE49-F238E27FC236}">
-                <a16:creationId xmlns:a16="http://schemas.microsoft.com/office/drawing/2014/main" id="{2462FBE2-C6AF-2EA6-5ABE-B553337832DC}"/>
-              </a:ext>
-            </a:extLst>
-          </p:cNvPr>
-          <p:cNvSpPr/>
-          <p:nvPr/>
-        </p:nvSpPr>
-        <p:spPr>
-          <a:xfrm>
-            <a:off x="6095261" y="5426866"/>
-            <a:ext cx="2825167" cy="1254647"/>
-          </a:xfrm>
-          <a:prstGeom prst="ellipse">
-            <a:avLst/>
-          </a:prstGeom>
-          <a:noFill/>
-          <a:ln w="38100">
-            <a:solidFill>
-              <a:srgbClr val="FF0000"/>
-            </a:solidFill>
-          </a:ln>
-        </p:spPr>
-        <p:style>
-          <a:lnRef idx="2">
-            <a:schemeClr val="accent1">
-              <a:shade val="15000"/>
-            </a:schemeClr>
-          </a:lnRef>
-          <a:fillRef idx="1">
-            <a:schemeClr val="accent1"/>
-          </a:fillRef>
-          <a:effectRef idx="0">
-            <a:schemeClr val="accent1"/>
-          </a:effectRef>
-          <a:fontRef idx="minor">
-            <a:schemeClr val="lt1"/>
-          </a:fontRef>
-        </p:style>
-        <p:txBody>
-          <a:bodyPr rtlCol="0" anchor="ctr"/>
-          <a:lstStyle/>
-          <a:p>
-            <a:pPr algn="ctr"/>
-            <a:endParaRPr lang="en-US"/>
-          </a:p>
-        </p:txBody>
-      </p:sp>
-      <p:sp>
-        <p:nvSpPr>
-          <p:cNvPr id="11" name="Oval 10">
-            <a:extLst>
-              <a:ext uri="{FF2B5EF4-FFF2-40B4-BE49-F238E27FC236}">
-                <a16:creationId xmlns:a16="http://schemas.microsoft.com/office/drawing/2014/main" id="{BC641DC5-20B2-A98E-96BD-063492A0D83C}"/>
-              </a:ext>
-            </a:extLst>
-          </p:cNvPr>
-          <p:cNvSpPr/>
-          <p:nvPr/>
-        </p:nvSpPr>
-        <p:spPr>
-          <a:xfrm rot="549347">
-            <a:off x="4309119" y="3794659"/>
-            <a:ext cx="2665235" cy="1168524"/>
-          </a:xfrm>
-          <a:prstGeom prst="ellipse">
-            <a:avLst/>
-          </a:prstGeom>
-          <a:noFill/>
-          <a:ln w="38100"/>
-        </p:spPr>
-        <p:style>
-          <a:lnRef idx="2">
-            <a:schemeClr val="accent1">
-              <a:shade val="15000"/>
-            </a:schemeClr>
-          </a:lnRef>
-          <a:fillRef idx="1">
-            <a:schemeClr val="accent1"/>
-          </a:fillRef>
-          <a:effectRef idx="0">
-            <a:schemeClr val="accent1"/>
-          </a:effectRef>
-          <a:fontRef idx="minor">
-            <a:schemeClr val="lt1"/>
-          </a:fontRef>
-        </p:style>
-        <p:txBody>
-          <a:bodyPr rtlCol="0" anchor="ctr"/>
-          <a:lstStyle/>
-          <a:p>
-            <a:pPr algn="ctr"/>
-            <a:endParaRPr lang="en-US"/>
-          </a:p>
-        </p:txBody>
-      </p:sp>
-      <p:pic>
-        <p:nvPicPr>
-          <p:cNvPr id="12" name="Graphic 11" descr="Man with solid fill">
-            <a:extLst>
-              <a:ext uri="{FF2B5EF4-FFF2-40B4-BE49-F238E27FC236}">
-                <a16:creationId xmlns:a16="http://schemas.microsoft.com/office/drawing/2014/main" id="{1648E7C6-B2D2-35C6-F57E-BB3EAE7750A6}"/>
-              </a:ext>
-            </a:extLst>
-          </p:cNvPr>
-          <p:cNvPicPr>
-            <a:picLocks noChangeAspect="1"/>
-          </p:cNvPicPr>
-          <p:nvPr/>
-        </p:nvPicPr>
-        <p:blipFill>
-          <a:blip r:embed="rId2">
-            <a:extLst>
-              <a:ext uri="{28A0092B-C50C-407E-A947-70E740481C1C}">
-                <a14:useLocalDpi xmlns:a14="http://schemas.microsoft.com/office/drawing/2010/main" val="0"/>
-              </a:ext>
-              <a:ext uri="{96DAC541-7B7A-43D3-8B79-37D633B846F1}">
-                <asvg:svgBlip xmlns:asvg="http://schemas.microsoft.com/office/drawing/2016/SVG/main" r:embed="rId3"/>
-              </a:ext>
-            </a:extLst>
-          </a:blip>
-          <a:stretch>
-            <a:fillRect/>
-          </a:stretch>
-        </p:blipFill>
-        <p:spPr>
-          <a:xfrm>
-            <a:off x="4437663" y="4056646"/>
-            <a:ext cx="431821" cy="454623"/>
-          </a:xfrm>
-          <a:prstGeom prst="rect">
-            <a:avLst/>
-          </a:prstGeom>
-        </p:spPr>
-      </p:pic>
-      <p:pic>
-        <p:nvPicPr>
-          <p:cNvPr id="13" name="Graphic 12" descr="Man with solid fill">
-            <a:extLst>
-              <a:ext uri="{FF2B5EF4-FFF2-40B4-BE49-F238E27FC236}">
-                <a16:creationId xmlns:a16="http://schemas.microsoft.com/office/drawing/2014/main" id="{ECCA1208-1A9E-1C54-0CE9-ACA2163DE908}"/>
-              </a:ext>
-            </a:extLst>
-          </p:cNvPr>
-          <p:cNvPicPr>
-            <a:picLocks noChangeAspect="1"/>
-          </p:cNvPicPr>
-          <p:nvPr/>
-        </p:nvPicPr>
-        <p:blipFill>
-          <a:blip r:embed="rId2">
-            <a:extLst>
-              <a:ext uri="{28A0092B-C50C-407E-A947-70E740481C1C}">
-                <a14:useLocalDpi xmlns:a14="http://schemas.microsoft.com/office/drawing/2010/main" val="0"/>
-              </a:ext>
-              <a:ext uri="{96DAC541-7B7A-43D3-8B79-37D633B846F1}">
-                <asvg:svgBlip xmlns:asvg="http://schemas.microsoft.com/office/drawing/2016/SVG/main" r:embed="rId3"/>
-              </a:ext>
-            </a:extLst>
-          </a:blip>
-          <a:stretch>
-            <a:fillRect/>
-          </a:stretch>
-        </p:blipFill>
-        <p:spPr>
-          <a:xfrm>
-            <a:off x="5483609" y="4082615"/>
-            <a:ext cx="431821" cy="454623"/>
-          </a:xfrm>
-          <a:prstGeom prst="rect">
-            <a:avLst/>
-          </a:prstGeom>
-        </p:spPr>
-      </p:pic>
-      <p:pic>
-        <p:nvPicPr>
-          <p:cNvPr id="14" name="Graphic 13" descr="Man with solid fill">
-            <a:extLst>
-              <a:ext uri="{FF2B5EF4-FFF2-40B4-BE49-F238E27FC236}">
-                <a16:creationId xmlns:a16="http://schemas.microsoft.com/office/drawing/2014/main" id="{77F7D643-7E8C-608D-1FB6-5C0BFE0407B4}"/>
-              </a:ext>
-            </a:extLst>
-          </p:cNvPr>
-          <p:cNvPicPr>
-            <a:picLocks noChangeAspect="1"/>
-          </p:cNvPicPr>
-          <p:nvPr/>
-        </p:nvPicPr>
-        <p:blipFill>
-          <a:blip r:embed="rId2">
-            <a:extLst>
-              <a:ext uri="{28A0092B-C50C-407E-A947-70E740481C1C}">
-                <a14:useLocalDpi xmlns:a14="http://schemas.microsoft.com/office/drawing/2010/main" val="0"/>
-              </a:ext>
-              <a:ext uri="{96DAC541-7B7A-43D3-8B79-37D633B846F1}">
-                <asvg:svgBlip xmlns:asvg="http://schemas.microsoft.com/office/drawing/2016/SVG/main" r:embed="rId3"/>
-              </a:ext>
-            </a:extLst>
-          </a:blip>
-          <a:stretch>
-            <a:fillRect/>
-          </a:stretch>
-        </p:blipFill>
-        <p:spPr>
-          <a:xfrm>
-            <a:off x="5054579" y="3770654"/>
-            <a:ext cx="431821" cy="454623"/>
-          </a:xfrm>
-          <a:prstGeom prst="rect">
-            <a:avLst/>
-          </a:prstGeom>
-        </p:spPr>
-      </p:pic>
-      <p:pic>
-        <p:nvPicPr>
-          <p:cNvPr id="15" name="Graphic 14" descr="Man with solid fill">
-            <a:extLst>
-              <a:ext uri="{FF2B5EF4-FFF2-40B4-BE49-F238E27FC236}">
-                <a16:creationId xmlns:a16="http://schemas.microsoft.com/office/drawing/2014/main" id="{BD1D4C8F-263C-8FE6-D593-36140B47CC02}"/>
-              </a:ext>
-            </a:extLst>
-          </p:cNvPr>
-          <p:cNvPicPr>
-            <a:picLocks noChangeAspect="1"/>
-          </p:cNvPicPr>
-          <p:nvPr/>
-        </p:nvPicPr>
-        <p:blipFill>
-          <a:blip r:embed="rId2">
-            <a:extLst>
-              <a:ext uri="{28A0092B-C50C-407E-A947-70E740481C1C}">
-                <a14:useLocalDpi xmlns:a14="http://schemas.microsoft.com/office/drawing/2010/main" val="0"/>
-              </a:ext>
-              <a:ext uri="{96DAC541-7B7A-43D3-8B79-37D633B846F1}">
-                <asvg:svgBlip xmlns:asvg="http://schemas.microsoft.com/office/drawing/2016/SVG/main" r:embed="rId3"/>
-              </a:ext>
-            </a:extLst>
-          </a:blip>
-          <a:stretch>
-            <a:fillRect/>
-          </a:stretch>
-        </p:blipFill>
-        <p:spPr>
-          <a:xfrm>
-            <a:off x="6091938" y="3989387"/>
-            <a:ext cx="431821" cy="454623"/>
-          </a:xfrm>
-          <a:prstGeom prst="rect">
-            <a:avLst/>
-          </a:prstGeom>
-        </p:spPr>
-      </p:pic>
-      <p:pic>
-        <p:nvPicPr>
-          <p:cNvPr id="16" name="Graphic 15" descr="Man with solid fill">
-            <a:extLst>
-              <a:ext uri="{FF2B5EF4-FFF2-40B4-BE49-F238E27FC236}">
-                <a16:creationId xmlns:a16="http://schemas.microsoft.com/office/drawing/2014/main" id="{CB7C5260-DBCD-04B9-082A-E641532184E7}"/>
-              </a:ext>
-            </a:extLst>
-          </p:cNvPr>
-          <p:cNvPicPr>
-            <a:picLocks noChangeAspect="1"/>
-          </p:cNvPicPr>
-          <p:nvPr/>
-        </p:nvPicPr>
-        <p:blipFill>
-          <a:blip r:embed="rId4">
-            <a:extLst>
-              <a:ext uri="{28A0092B-C50C-407E-A947-70E740481C1C}">
-                <a14:useLocalDpi xmlns:a14="http://schemas.microsoft.com/office/drawing/2010/main" val="0"/>
-              </a:ext>
-              <a:ext uri="{96DAC541-7B7A-43D3-8B79-37D633B846F1}">
-                <asvg:svgBlip xmlns:asvg="http://schemas.microsoft.com/office/drawing/2016/SVG/main" r:embed="rId5"/>
-              </a:ext>
-            </a:extLst>
-          </a:blip>
-          <a:stretch>
-            <a:fillRect/>
-          </a:stretch>
-        </p:blipFill>
-        <p:spPr>
-          <a:xfrm>
-            <a:off x="2400363" y="4261529"/>
-            <a:ext cx="431821" cy="454623"/>
-          </a:xfrm>
-          <a:prstGeom prst="rect">
-            <a:avLst/>
-          </a:prstGeom>
-        </p:spPr>
-      </p:pic>
-      <p:pic>
-        <p:nvPicPr>
-          <p:cNvPr id="17" name="Graphic 16" descr="Man with solid fill">
-            <a:extLst>
-              <a:ext uri="{FF2B5EF4-FFF2-40B4-BE49-F238E27FC236}">
-                <a16:creationId xmlns:a16="http://schemas.microsoft.com/office/drawing/2014/main" id="{FBEC6BDE-59BC-E527-D347-5CD99EA6D425}"/>
-              </a:ext>
-            </a:extLst>
-          </p:cNvPr>
-          <p:cNvPicPr>
-            <a:picLocks noChangeAspect="1"/>
-          </p:cNvPicPr>
-          <p:nvPr/>
-        </p:nvPicPr>
-        <p:blipFill>
-          <a:blip r:embed="rId2">
-            <a:extLst>
-              <a:ext uri="{28A0092B-C50C-407E-A947-70E740481C1C}">
-                <a14:useLocalDpi xmlns:a14="http://schemas.microsoft.com/office/drawing/2010/main" val="0"/>
-              </a:ext>
-              <a:ext uri="{96DAC541-7B7A-43D3-8B79-37D633B846F1}">
-                <asvg:svgBlip xmlns:asvg="http://schemas.microsoft.com/office/drawing/2016/SVG/main" r:embed="rId6"/>
-              </a:ext>
-            </a:extLst>
-          </a:blip>
-          <a:stretch>
-            <a:fillRect/>
-          </a:stretch>
-        </p:blipFill>
-        <p:spPr>
-          <a:xfrm>
-            <a:off x="2760574" y="4002513"/>
-            <a:ext cx="431821" cy="454623"/>
-          </a:xfrm>
-          <a:prstGeom prst="rect">
-            <a:avLst/>
-          </a:prstGeom>
-        </p:spPr>
-      </p:pic>
-      <p:pic>
-        <p:nvPicPr>
-          <p:cNvPr id="18" name="Graphic 17" descr="Man with solid fill">
-            <a:extLst>
-              <a:ext uri="{FF2B5EF4-FFF2-40B4-BE49-F238E27FC236}">
-                <a16:creationId xmlns:a16="http://schemas.microsoft.com/office/drawing/2014/main" id="{AEA7AF7B-C523-D901-901C-94030EEDCC40}"/>
-              </a:ext>
-            </a:extLst>
-          </p:cNvPr>
-          <p:cNvPicPr>
-            <a:picLocks noChangeAspect="1"/>
-          </p:cNvPicPr>
-          <p:nvPr/>
-        </p:nvPicPr>
-        <p:blipFill>
-          <a:blip r:embed="rId2">
-            <a:extLst>
-              <a:ext uri="{28A0092B-C50C-407E-A947-70E740481C1C}">
-                <a14:useLocalDpi xmlns:a14="http://schemas.microsoft.com/office/drawing/2010/main" val="0"/>
-              </a:ext>
-              <a:ext uri="{96DAC541-7B7A-43D3-8B79-37D633B846F1}">
-                <asvg:svgBlip xmlns:asvg="http://schemas.microsoft.com/office/drawing/2016/SVG/main" r:embed="rId6"/>
-              </a:ext>
-            </a:extLst>
-          </a:blip>
-          <a:stretch>
-            <a:fillRect/>
-          </a:stretch>
-        </p:blipFill>
-        <p:spPr>
-          <a:xfrm>
-            <a:off x="3257126" y="4483709"/>
-            <a:ext cx="431821" cy="454623"/>
-          </a:xfrm>
-          <a:prstGeom prst="rect">
-            <a:avLst/>
-          </a:prstGeom>
-        </p:spPr>
-      </p:pic>
-      <p:pic>
-        <p:nvPicPr>
-          <p:cNvPr id="19" name="Graphic 18" descr="Man with solid fill">
-            <a:extLst>
-              <a:ext uri="{FF2B5EF4-FFF2-40B4-BE49-F238E27FC236}">
-                <a16:creationId xmlns:a16="http://schemas.microsoft.com/office/drawing/2014/main" id="{97EA0342-97C3-7D09-5A31-D4048F134E45}"/>
-              </a:ext>
-            </a:extLst>
-          </p:cNvPr>
-          <p:cNvPicPr>
-            <a:picLocks noChangeAspect="1"/>
-          </p:cNvPicPr>
-          <p:nvPr/>
-        </p:nvPicPr>
-        <p:blipFill>
-          <a:blip r:embed="rId4">
-            <a:extLst>
-              <a:ext uri="{28A0092B-C50C-407E-A947-70E740481C1C}">
-                <a14:useLocalDpi xmlns:a14="http://schemas.microsoft.com/office/drawing/2010/main" val="0"/>
-              </a:ext>
-              <a:ext uri="{96DAC541-7B7A-43D3-8B79-37D633B846F1}">
-                <asvg:svgBlip xmlns:asvg="http://schemas.microsoft.com/office/drawing/2016/SVG/main" r:embed="rId5"/>
-              </a:ext>
-            </a:extLst>
-          </a:blip>
-          <a:stretch>
-            <a:fillRect/>
-          </a:stretch>
-        </p:blipFill>
-        <p:spPr>
-          <a:xfrm>
-            <a:off x="3409420" y="4140462"/>
-            <a:ext cx="431821" cy="454623"/>
-          </a:xfrm>
-          <a:prstGeom prst="rect">
-            <a:avLst/>
-          </a:prstGeom>
-        </p:spPr>
-      </p:pic>
-      <p:pic>
-        <p:nvPicPr>
-          <p:cNvPr id="20" name="Graphic 19" descr="Man with solid fill">
-            <a:extLst>
-              <a:ext uri="{FF2B5EF4-FFF2-40B4-BE49-F238E27FC236}">
-                <a16:creationId xmlns:a16="http://schemas.microsoft.com/office/drawing/2014/main" id="{C386131D-EE9D-582B-BD67-3301990F99B7}"/>
-              </a:ext>
-            </a:extLst>
-          </p:cNvPr>
-          <p:cNvPicPr>
-            <a:picLocks noChangeAspect="1"/>
-          </p:cNvPicPr>
-          <p:nvPr/>
-        </p:nvPicPr>
-        <p:blipFill>
-          <a:blip r:embed="rId2">
-            <a:extLst>
-              <a:ext uri="{28A0092B-C50C-407E-A947-70E740481C1C}">
-                <a14:useLocalDpi xmlns:a14="http://schemas.microsoft.com/office/drawing/2010/main" val="0"/>
-              </a:ext>
-              <a:ext uri="{96DAC541-7B7A-43D3-8B79-37D633B846F1}">
-                <asvg:svgBlip xmlns:asvg="http://schemas.microsoft.com/office/drawing/2016/SVG/main" r:embed="rId6"/>
-              </a:ext>
-            </a:extLst>
-          </a:blip>
-          <a:stretch>
-            <a:fillRect/>
-          </a:stretch>
-        </p:blipFill>
-        <p:spPr>
-          <a:xfrm>
-            <a:off x="3352816" y="5988116"/>
-            <a:ext cx="431821" cy="454623"/>
-          </a:xfrm>
-          <a:prstGeom prst="rect">
-            <a:avLst/>
-          </a:prstGeom>
-        </p:spPr>
-      </p:pic>
-      <p:pic>
-        <p:nvPicPr>
-          <p:cNvPr id="21" name="Graphic 20" descr="Man with solid fill">
-            <a:extLst>
-              <a:ext uri="{FF2B5EF4-FFF2-40B4-BE49-F238E27FC236}">
-                <a16:creationId xmlns:a16="http://schemas.microsoft.com/office/drawing/2014/main" id="{1654089D-8B01-0F65-A162-44666A8368B9}"/>
-              </a:ext>
-            </a:extLst>
-          </p:cNvPr>
-          <p:cNvPicPr>
-            <a:picLocks noChangeAspect="1"/>
-          </p:cNvPicPr>
-          <p:nvPr/>
-        </p:nvPicPr>
-        <p:blipFill>
-          <a:blip r:embed="rId2">
-            <a:extLst>
-              <a:ext uri="{28A0092B-C50C-407E-A947-70E740481C1C}">
-                <a14:useLocalDpi xmlns:a14="http://schemas.microsoft.com/office/drawing/2010/main" val="0"/>
-              </a:ext>
-              <a:ext uri="{96DAC541-7B7A-43D3-8B79-37D633B846F1}">
-                <asvg:svgBlip xmlns:asvg="http://schemas.microsoft.com/office/drawing/2016/SVG/main" r:embed="rId6"/>
-              </a:ext>
-            </a:extLst>
-          </a:blip>
-          <a:stretch>
-            <a:fillRect/>
-          </a:stretch>
-        </p:blipFill>
-        <p:spPr>
-          <a:xfrm>
-            <a:off x="2400363" y="5913555"/>
-            <a:ext cx="431821" cy="454623"/>
-          </a:xfrm>
-          <a:prstGeom prst="rect">
-            <a:avLst/>
-          </a:prstGeom>
-        </p:spPr>
-      </p:pic>
-      <p:pic>
-        <p:nvPicPr>
-          <p:cNvPr id="22" name="Graphic 21" descr="Man with solid fill">
-            <a:extLst>
-              <a:ext uri="{FF2B5EF4-FFF2-40B4-BE49-F238E27FC236}">
-                <a16:creationId xmlns:a16="http://schemas.microsoft.com/office/drawing/2014/main" id="{8FF7AE46-8AD6-B506-8089-B9B2305CC5C2}"/>
-              </a:ext>
-            </a:extLst>
-          </p:cNvPr>
-          <p:cNvPicPr>
-            <a:picLocks noChangeAspect="1"/>
-          </p:cNvPicPr>
-          <p:nvPr/>
-        </p:nvPicPr>
-        <p:blipFill>
-          <a:blip r:embed="rId4">
-            <a:extLst>
-              <a:ext uri="{28A0092B-C50C-407E-A947-70E740481C1C}">
-                <a14:useLocalDpi xmlns:a14="http://schemas.microsoft.com/office/drawing/2010/main" val="0"/>
-              </a:ext>
-              <a:ext uri="{96DAC541-7B7A-43D3-8B79-37D633B846F1}">
-                <asvg:svgBlip xmlns:asvg="http://schemas.microsoft.com/office/drawing/2016/SVG/main" r:embed="rId5"/>
-              </a:ext>
-            </a:extLst>
-          </a:blip>
-          <a:stretch>
-            <a:fillRect/>
-          </a:stretch>
-        </p:blipFill>
-        <p:spPr>
-          <a:xfrm>
-            <a:off x="2839292" y="5552274"/>
-            <a:ext cx="431821" cy="454623"/>
-          </a:xfrm>
-          <a:prstGeom prst="rect">
-            <a:avLst/>
-          </a:prstGeom>
-        </p:spPr>
-      </p:pic>
-      <p:pic>
-        <p:nvPicPr>
-          <p:cNvPr id="23" name="Graphic 22" descr="Man with solid fill">
-            <a:extLst>
-              <a:ext uri="{FF2B5EF4-FFF2-40B4-BE49-F238E27FC236}">
-                <a16:creationId xmlns:a16="http://schemas.microsoft.com/office/drawing/2014/main" id="{1D14715E-7060-33DE-D21C-294C194FCAFE}"/>
-              </a:ext>
-            </a:extLst>
-          </p:cNvPr>
-          <p:cNvPicPr>
-            <a:picLocks noChangeAspect="1"/>
-          </p:cNvPicPr>
-          <p:nvPr/>
-        </p:nvPicPr>
-        <p:blipFill>
-          <a:blip r:embed="rId4">
-            <a:extLst>
-              <a:ext uri="{28A0092B-C50C-407E-A947-70E740481C1C}">
-                <a14:useLocalDpi xmlns:a14="http://schemas.microsoft.com/office/drawing/2010/main" val="0"/>
-              </a:ext>
-              <a:ext uri="{96DAC541-7B7A-43D3-8B79-37D633B846F1}">
-                <asvg:svgBlip xmlns:asvg="http://schemas.microsoft.com/office/drawing/2016/SVG/main" r:embed="rId5"/>
-              </a:ext>
-            </a:extLst>
-          </a:blip>
-          <a:stretch>
-            <a:fillRect/>
-          </a:stretch>
-        </p:blipFill>
-        <p:spPr>
-          <a:xfrm>
-            <a:off x="3679834" y="5552274"/>
-            <a:ext cx="431821" cy="454623"/>
-          </a:xfrm>
-          <a:prstGeom prst="rect">
-            <a:avLst/>
-          </a:prstGeom>
-        </p:spPr>
-      </p:pic>
-      <p:pic>
-        <p:nvPicPr>
-          <p:cNvPr id="24" name="Graphic 23" descr="Man with solid fill">
-            <a:extLst>
-              <a:ext uri="{FF2B5EF4-FFF2-40B4-BE49-F238E27FC236}">
-                <a16:creationId xmlns:a16="http://schemas.microsoft.com/office/drawing/2014/main" id="{5112C162-68D4-0BCB-368D-16FA447A32E8}"/>
-              </a:ext>
-            </a:extLst>
-          </p:cNvPr>
-          <p:cNvPicPr>
-            <a:picLocks noChangeAspect="1"/>
-          </p:cNvPicPr>
-          <p:nvPr/>
-        </p:nvPicPr>
-        <p:blipFill>
-          <a:blip r:embed="rId2">
-            <a:extLst>
-              <a:ext uri="{28A0092B-C50C-407E-A947-70E740481C1C}">
-                <a14:useLocalDpi xmlns:a14="http://schemas.microsoft.com/office/drawing/2010/main" val="0"/>
-              </a:ext>
-              <a:ext uri="{96DAC541-7B7A-43D3-8B79-37D633B846F1}">
-                <asvg:svgBlip xmlns:asvg="http://schemas.microsoft.com/office/drawing/2016/SVG/main" r:embed="rId3"/>
-              </a:ext>
-            </a:extLst>
-          </a:blip>
-          <a:stretch>
-            <a:fillRect/>
-          </a:stretch>
-        </p:blipFill>
-        <p:spPr>
-          <a:xfrm>
-            <a:off x="4908658" y="6100087"/>
-            <a:ext cx="431821" cy="454623"/>
-          </a:xfrm>
-          <a:prstGeom prst="rect">
-            <a:avLst/>
-          </a:prstGeom>
-        </p:spPr>
-      </p:pic>
-      <p:pic>
-        <p:nvPicPr>
-          <p:cNvPr id="25" name="Graphic 24" descr="Man with solid fill">
-            <a:extLst>
-              <a:ext uri="{FF2B5EF4-FFF2-40B4-BE49-F238E27FC236}">
-                <a16:creationId xmlns:a16="http://schemas.microsoft.com/office/drawing/2014/main" id="{DDD18B77-DD14-DDE9-2394-FF58BCD3F86B}"/>
-              </a:ext>
-            </a:extLst>
-          </p:cNvPr>
-          <p:cNvPicPr>
-            <a:picLocks noChangeAspect="1"/>
-          </p:cNvPicPr>
-          <p:nvPr/>
-        </p:nvPicPr>
-        <p:blipFill>
-          <a:blip r:embed="rId2">
-            <a:extLst>
-              <a:ext uri="{28A0092B-C50C-407E-A947-70E740481C1C}">
-                <a14:useLocalDpi xmlns:a14="http://schemas.microsoft.com/office/drawing/2010/main" val="0"/>
-              </a:ext>
-              <a:ext uri="{96DAC541-7B7A-43D3-8B79-37D633B846F1}">
-                <asvg:svgBlip xmlns:asvg="http://schemas.microsoft.com/office/drawing/2016/SVG/main" r:embed="rId3"/>
-              </a:ext>
-            </a:extLst>
-          </a:blip>
-          <a:stretch>
-            <a:fillRect/>
-          </a:stretch>
-        </p:blipFill>
-        <p:spPr>
-          <a:xfrm>
-            <a:off x="5173015" y="5639283"/>
-            <a:ext cx="431821" cy="454623"/>
-          </a:xfrm>
-          <a:prstGeom prst="rect">
-            <a:avLst/>
-          </a:prstGeom>
-        </p:spPr>
-      </p:pic>
-      <p:pic>
-        <p:nvPicPr>
-          <p:cNvPr id="26" name="Graphic 25" descr="Man with solid fill">
-            <a:extLst>
-              <a:ext uri="{FF2B5EF4-FFF2-40B4-BE49-F238E27FC236}">
-                <a16:creationId xmlns:a16="http://schemas.microsoft.com/office/drawing/2014/main" id="{1A6EAADF-CE6B-D7B4-31D6-04BDB7538FF1}"/>
-              </a:ext>
-            </a:extLst>
-          </p:cNvPr>
-          <p:cNvPicPr>
-            <a:picLocks noChangeAspect="1"/>
-          </p:cNvPicPr>
-          <p:nvPr/>
-        </p:nvPicPr>
-        <p:blipFill>
-          <a:blip r:embed="rId2">
-            <a:extLst>
-              <a:ext uri="{28A0092B-C50C-407E-A947-70E740481C1C}">
-                <a14:useLocalDpi xmlns:a14="http://schemas.microsoft.com/office/drawing/2010/main" val="0"/>
-              </a:ext>
-              <a:ext uri="{96DAC541-7B7A-43D3-8B79-37D633B846F1}">
-                <asvg:svgBlip xmlns:asvg="http://schemas.microsoft.com/office/drawing/2016/SVG/main" r:embed="rId3"/>
-              </a:ext>
-            </a:extLst>
-          </a:blip>
-          <a:stretch>
-            <a:fillRect/>
-          </a:stretch>
-        </p:blipFill>
-        <p:spPr>
-          <a:xfrm>
-            <a:off x="4651975" y="5618748"/>
-            <a:ext cx="431821" cy="454623"/>
-          </a:xfrm>
-          <a:prstGeom prst="rect">
-            <a:avLst/>
-          </a:prstGeom>
-        </p:spPr>
-      </p:pic>
-      <p:pic>
-        <p:nvPicPr>
-          <p:cNvPr id="27" name="Graphic 26" descr="Man with solid fill">
-            <a:extLst>
-              <a:ext uri="{FF2B5EF4-FFF2-40B4-BE49-F238E27FC236}">
-                <a16:creationId xmlns:a16="http://schemas.microsoft.com/office/drawing/2014/main" id="{7ABC0013-4C4A-F40E-4CD1-00C0B72A6975}"/>
-              </a:ext>
-            </a:extLst>
-          </p:cNvPr>
-          <p:cNvPicPr>
-            <a:picLocks noChangeAspect="1"/>
-          </p:cNvPicPr>
-          <p:nvPr/>
-        </p:nvPicPr>
-        <p:blipFill>
-          <a:blip r:embed="rId2">
-            <a:extLst>
-              <a:ext uri="{28A0092B-C50C-407E-A947-70E740481C1C}">
-                <a14:useLocalDpi xmlns:a14="http://schemas.microsoft.com/office/drawing/2010/main" val="0"/>
-              </a:ext>
-              <a:ext uri="{96DAC541-7B7A-43D3-8B79-37D633B846F1}">
-                <asvg:svgBlip xmlns:asvg="http://schemas.microsoft.com/office/drawing/2016/SVG/main" r:embed="rId3"/>
-              </a:ext>
-            </a:extLst>
-          </a:blip>
-          <a:stretch>
-            <a:fillRect/>
-          </a:stretch>
-        </p:blipFill>
-        <p:spPr>
-          <a:xfrm>
-            <a:off x="5149908" y="5054084"/>
-            <a:ext cx="431821" cy="454623"/>
-          </a:xfrm>
-          <a:prstGeom prst="rect">
-            <a:avLst/>
-          </a:prstGeom>
-        </p:spPr>
-      </p:pic>
-      <p:pic>
-        <p:nvPicPr>
-          <p:cNvPr id="29" name="Graphic 28" descr="Man with solid fill">
-            <a:extLst>
-              <a:ext uri="{FF2B5EF4-FFF2-40B4-BE49-F238E27FC236}">
-                <a16:creationId xmlns:a16="http://schemas.microsoft.com/office/drawing/2014/main" id="{7B6B8266-ECC4-6E44-9CB1-7CB65335E46B}"/>
-              </a:ext>
-            </a:extLst>
-          </p:cNvPr>
-          <p:cNvPicPr>
-            <a:picLocks noChangeAspect="1"/>
-          </p:cNvPicPr>
-          <p:nvPr/>
-        </p:nvPicPr>
-        <p:blipFill>
-          <a:blip r:embed="rId4">
-            <a:extLst>
-              <a:ext uri="{28A0092B-C50C-407E-A947-70E740481C1C}">
-                <a14:useLocalDpi xmlns:a14="http://schemas.microsoft.com/office/drawing/2010/main" val="0"/>
-              </a:ext>
-              <a:ext uri="{96DAC541-7B7A-43D3-8B79-37D633B846F1}">
-                <asvg:svgBlip xmlns:asvg="http://schemas.microsoft.com/office/drawing/2016/SVG/main" r:embed="rId5"/>
-              </a:ext>
-            </a:extLst>
-          </a:blip>
-          <a:stretch>
-            <a:fillRect/>
-          </a:stretch>
-        </p:blipFill>
-        <p:spPr>
-          <a:xfrm>
-            <a:off x="6896591" y="5763716"/>
-            <a:ext cx="431821" cy="454623"/>
-          </a:xfrm>
-          <a:prstGeom prst="rect">
-            <a:avLst/>
-          </a:prstGeom>
-        </p:spPr>
-      </p:pic>
-      <p:pic>
-        <p:nvPicPr>
-          <p:cNvPr id="30" name="Graphic 29" descr="Man with solid fill">
-            <a:extLst>
-              <a:ext uri="{FF2B5EF4-FFF2-40B4-BE49-F238E27FC236}">
-                <a16:creationId xmlns:a16="http://schemas.microsoft.com/office/drawing/2014/main" id="{68D7EF20-4A74-8C64-A144-0D863CB7B76B}"/>
-              </a:ext>
-            </a:extLst>
-          </p:cNvPr>
-          <p:cNvPicPr>
-            <a:picLocks noChangeAspect="1"/>
-          </p:cNvPicPr>
-          <p:nvPr/>
-        </p:nvPicPr>
-        <p:blipFill>
-          <a:blip r:embed="rId4">
-            <a:extLst>
-              <a:ext uri="{28A0092B-C50C-407E-A947-70E740481C1C}">
-                <a14:useLocalDpi xmlns:a14="http://schemas.microsoft.com/office/drawing/2010/main" val="0"/>
-              </a:ext>
-              <a:ext uri="{96DAC541-7B7A-43D3-8B79-37D633B846F1}">
-                <asvg:svgBlip xmlns:asvg="http://schemas.microsoft.com/office/drawing/2016/SVG/main" r:embed="rId5"/>
-              </a:ext>
-            </a:extLst>
-          </a:blip>
-          <a:stretch>
-            <a:fillRect/>
-          </a:stretch>
-        </p:blipFill>
-        <p:spPr>
-          <a:xfrm>
-            <a:off x="7449501" y="6128071"/>
-            <a:ext cx="431821" cy="454623"/>
-          </a:xfrm>
-          <a:prstGeom prst="rect">
-            <a:avLst/>
-          </a:prstGeom>
-        </p:spPr>
-      </p:pic>
-      <p:pic>
-        <p:nvPicPr>
-          <p:cNvPr id="31" name="Graphic 30" descr="Man with solid fill">
-            <a:extLst>
-              <a:ext uri="{FF2B5EF4-FFF2-40B4-BE49-F238E27FC236}">
-                <a16:creationId xmlns:a16="http://schemas.microsoft.com/office/drawing/2014/main" id="{7C3C307F-4D5C-8057-954D-0EC5669BA687}"/>
-              </a:ext>
-            </a:extLst>
-          </p:cNvPr>
-          <p:cNvPicPr>
-            <a:picLocks noChangeAspect="1"/>
-          </p:cNvPicPr>
-          <p:nvPr/>
-        </p:nvPicPr>
-        <p:blipFill>
-          <a:blip r:embed="rId4">
-            <a:extLst>
-              <a:ext uri="{28A0092B-C50C-407E-A947-70E740481C1C}">
-                <a14:useLocalDpi xmlns:a14="http://schemas.microsoft.com/office/drawing/2010/main" val="0"/>
-              </a:ext>
-              <a:ext uri="{96DAC541-7B7A-43D3-8B79-37D633B846F1}">
-                <asvg:svgBlip xmlns:asvg="http://schemas.microsoft.com/office/drawing/2016/SVG/main" r:embed="rId5"/>
-              </a:ext>
-            </a:extLst>
-          </a:blip>
-          <a:stretch>
-            <a:fillRect/>
-          </a:stretch>
-        </p:blipFill>
-        <p:spPr>
-          <a:xfrm>
-            <a:off x="8316892" y="5932104"/>
-            <a:ext cx="431821" cy="454623"/>
-          </a:xfrm>
-          <a:prstGeom prst="rect">
-            <a:avLst/>
-          </a:prstGeom>
-        </p:spPr>
-      </p:pic>
-      <p:pic>
-        <p:nvPicPr>
-          <p:cNvPr id="32" name="Graphic 31" descr="Man with solid fill">
-            <a:extLst>
-              <a:ext uri="{FF2B5EF4-FFF2-40B4-BE49-F238E27FC236}">
-                <a16:creationId xmlns:a16="http://schemas.microsoft.com/office/drawing/2014/main" id="{DDEDF1FE-6343-5C95-0926-35B196C41184}"/>
-              </a:ext>
-            </a:extLst>
-          </p:cNvPr>
-          <p:cNvPicPr>
-            <a:picLocks noChangeAspect="1"/>
-          </p:cNvPicPr>
-          <p:nvPr/>
-        </p:nvPicPr>
-        <p:blipFill>
-          <a:blip r:embed="rId2">
-            <a:extLst>
-              <a:ext uri="{28A0092B-C50C-407E-A947-70E740481C1C}">
-                <a14:useLocalDpi xmlns:a14="http://schemas.microsoft.com/office/drawing/2010/main" val="0"/>
-              </a:ext>
-              <a:ext uri="{96DAC541-7B7A-43D3-8B79-37D633B846F1}">
-                <asvg:svgBlip xmlns:asvg="http://schemas.microsoft.com/office/drawing/2016/SVG/main" r:embed="rId3"/>
-              </a:ext>
-            </a:extLst>
-          </a:blip>
-          <a:stretch>
-            <a:fillRect/>
-          </a:stretch>
-        </p:blipFill>
-        <p:spPr>
-          <a:xfrm>
-            <a:off x="8013649" y="4332039"/>
-            <a:ext cx="431821" cy="454623"/>
-          </a:xfrm>
-          <a:prstGeom prst="rect">
-            <a:avLst/>
-          </a:prstGeom>
-        </p:spPr>
-      </p:pic>
-      <p:pic>
-        <p:nvPicPr>
-          <p:cNvPr id="33" name="Graphic 32" descr="Man with solid fill">
-            <a:extLst>
-              <a:ext uri="{FF2B5EF4-FFF2-40B4-BE49-F238E27FC236}">
-                <a16:creationId xmlns:a16="http://schemas.microsoft.com/office/drawing/2014/main" id="{3629189D-FD66-0D78-A1E9-26CA36B1ACF4}"/>
-              </a:ext>
-            </a:extLst>
-          </p:cNvPr>
-          <p:cNvPicPr>
-            <a:picLocks noChangeAspect="1"/>
-          </p:cNvPicPr>
-          <p:nvPr/>
-        </p:nvPicPr>
-        <p:blipFill>
-          <a:blip r:embed="rId2">
-            <a:extLst>
-              <a:ext uri="{28A0092B-C50C-407E-A947-70E740481C1C}">
-                <a14:useLocalDpi xmlns:a14="http://schemas.microsoft.com/office/drawing/2010/main" val="0"/>
-              </a:ext>
-              <a:ext uri="{96DAC541-7B7A-43D3-8B79-37D633B846F1}">
-                <asvg:svgBlip xmlns:asvg="http://schemas.microsoft.com/office/drawing/2016/SVG/main" r:embed="rId3"/>
-              </a:ext>
-            </a:extLst>
-          </a:blip>
-          <a:stretch>
-            <a:fillRect/>
-          </a:stretch>
-        </p:blipFill>
-        <p:spPr>
-          <a:xfrm>
-            <a:off x="7861250" y="4822880"/>
-            <a:ext cx="431821" cy="454623"/>
-          </a:xfrm>
-          <a:prstGeom prst="rect">
-            <a:avLst/>
-          </a:prstGeom>
-        </p:spPr>
-      </p:pic>
-      <p:pic>
-        <p:nvPicPr>
-          <p:cNvPr id="34" name="Graphic 33" descr="Man with solid fill">
-            <a:extLst>
-              <a:ext uri="{FF2B5EF4-FFF2-40B4-BE49-F238E27FC236}">
-                <a16:creationId xmlns:a16="http://schemas.microsoft.com/office/drawing/2014/main" id="{F225FC34-947D-5BB7-A3D5-D5DF8C77E391}"/>
-              </a:ext>
-            </a:extLst>
-          </p:cNvPr>
-          <p:cNvPicPr>
-            <a:picLocks noChangeAspect="1"/>
-          </p:cNvPicPr>
-          <p:nvPr/>
-        </p:nvPicPr>
-        <p:blipFill>
-          <a:blip r:embed="rId2">
-            <a:extLst>
-              <a:ext uri="{28A0092B-C50C-407E-A947-70E740481C1C}">
-                <a14:useLocalDpi xmlns:a14="http://schemas.microsoft.com/office/drawing/2010/main" val="0"/>
-              </a:ext>
-              <a:ext uri="{96DAC541-7B7A-43D3-8B79-37D633B846F1}">
-                <asvg:svgBlip xmlns:asvg="http://schemas.microsoft.com/office/drawing/2016/SVG/main" r:embed="rId3"/>
-              </a:ext>
-            </a:extLst>
-          </a:blip>
-          <a:stretch>
-            <a:fillRect/>
-          </a:stretch>
-        </p:blipFill>
-        <p:spPr>
-          <a:xfrm>
-            <a:off x="7409987" y="4574996"/>
-            <a:ext cx="431821" cy="454623"/>
-          </a:xfrm>
-          <a:prstGeom prst="rect">
-            <a:avLst/>
-          </a:prstGeom>
-        </p:spPr>
-      </p:pic>
-      <p:pic>
-        <p:nvPicPr>
-          <p:cNvPr id="35" name="Graphic 34" descr="Man with solid fill">
-            <a:extLst>
-              <a:ext uri="{FF2B5EF4-FFF2-40B4-BE49-F238E27FC236}">
-                <a16:creationId xmlns:a16="http://schemas.microsoft.com/office/drawing/2014/main" id="{B0FECD4C-35B3-AB69-37C5-80948ED1F009}"/>
-              </a:ext>
-            </a:extLst>
-          </p:cNvPr>
-          <p:cNvPicPr>
-            <a:picLocks noChangeAspect="1"/>
-          </p:cNvPicPr>
-          <p:nvPr/>
-        </p:nvPicPr>
-        <p:blipFill>
-          <a:blip r:embed="rId2">
-            <a:extLst>
-              <a:ext uri="{28A0092B-C50C-407E-A947-70E740481C1C}">
-                <a14:useLocalDpi xmlns:a14="http://schemas.microsoft.com/office/drawing/2010/main" val="0"/>
-              </a:ext>
-              <a:ext uri="{96DAC541-7B7A-43D3-8B79-37D633B846F1}">
-                <asvg:svgBlip xmlns:asvg="http://schemas.microsoft.com/office/drawing/2016/SVG/main" r:embed="rId3"/>
-              </a:ext>
-            </a:extLst>
-          </a:blip>
-          <a:stretch>
-            <a:fillRect/>
-          </a:stretch>
-        </p:blipFill>
-        <p:spPr>
-          <a:xfrm>
-            <a:off x="8732477" y="4151609"/>
-            <a:ext cx="431821" cy="454623"/>
-          </a:xfrm>
-          <a:prstGeom prst="rect">
-            <a:avLst/>
-          </a:prstGeom>
-        </p:spPr>
-      </p:pic>
-      <p:sp>
-        <p:nvSpPr>
-          <p:cNvPr id="36" name="TextBox 35">
-            <a:extLst>
-              <a:ext uri="{FF2B5EF4-FFF2-40B4-BE49-F238E27FC236}">
-                <a16:creationId xmlns:a16="http://schemas.microsoft.com/office/drawing/2014/main" id="{8C6C5691-1E86-83C8-17DC-63BAC5D17B35}"/>
-              </a:ext>
-            </a:extLst>
-          </p:cNvPr>
-          <p:cNvSpPr txBox="1"/>
-          <p:nvPr/>
-        </p:nvSpPr>
-        <p:spPr>
-          <a:xfrm>
-            <a:off x="4192485" y="3094990"/>
-            <a:ext cx="3030445" cy="369332"/>
-          </a:xfrm>
-          <a:prstGeom prst="rect">
-            <a:avLst/>
-          </a:prstGeom>
-          <a:noFill/>
-        </p:spPr>
-        <p:txBody>
-          <a:bodyPr wrap="none" rtlCol="0">
-            <a:spAutoFit/>
-          </a:bodyPr>
-          <a:lstStyle/>
-          <a:p>
-            <a:r>
-              <a:rPr lang="en-US" b="1" dirty="0"/>
-              <a:t>Two – Stage Cluster Sampling </a:t>
-            </a:r>
-          </a:p>
-        </p:txBody>
-      </p:sp>
-      <p:pic>
-        <p:nvPicPr>
-          <p:cNvPr id="37" name="Graphic 36" descr="Man with solid fill">
-            <a:extLst>
-              <a:ext uri="{FF2B5EF4-FFF2-40B4-BE49-F238E27FC236}">
-                <a16:creationId xmlns:a16="http://schemas.microsoft.com/office/drawing/2014/main" id="{6F859EA0-EB6C-CC1E-1C81-4C7EDFD214D3}"/>
-              </a:ext>
-            </a:extLst>
-          </p:cNvPr>
-          <p:cNvPicPr>
-            <a:picLocks noChangeAspect="1"/>
-          </p:cNvPicPr>
-          <p:nvPr/>
-        </p:nvPicPr>
-        <p:blipFill>
-          <a:blip r:embed="rId2">
-            <a:extLst>
-              <a:ext uri="{28A0092B-C50C-407E-A947-70E740481C1C}">
-                <a14:useLocalDpi xmlns:a14="http://schemas.microsoft.com/office/drawing/2010/main" val="0"/>
-              </a:ext>
-              <a:ext uri="{96DAC541-7B7A-43D3-8B79-37D633B846F1}">
-                <asvg:svgBlip xmlns:asvg="http://schemas.microsoft.com/office/drawing/2016/SVG/main" r:embed="rId3"/>
-              </a:ext>
-            </a:extLst>
-          </a:blip>
-          <a:stretch>
-            <a:fillRect/>
-          </a:stretch>
-        </p:blipFill>
-        <p:spPr>
-          <a:xfrm>
-            <a:off x="4921711" y="4289841"/>
-            <a:ext cx="431821" cy="454623"/>
-          </a:xfrm>
-          <a:prstGeom prst="rect">
-            <a:avLst/>
-          </a:prstGeom>
-        </p:spPr>
-      </p:pic>
-      <p:pic>
-        <p:nvPicPr>
-          <p:cNvPr id="38" name="Graphic 37" descr="Man with solid fill">
-            <a:extLst>
-              <a:ext uri="{FF2B5EF4-FFF2-40B4-BE49-F238E27FC236}">
-                <a16:creationId xmlns:a16="http://schemas.microsoft.com/office/drawing/2014/main" id="{870F52CE-486E-B9F5-82D3-454C073E50A9}"/>
-              </a:ext>
-            </a:extLst>
-          </p:cNvPr>
-          <p:cNvPicPr>
-            <a:picLocks noChangeAspect="1"/>
-          </p:cNvPicPr>
-          <p:nvPr/>
-        </p:nvPicPr>
-        <p:blipFill>
-          <a:blip r:embed="rId2">
-            <a:extLst>
-              <a:ext uri="{28A0092B-C50C-407E-A947-70E740481C1C}">
-                <a14:useLocalDpi xmlns:a14="http://schemas.microsoft.com/office/drawing/2010/main" val="0"/>
-              </a:ext>
-              <a:ext uri="{96DAC541-7B7A-43D3-8B79-37D633B846F1}">
-                <asvg:svgBlip xmlns:asvg="http://schemas.microsoft.com/office/drawing/2016/SVG/main" r:embed="rId3"/>
-              </a:ext>
-            </a:extLst>
-          </a:blip>
-          <a:stretch>
-            <a:fillRect/>
-          </a:stretch>
-        </p:blipFill>
-        <p:spPr>
-          <a:xfrm>
-            <a:off x="5880728" y="4440350"/>
-            <a:ext cx="431821" cy="454623"/>
-          </a:xfrm>
-          <a:prstGeom prst="rect">
-            <a:avLst/>
-          </a:prstGeom>
-        </p:spPr>
-      </p:pic>
-      <p:pic>
-        <p:nvPicPr>
-          <p:cNvPr id="39" name="Graphic 38" descr="Man with solid fill">
-            <a:extLst>
-              <a:ext uri="{FF2B5EF4-FFF2-40B4-BE49-F238E27FC236}">
-                <a16:creationId xmlns:a16="http://schemas.microsoft.com/office/drawing/2014/main" id="{C0E33768-DBE0-622C-3623-8F80E29C0B6F}"/>
-              </a:ext>
-            </a:extLst>
-          </p:cNvPr>
-          <p:cNvPicPr>
-            <a:picLocks noChangeAspect="1"/>
-          </p:cNvPicPr>
-          <p:nvPr/>
-        </p:nvPicPr>
-        <p:blipFill>
-          <a:blip r:embed="rId2">
-            <a:extLst>
-              <a:ext uri="{28A0092B-C50C-407E-A947-70E740481C1C}">
-                <a14:useLocalDpi xmlns:a14="http://schemas.microsoft.com/office/drawing/2010/main" val="0"/>
-              </a:ext>
-              <a:ext uri="{96DAC541-7B7A-43D3-8B79-37D633B846F1}">
-                <asvg:svgBlip xmlns:asvg="http://schemas.microsoft.com/office/drawing/2016/SVG/main" r:embed="rId3"/>
-              </a:ext>
-            </a:extLst>
-          </a:blip>
-          <a:stretch>
-            <a:fillRect/>
-          </a:stretch>
-        </p:blipFill>
-        <p:spPr>
-          <a:xfrm>
-            <a:off x="6407568" y="4322342"/>
-            <a:ext cx="431821" cy="454623"/>
-          </a:xfrm>
-          <a:prstGeom prst="rect">
-            <a:avLst/>
-          </a:prstGeom>
-        </p:spPr>
-      </p:pic>
-      <p:pic>
-        <p:nvPicPr>
-          <p:cNvPr id="40" name="Graphic 39" descr="Man with solid fill">
-            <a:extLst>
-              <a:ext uri="{FF2B5EF4-FFF2-40B4-BE49-F238E27FC236}">
-                <a16:creationId xmlns:a16="http://schemas.microsoft.com/office/drawing/2014/main" id="{9AEA4517-D32B-A76E-D50A-80FE97AD790B}"/>
-              </a:ext>
-            </a:extLst>
-          </p:cNvPr>
-          <p:cNvPicPr>
-            <a:picLocks noChangeAspect="1"/>
-          </p:cNvPicPr>
-          <p:nvPr/>
-        </p:nvPicPr>
-        <p:blipFill>
-          <a:blip r:embed="rId2">
-            <a:extLst>
-              <a:ext uri="{28A0092B-C50C-407E-A947-70E740481C1C}">
-                <a14:useLocalDpi xmlns:a14="http://schemas.microsoft.com/office/drawing/2010/main" val="0"/>
-              </a:ext>
-              <a:ext uri="{96DAC541-7B7A-43D3-8B79-37D633B846F1}">
-                <asvg:svgBlip xmlns:asvg="http://schemas.microsoft.com/office/drawing/2016/SVG/main" r:embed="rId3"/>
-              </a:ext>
-            </a:extLst>
-          </a:blip>
-          <a:stretch>
-            <a:fillRect/>
-          </a:stretch>
-        </p:blipFill>
-        <p:spPr>
-          <a:xfrm>
-            <a:off x="4822358" y="5205195"/>
-            <a:ext cx="431821" cy="454623"/>
-          </a:xfrm>
-          <a:prstGeom prst="rect">
-            <a:avLst/>
-          </a:prstGeom>
-        </p:spPr>
-      </p:pic>
-      <p:pic>
-        <p:nvPicPr>
-          <p:cNvPr id="41" name="Graphic 40" descr="Man with solid fill">
-            <a:extLst>
-              <a:ext uri="{FF2B5EF4-FFF2-40B4-BE49-F238E27FC236}">
-                <a16:creationId xmlns:a16="http://schemas.microsoft.com/office/drawing/2014/main" id="{E4B97BCA-72A8-8FB1-4075-5038B6E97E98}"/>
-              </a:ext>
-            </a:extLst>
-          </p:cNvPr>
-          <p:cNvPicPr>
-            <a:picLocks noChangeAspect="1"/>
-          </p:cNvPicPr>
-          <p:nvPr/>
-        </p:nvPicPr>
-        <p:blipFill>
-          <a:blip r:embed="rId2">
-            <a:extLst>
-              <a:ext uri="{28A0092B-C50C-407E-A947-70E740481C1C}">
-                <a14:useLocalDpi xmlns:a14="http://schemas.microsoft.com/office/drawing/2010/main" val="0"/>
-              </a:ext>
-              <a:ext uri="{96DAC541-7B7A-43D3-8B79-37D633B846F1}">
-                <asvg:svgBlip xmlns:asvg="http://schemas.microsoft.com/office/drawing/2016/SVG/main" r:embed="rId3"/>
-              </a:ext>
-            </a:extLst>
-          </a:blip>
-          <a:stretch>
-            <a:fillRect/>
-          </a:stretch>
-        </p:blipFill>
-        <p:spPr>
-          <a:xfrm>
-            <a:off x="5513938" y="5488473"/>
-            <a:ext cx="431821" cy="454623"/>
-          </a:xfrm>
-          <a:prstGeom prst="rect">
-            <a:avLst/>
-          </a:prstGeom>
-        </p:spPr>
-      </p:pic>
-      <p:pic>
-        <p:nvPicPr>
-          <p:cNvPr id="42" name="Graphic 41" descr="Man with solid fill">
-            <a:extLst>
-              <a:ext uri="{FF2B5EF4-FFF2-40B4-BE49-F238E27FC236}">
-                <a16:creationId xmlns:a16="http://schemas.microsoft.com/office/drawing/2014/main" id="{58FB1F28-BD92-3C29-916F-331A1148C83B}"/>
-              </a:ext>
-            </a:extLst>
-          </p:cNvPr>
-          <p:cNvPicPr>
-            <a:picLocks noChangeAspect="1"/>
-          </p:cNvPicPr>
-          <p:nvPr/>
-        </p:nvPicPr>
-        <p:blipFill>
-          <a:blip r:embed="rId2">
-            <a:extLst>
-              <a:ext uri="{28A0092B-C50C-407E-A947-70E740481C1C}">
-                <a14:useLocalDpi xmlns:a14="http://schemas.microsoft.com/office/drawing/2010/main" val="0"/>
-              </a:ext>
-              <a:ext uri="{96DAC541-7B7A-43D3-8B79-37D633B846F1}">
-                <asvg:svgBlip xmlns:asvg="http://schemas.microsoft.com/office/drawing/2016/SVG/main" r:embed="rId3"/>
-              </a:ext>
-            </a:extLst>
-          </a:blip>
-          <a:stretch>
-            <a:fillRect/>
-          </a:stretch>
-        </p:blipFill>
-        <p:spPr>
-          <a:xfrm>
-            <a:off x="5332255" y="6053437"/>
-            <a:ext cx="431821" cy="454623"/>
-          </a:xfrm>
-          <a:prstGeom prst="rect">
-            <a:avLst/>
-          </a:prstGeom>
-        </p:spPr>
-      </p:pic>
-      <p:pic>
-        <p:nvPicPr>
-          <p:cNvPr id="44" name="Graphic 43" descr="Man with solid fill">
-            <a:extLst>
-              <a:ext uri="{FF2B5EF4-FFF2-40B4-BE49-F238E27FC236}">
-                <a16:creationId xmlns:a16="http://schemas.microsoft.com/office/drawing/2014/main" id="{A7C1A71C-7D53-49AE-0212-E8CF654FCA03}"/>
-              </a:ext>
-            </a:extLst>
-          </p:cNvPr>
-          <p:cNvPicPr>
-            <a:picLocks noChangeAspect="1"/>
-          </p:cNvPicPr>
-          <p:nvPr/>
-        </p:nvPicPr>
-        <p:blipFill>
-          <a:blip r:embed="rId2">
-            <a:extLst>
-              <a:ext uri="{28A0092B-C50C-407E-A947-70E740481C1C}">
-                <a14:useLocalDpi xmlns:a14="http://schemas.microsoft.com/office/drawing/2010/main" val="0"/>
-              </a:ext>
-              <a:ext uri="{96DAC541-7B7A-43D3-8B79-37D633B846F1}">
-                <asvg:svgBlip xmlns:asvg="http://schemas.microsoft.com/office/drawing/2016/SVG/main" r:embed="rId3"/>
-              </a:ext>
-            </a:extLst>
-          </a:blip>
-          <a:stretch>
-            <a:fillRect/>
-          </a:stretch>
-        </p:blipFill>
-        <p:spPr>
-          <a:xfrm>
-            <a:off x="8361966" y="3828303"/>
-            <a:ext cx="431821" cy="454623"/>
-          </a:xfrm>
-          <a:prstGeom prst="rect">
-            <a:avLst/>
-          </a:prstGeom>
-        </p:spPr>
-      </p:pic>
-      <p:pic>
-        <p:nvPicPr>
-          <p:cNvPr id="45" name="Graphic 44" descr="Man with solid fill">
-            <a:extLst>
-              <a:ext uri="{FF2B5EF4-FFF2-40B4-BE49-F238E27FC236}">
-                <a16:creationId xmlns:a16="http://schemas.microsoft.com/office/drawing/2014/main" id="{1231FBAD-7EA0-A461-2314-5FA3A955DEBC}"/>
-              </a:ext>
-            </a:extLst>
-          </p:cNvPr>
-          <p:cNvPicPr>
-            <a:picLocks noChangeAspect="1"/>
-          </p:cNvPicPr>
-          <p:nvPr/>
-        </p:nvPicPr>
-        <p:blipFill>
-          <a:blip r:embed="rId2">
-            <a:extLst>
-              <a:ext uri="{28A0092B-C50C-407E-A947-70E740481C1C}">
-                <a14:useLocalDpi xmlns:a14="http://schemas.microsoft.com/office/drawing/2010/main" val="0"/>
-              </a:ext>
-              <a:ext uri="{96DAC541-7B7A-43D3-8B79-37D633B846F1}">
-                <asvg:svgBlip xmlns:asvg="http://schemas.microsoft.com/office/drawing/2016/SVG/main" r:embed="rId3"/>
-              </a:ext>
-            </a:extLst>
-          </a:blip>
-          <a:stretch>
-            <a:fillRect/>
-          </a:stretch>
-        </p:blipFill>
-        <p:spPr>
-          <a:xfrm>
-            <a:off x="8463716" y="4526314"/>
-            <a:ext cx="431821" cy="454623"/>
-          </a:xfrm>
-          <a:prstGeom prst="rect">
-            <a:avLst/>
-          </a:prstGeom>
-        </p:spPr>
-      </p:pic>
-      <p:pic>
-        <p:nvPicPr>
-          <p:cNvPr id="46" name="Graphic 45" descr="Man with solid fill">
-            <a:extLst>
-              <a:ext uri="{FF2B5EF4-FFF2-40B4-BE49-F238E27FC236}">
-                <a16:creationId xmlns:a16="http://schemas.microsoft.com/office/drawing/2014/main" id="{2826849D-68D7-79F6-7FC5-47252F9BE1B8}"/>
-              </a:ext>
-            </a:extLst>
-          </p:cNvPr>
-          <p:cNvPicPr>
-            <a:picLocks noChangeAspect="1"/>
-          </p:cNvPicPr>
-          <p:nvPr/>
-        </p:nvPicPr>
-        <p:blipFill>
-          <a:blip r:embed="rId2">
-            <a:extLst>
-              <a:ext uri="{28A0092B-C50C-407E-A947-70E740481C1C}">
-                <a14:useLocalDpi xmlns:a14="http://schemas.microsoft.com/office/drawing/2010/main" val="0"/>
-              </a:ext>
-              <a:ext uri="{96DAC541-7B7A-43D3-8B79-37D633B846F1}">
-                <asvg:svgBlip xmlns:asvg="http://schemas.microsoft.com/office/drawing/2016/SVG/main" r:embed="rId3"/>
-              </a:ext>
-            </a:extLst>
-          </a:blip>
-          <a:stretch>
-            <a:fillRect/>
-          </a:stretch>
-        </p:blipFill>
-        <p:spPr>
-          <a:xfrm>
-            <a:off x="7627093" y="4164813"/>
-            <a:ext cx="431821" cy="454623"/>
-          </a:xfrm>
-          <a:prstGeom prst="rect">
-            <a:avLst/>
-          </a:prstGeom>
-        </p:spPr>
-      </p:pic>
-      <p:pic>
-        <p:nvPicPr>
-          <p:cNvPr id="47" name="Graphic 46" descr="Man with solid fill">
-            <a:extLst>
-              <a:ext uri="{FF2B5EF4-FFF2-40B4-BE49-F238E27FC236}">
-                <a16:creationId xmlns:a16="http://schemas.microsoft.com/office/drawing/2014/main" id="{4BB3C992-72DF-4A94-D20F-BDA27E43205B}"/>
-              </a:ext>
-            </a:extLst>
-          </p:cNvPr>
-          <p:cNvPicPr>
-            <a:picLocks noChangeAspect="1"/>
-          </p:cNvPicPr>
-          <p:nvPr/>
-        </p:nvPicPr>
-        <p:blipFill>
-          <a:blip r:embed="rId4">
-            <a:extLst>
-              <a:ext uri="{28A0092B-C50C-407E-A947-70E740481C1C}">
-                <a14:useLocalDpi xmlns:a14="http://schemas.microsoft.com/office/drawing/2010/main" val="0"/>
-              </a:ext>
-              <a:ext uri="{96DAC541-7B7A-43D3-8B79-37D633B846F1}">
-                <asvg:svgBlip xmlns:asvg="http://schemas.microsoft.com/office/drawing/2016/SVG/main" r:embed="rId5"/>
-              </a:ext>
-            </a:extLst>
-          </a:blip>
-          <a:stretch>
-            <a:fillRect/>
-          </a:stretch>
-        </p:blipFill>
-        <p:spPr>
-          <a:xfrm>
-            <a:off x="2847938" y="4432332"/>
-            <a:ext cx="431821" cy="454623"/>
-          </a:xfrm>
-          <a:prstGeom prst="rect">
-            <a:avLst/>
-          </a:prstGeom>
-        </p:spPr>
-      </p:pic>
-      <p:pic>
-        <p:nvPicPr>
-          <p:cNvPr id="48" name="Graphic 47" descr="Man with solid fill">
-            <a:extLst>
-              <a:ext uri="{FF2B5EF4-FFF2-40B4-BE49-F238E27FC236}">
-                <a16:creationId xmlns:a16="http://schemas.microsoft.com/office/drawing/2014/main" id="{480DC945-FC6F-AF37-E245-401E72A19608}"/>
-              </a:ext>
-            </a:extLst>
-          </p:cNvPr>
-          <p:cNvPicPr>
-            <a:picLocks noChangeAspect="1"/>
-          </p:cNvPicPr>
-          <p:nvPr/>
-        </p:nvPicPr>
-        <p:blipFill>
-          <a:blip r:embed="rId4">
-            <a:extLst>
-              <a:ext uri="{28A0092B-C50C-407E-A947-70E740481C1C}">
-                <a14:useLocalDpi xmlns:a14="http://schemas.microsoft.com/office/drawing/2010/main" val="0"/>
-              </a:ext>
-              <a:ext uri="{96DAC541-7B7A-43D3-8B79-37D633B846F1}">
-                <asvg:svgBlip xmlns:asvg="http://schemas.microsoft.com/office/drawing/2016/SVG/main" r:embed="rId5"/>
-              </a:ext>
-            </a:extLst>
-          </a:blip>
-          <a:stretch>
-            <a:fillRect/>
-          </a:stretch>
-        </p:blipFill>
-        <p:spPr>
-          <a:xfrm>
-            <a:off x="3805014" y="4261528"/>
-            <a:ext cx="431821" cy="454623"/>
-          </a:xfrm>
-          <a:prstGeom prst="rect">
-            <a:avLst/>
-          </a:prstGeom>
-        </p:spPr>
-      </p:pic>
-      <p:pic>
-        <p:nvPicPr>
-          <p:cNvPr id="49" name="Graphic 48" descr="Man with solid fill">
-            <a:extLst>
-              <a:ext uri="{FF2B5EF4-FFF2-40B4-BE49-F238E27FC236}">
-                <a16:creationId xmlns:a16="http://schemas.microsoft.com/office/drawing/2014/main" id="{B515DC69-9B20-F33C-23D4-BA52BCD084B4}"/>
-              </a:ext>
-            </a:extLst>
-          </p:cNvPr>
-          <p:cNvPicPr>
-            <a:picLocks noChangeAspect="1"/>
-          </p:cNvPicPr>
-          <p:nvPr/>
-        </p:nvPicPr>
-        <p:blipFill>
-          <a:blip r:embed="rId2">
-            <a:extLst>
-              <a:ext uri="{28A0092B-C50C-407E-A947-70E740481C1C}">
-                <a14:useLocalDpi xmlns:a14="http://schemas.microsoft.com/office/drawing/2010/main" val="0"/>
-              </a:ext>
-              <a:ext uri="{96DAC541-7B7A-43D3-8B79-37D633B846F1}">
-                <asvg:svgBlip xmlns:asvg="http://schemas.microsoft.com/office/drawing/2016/SVG/main" r:embed="rId6"/>
-              </a:ext>
-            </a:extLst>
-          </a:blip>
-          <a:stretch>
-            <a:fillRect/>
-          </a:stretch>
-        </p:blipFill>
-        <p:spPr>
-          <a:xfrm>
-            <a:off x="3142292" y="3863836"/>
-            <a:ext cx="431821" cy="454623"/>
-          </a:xfrm>
-          <a:prstGeom prst="rect">
-            <a:avLst/>
-          </a:prstGeom>
-        </p:spPr>
-      </p:pic>
-      <p:pic>
-        <p:nvPicPr>
-          <p:cNvPr id="50" name="Graphic 49" descr="Man with solid fill">
-            <a:extLst>
-              <a:ext uri="{FF2B5EF4-FFF2-40B4-BE49-F238E27FC236}">
-                <a16:creationId xmlns:a16="http://schemas.microsoft.com/office/drawing/2014/main" id="{17A0A756-3531-36C6-4AF9-454EB7FFCD50}"/>
-              </a:ext>
-            </a:extLst>
-          </p:cNvPr>
-          <p:cNvPicPr>
-            <a:picLocks noChangeAspect="1"/>
-          </p:cNvPicPr>
-          <p:nvPr/>
-        </p:nvPicPr>
-        <p:blipFill>
-          <a:blip r:embed="rId2">
-            <a:extLst>
-              <a:ext uri="{28A0092B-C50C-407E-A947-70E740481C1C}">
-                <a14:useLocalDpi xmlns:a14="http://schemas.microsoft.com/office/drawing/2010/main" val="0"/>
-              </a:ext>
-              <a:ext uri="{96DAC541-7B7A-43D3-8B79-37D633B846F1}">
-                <asvg:svgBlip xmlns:asvg="http://schemas.microsoft.com/office/drawing/2016/SVG/main" r:embed="rId6"/>
-              </a:ext>
-            </a:extLst>
-          </a:blip>
-          <a:stretch>
-            <a:fillRect/>
-          </a:stretch>
-        </p:blipFill>
-        <p:spPr>
-          <a:xfrm>
-            <a:off x="3248013" y="5314435"/>
-            <a:ext cx="431821" cy="454623"/>
-          </a:xfrm>
-          <a:prstGeom prst="rect">
-            <a:avLst/>
-          </a:prstGeom>
-        </p:spPr>
-      </p:pic>
-      <p:pic>
-        <p:nvPicPr>
-          <p:cNvPr id="51" name="Graphic 50" descr="Man with solid fill">
-            <a:extLst>
-              <a:ext uri="{FF2B5EF4-FFF2-40B4-BE49-F238E27FC236}">
-                <a16:creationId xmlns:a16="http://schemas.microsoft.com/office/drawing/2014/main" id="{38658B4C-8DEA-02F2-AD5A-F6465A913549}"/>
-              </a:ext>
-            </a:extLst>
-          </p:cNvPr>
-          <p:cNvPicPr>
-            <a:picLocks noChangeAspect="1"/>
-          </p:cNvPicPr>
-          <p:nvPr/>
-        </p:nvPicPr>
-        <p:blipFill>
-          <a:blip r:embed="rId4">
-            <a:extLst>
-              <a:ext uri="{28A0092B-C50C-407E-A947-70E740481C1C}">
-                <a14:useLocalDpi xmlns:a14="http://schemas.microsoft.com/office/drawing/2010/main" val="0"/>
-              </a:ext>
-              <a:ext uri="{96DAC541-7B7A-43D3-8B79-37D633B846F1}">
-                <asvg:svgBlip xmlns:asvg="http://schemas.microsoft.com/office/drawing/2016/SVG/main" r:embed="rId5"/>
-              </a:ext>
-            </a:extLst>
-          </a:blip>
-          <a:stretch>
-            <a:fillRect/>
-          </a:stretch>
-        </p:blipFill>
-        <p:spPr>
-          <a:xfrm>
-            <a:off x="2905732" y="6123750"/>
-            <a:ext cx="431821" cy="454623"/>
-          </a:xfrm>
-          <a:prstGeom prst="rect">
-            <a:avLst/>
-          </a:prstGeom>
-        </p:spPr>
-      </p:pic>
-      <p:pic>
-        <p:nvPicPr>
-          <p:cNvPr id="52" name="Graphic 51" descr="Man with solid fill">
-            <a:extLst>
-              <a:ext uri="{FF2B5EF4-FFF2-40B4-BE49-F238E27FC236}">
-                <a16:creationId xmlns:a16="http://schemas.microsoft.com/office/drawing/2014/main" id="{AFE09480-99B9-417A-5FBB-C03C266E1BDE}"/>
-              </a:ext>
-            </a:extLst>
-          </p:cNvPr>
-          <p:cNvPicPr>
-            <a:picLocks noChangeAspect="1"/>
-          </p:cNvPicPr>
-          <p:nvPr/>
-        </p:nvPicPr>
-        <p:blipFill>
-          <a:blip r:embed="rId4">
-            <a:extLst>
-              <a:ext uri="{28A0092B-C50C-407E-A947-70E740481C1C}">
-                <a14:useLocalDpi xmlns:a14="http://schemas.microsoft.com/office/drawing/2010/main" val="0"/>
-              </a:ext>
-              <a:ext uri="{96DAC541-7B7A-43D3-8B79-37D633B846F1}">
-                <asvg:svgBlip xmlns:asvg="http://schemas.microsoft.com/office/drawing/2016/SVG/main" r:embed="rId5"/>
-              </a:ext>
-            </a:extLst>
-          </a:blip>
-          <a:stretch>
-            <a:fillRect/>
-          </a:stretch>
-        </p:blipFill>
-        <p:spPr>
-          <a:xfrm>
-            <a:off x="3979905" y="5712166"/>
-            <a:ext cx="431821" cy="454623"/>
-          </a:xfrm>
-          <a:prstGeom prst="rect">
-            <a:avLst/>
-          </a:prstGeom>
-        </p:spPr>
-      </p:pic>
-      <p:pic>
-        <p:nvPicPr>
-          <p:cNvPr id="54" name="Graphic 53" descr="Man with solid fill">
-            <a:extLst>
-              <a:ext uri="{FF2B5EF4-FFF2-40B4-BE49-F238E27FC236}">
-                <a16:creationId xmlns:a16="http://schemas.microsoft.com/office/drawing/2014/main" id="{4FDD44CB-BD8A-0A77-A09A-1C15B253E542}"/>
-              </a:ext>
-            </a:extLst>
-          </p:cNvPr>
-          <p:cNvPicPr>
-            <a:picLocks noChangeAspect="1"/>
-          </p:cNvPicPr>
-          <p:nvPr/>
-        </p:nvPicPr>
-        <p:blipFill>
-          <a:blip r:embed="rId4">
-            <a:extLst>
-              <a:ext uri="{28A0092B-C50C-407E-A947-70E740481C1C}">
-                <a14:useLocalDpi xmlns:a14="http://schemas.microsoft.com/office/drawing/2010/main" val="0"/>
-              </a:ext>
-              <a:ext uri="{96DAC541-7B7A-43D3-8B79-37D633B846F1}">
-                <asvg:svgBlip xmlns:asvg="http://schemas.microsoft.com/office/drawing/2016/SVG/main" r:embed="rId5"/>
-              </a:ext>
-            </a:extLst>
-          </a:blip>
-          <a:stretch>
-            <a:fillRect/>
-          </a:stretch>
-        </p:blipFill>
-        <p:spPr>
-          <a:xfrm>
-            <a:off x="7313632" y="5508462"/>
-            <a:ext cx="431821" cy="454623"/>
-          </a:xfrm>
-          <a:prstGeom prst="rect">
-            <a:avLst/>
-          </a:prstGeom>
-        </p:spPr>
-      </p:pic>
-      <p:pic>
-        <p:nvPicPr>
-          <p:cNvPr id="56" name="Graphic 55" descr="Man with solid fill">
-            <a:extLst>
-              <a:ext uri="{FF2B5EF4-FFF2-40B4-BE49-F238E27FC236}">
-                <a16:creationId xmlns:a16="http://schemas.microsoft.com/office/drawing/2014/main" id="{193AA556-9282-5841-CD76-45CBEDEDDEF8}"/>
-              </a:ext>
-            </a:extLst>
-          </p:cNvPr>
-          <p:cNvPicPr>
-            <a:picLocks noChangeAspect="1"/>
-          </p:cNvPicPr>
-          <p:nvPr/>
-        </p:nvPicPr>
-        <p:blipFill>
-          <a:blip r:embed="rId2">
-            <a:extLst>
-              <a:ext uri="{28A0092B-C50C-407E-A947-70E740481C1C}">
-                <a14:useLocalDpi xmlns:a14="http://schemas.microsoft.com/office/drawing/2010/main" val="0"/>
-              </a:ext>
-              <a:ext uri="{96DAC541-7B7A-43D3-8B79-37D633B846F1}">
-                <asvg:svgBlip xmlns:asvg="http://schemas.microsoft.com/office/drawing/2016/SVG/main" r:embed="rId6"/>
-              </a:ext>
-            </a:extLst>
-          </a:blip>
-          <a:stretch>
-            <a:fillRect/>
-          </a:stretch>
-        </p:blipFill>
-        <p:spPr>
-          <a:xfrm>
-            <a:off x="6391496" y="5895503"/>
-            <a:ext cx="431821" cy="454623"/>
-          </a:xfrm>
-          <a:prstGeom prst="rect">
-            <a:avLst/>
-          </a:prstGeom>
-        </p:spPr>
-      </p:pic>
-      <p:pic>
-        <p:nvPicPr>
-          <p:cNvPr id="57" name="Graphic 56" descr="Man with solid fill">
-            <a:extLst>
-              <a:ext uri="{FF2B5EF4-FFF2-40B4-BE49-F238E27FC236}">
-                <a16:creationId xmlns:a16="http://schemas.microsoft.com/office/drawing/2014/main" id="{C4667742-7776-112E-7014-F56E31AA58F3}"/>
-              </a:ext>
-            </a:extLst>
-          </p:cNvPr>
-          <p:cNvPicPr>
-            <a:picLocks noChangeAspect="1"/>
-          </p:cNvPicPr>
-          <p:nvPr/>
-        </p:nvPicPr>
-        <p:blipFill>
-          <a:blip r:embed="rId4">
-            <a:extLst>
-              <a:ext uri="{28A0092B-C50C-407E-A947-70E740481C1C}">
-                <a14:useLocalDpi xmlns:a14="http://schemas.microsoft.com/office/drawing/2010/main" val="0"/>
-              </a:ext>
-              <a:ext uri="{96DAC541-7B7A-43D3-8B79-37D633B846F1}">
-                <asvg:svgBlip xmlns:asvg="http://schemas.microsoft.com/office/drawing/2016/SVG/main" r:embed="rId5"/>
-              </a:ext>
-            </a:extLst>
-          </a:blip>
-          <a:stretch>
-            <a:fillRect/>
-          </a:stretch>
-        </p:blipFill>
-        <p:spPr>
-          <a:xfrm>
-            <a:off x="8315847" y="5915145"/>
-            <a:ext cx="431821" cy="454623"/>
-          </a:xfrm>
-          <a:prstGeom prst="rect">
-            <a:avLst/>
-          </a:prstGeom>
-        </p:spPr>
-      </p:pic>
-      <p:pic>
-        <p:nvPicPr>
-          <p:cNvPr id="58" name="Graphic 57" descr="Man with solid fill">
-            <a:extLst>
-              <a:ext uri="{FF2B5EF4-FFF2-40B4-BE49-F238E27FC236}">
-                <a16:creationId xmlns:a16="http://schemas.microsoft.com/office/drawing/2014/main" id="{8D62445C-D3CF-FFA7-8767-62BAA11327A7}"/>
-              </a:ext>
-            </a:extLst>
-          </p:cNvPr>
-          <p:cNvPicPr>
-            <a:picLocks noChangeAspect="1"/>
-          </p:cNvPicPr>
-          <p:nvPr/>
-        </p:nvPicPr>
-        <p:blipFill>
-          <a:blip r:embed="rId2">
-            <a:extLst>
-              <a:ext uri="{28A0092B-C50C-407E-A947-70E740481C1C}">
-                <a14:useLocalDpi xmlns:a14="http://schemas.microsoft.com/office/drawing/2010/main" val="0"/>
-              </a:ext>
-              <a:ext uri="{96DAC541-7B7A-43D3-8B79-37D633B846F1}">
-                <asvg:svgBlip xmlns:asvg="http://schemas.microsoft.com/office/drawing/2016/SVG/main" r:embed="rId6"/>
-              </a:ext>
-            </a:extLst>
-          </a:blip>
-          <a:stretch>
-            <a:fillRect/>
-          </a:stretch>
-        </p:blipFill>
-        <p:spPr>
-          <a:xfrm>
-            <a:off x="6686469" y="5527797"/>
-            <a:ext cx="431821" cy="454623"/>
-          </a:xfrm>
-          <a:prstGeom prst="rect">
-            <a:avLst/>
-          </a:prstGeom>
-        </p:spPr>
-      </p:pic>
-      <p:pic>
-        <p:nvPicPr>
-          <p:cNvPr id="59" name="Graphic 58" descr="Man with solid fill">
-            <a:extLst>
-              <a:ext uri="{FF2B5EF4-FFF2-40B4-BE49-F238E27FC236}">
-                <a16:creationId xmlns:a16="http://schemas.microsoft.com/office/drawing/2014/main" id="{BC857F15-E5EE-D69C-EC0B-A766CB45F159}"/>
-              </a:ext>
-            </a:extLst>
-          </p:cNvPr>
-          <p:cNvPicPr>
-            <a:picLocks noChangeAspect="1"/>
-          </p:cNvPicPr>
-          <p:nvPr/>
-        </p:nvPicPr>
-        <p:blipFill>
-          <a:blip r:embed="rId2">
-            <a:extLst>
-              <a:ext uri="{28A0092B-C50C-407E-A947-70E740481C1C}">
-                <a14:useLocalDpi xmlns:a14="http://schemas.microsoft.com/office/drawing/2010/main" val="0"/>
-              </a:ext>
-              <a:ext uri="{96DAC541-7B7A-43D3-8B79-37D633B846F1}">
-                <asvg:svgBlip xmlns:asvg="http://schemas.microsoft.com/office/drawing/2016/SVG/main" r:embed="rId6"/>
-              </a:ext>
-            </a:extLst>
-          </a:blip>
-          <a:stretch>
-            <a:fillRect/>
-          </a:stretch>
-        </p:blipFill>
-        <p:spPr>
-          <a:xfrm>
-            <a:off x="7960863" y="5708192"/>
-            <a:ext cx="431821" cy="454623"/>
-          </a:xfrm>
-          <a:prstGeom prst="rect">
-            <a:avLst/>
-          </a:prstGeom>
-        </p:spPr>
-      </p:pic>
-    </p:spTree>
-    <p:extLst>
-      <p:ext uri="{BB962C8B-B14F-4D97-AF65-F5344CB8AC3E}">
-        <p14:creationId xmlns:p14="http://schemas.microsoft.com/office/powerpoint/2010/main" val="3933509828"/>
-      </p:ext>
-    </p:extLst>
-  </p:cSld>
-  <p:clrMapOvr>
-    <a:masterClrMapping/>
-  </p:clrMapOvr>
-</p:sld>
-</file>
-
-<file path=ppt/slides/slide16.xml><?xml version="1.0" encoding="utf-8"?>
-<p:sld xmlns:a="http://schemas.openxmlformats.org/drawingml/2006/main" xmlns:r="http://schemas.openxmlformats.org/officeDocument/2006/relationships" xmlns:p="http://schemas.openxmlformats.org/presentationml/2006/main">
-  <p:cSld>
-    <p:spTree>
-      <p:nvGrpSpPr>
-        <p:cNvPr id="1" name=""/>
-        <p:cNvGrpSpPr/>
-        <p:nvPr/>
-      </p:nvGrpSpPr>
-      <p:grpSpPr>
-        <a:xfrm>
-          <a:off x="0" y="0"/>
-          <a:ext cx="0" cy="0"/>
-          <a:chOff x="0" y="0"/>
-          <a:chExt cx="0" cy="0"/>
-        </a:xfrm>
-      </p:grpSpPr>
-      <p:sp>
-        <p:nvSpPr>
-          <p:cNvPr id="2" name="Title 1">
-            <a:extLst>
-              <a:ext uri="{FF2B5EF4-FFF2-40B4-BE49-F238E27FC236}">
-                <a16:creationId xmlns:a16="http://schemas.microsoft.com/office/drawing/2014/main" id="{D8B19EA7-9A12-AF7D-157F-A7192039BA38}"/>
-              </a:ext>
-            </a:extLst>
-          </p:cNvPr>
-          <p:cNvSpPr>
-            <a:spLocks noGrp="1"/>
-          </p:cNvSpPr>
-          <p:nvPr>
-            <p:ph type="title"/>
-          </p:nvPr>
-        </p:nvSpPr>
-        <p:spPr>
-          <a:xfrm>
-            <a:off x="171450" y="98425"/>
-            <a:ext cx="10515600" cy="1325563"/>
-          </a:xfrm>
-        </p:spPr>
-        <p:txBody>
-          <a:bodyPr>
-            <a:normAutofit/>
-          </a:bodyPr>
-          <a:lstStyle/>
-          <a:p>
-            <a:r>
-              <a:rPr lang="en-US" sz="3600" dirty="0"/>
-              <a:t>Advantages and Disadvantages of Sampling Designs</a:t>
-            </a:r>
-          </a:p>
-        </p:txBody>
-      </p:sp>
-      <mc:AlternateContent xmlns:mc="http://schemas.openxmlformats.org/markup-compatibility/2006" xmlns:a14="http://schemas.microsoft.com/office/drawing/2010/main">
-        <mc:Choice Requires="a14">
-          <p:sp>
-            <p:nvSpPr>
-              <p:cNvPr id="3" name="Content Placeholder 2">
-                <a:extLst>
-                  <a:ext uri="{FF2B5EF4-FFF2-40B4-BE49-F238E27FC236}">
-                    <a16:creationId xmlns:a16="http://schemas.microsoft.com/office/drawing/2014/main" id="{1E9B5393-FD87-593E-A63C-4C526EE456D1}"/>
-                  </a:ext>
-                </a:extLst>
-              </p:cNvPr>
-              <p:cNvSpPr>
-                <a:spLocks noGrp="1"/>
-              </p:cNvSpPr>
-              <p:nvPr>
-                <p:ph idx="1"/>
-              </p:nvPr>
-            </p:nvSpPr>
-            <p:spPr>
-              <a:xfrm>
-                <a:off x="257175" y="1968500"/>
-                <a:ext cx="10515600" cy="4351338"/>
-              </a:xfrm>
-            </p:spPr>
-            <p:txBody>
-              <a:bodyPr>
-                <a:normAutofit/>
-              </a:bodyPr>
-              <a:lstStyle/>
-              <a:p>
-                <a:pPr marL="0" indent="0">
-                  <a:buNone/>
-                </a:pPr>
-                <a:r>
-                  <a:rPr lang="en-US" b="1" dirty="0"/>
-                  <a:t>Simple Random Sampling</a:t>
-                </a:r>
-              </a:p>
-              <a:p>
-                <a:r>
-                  <a:rPr lang="en-US" dirty="0"/>
-                  <a:t>Mathematically simple to compute estimates such as </a:t>
-                </a:r>
-                <a14:m>
-                  <m:oMath xmlns:m="http://schemas.openxmlformats.org/officeDocument/2006/math">
-                    <m:acc>
-                      <m:accPr>
-                        <m:chr m:val="̅"/>
-                        <m:ctrlPr>
-                          <a:rPr lang="en-US" i="1" smtClean="0">
-                            <a:latin typeface="Cambria Math" panose="02040503050406030204" pitchFamily="18" charset="0"/>
-                          </a:rPr>
-                        </m:ctrlPr>
-                      </m:accPr>
-                      <m:e>
-                        <m:r>
-                          <a:rPr lang="en-US" b="0" i="1" smtClean="0">
-                            <a:latin typeface="Cambria Math" panose="02040503050406030204" pitchFamily="18" charset="0"/>
-                          </a:rPr>
-                          <m:t>𝑥</m:t>
-                        </m:r>
-                      </m:e>
-                    </m:acc>
-                  </m:oMath>
-                </a14:m>
-                <a:r>
-                  <a:rPr lang="en-US" dirty="0"/>
-                  <a:t> and </a:t>
-                </a:r>
-                <a14:m>
-                  <m:oMath xmlns:m="http://schemas.openxmlformats.org/officeDocument/2006/math">
-                    <m:sSup>
-                      <m:sSupPr>
-                        <m:ctrlPr>
-                          <a:rPr lang="en-US" b="0" i="1" smtClean="0">
-                            <a:latin typeface="Cambria Math" panose="02040503050406030204" pitchFamily="18" charset="0"/>
-                          </a:rPr>
-                        </m:ctrlPr>
-                      </m:sSupPr>
-                      <m:e>
-                        <m:r>
-                          <a:rPr lang="en-US" b="0" i="1" smtClean="0">
-                            <a:latin typeface="Cambria Math" panose="02040503050406030204" pitchFamily="18" charset="0"/>
-                          </a:rPr>
-                          <m:t>𝑠</m:t>
-                        </m:r>
-                      </m:e>
-                      <m:sup>
-                        <m:r>
-                          <a:rPr lang="en-US" b="0" i="1" smtClean="0">
-                            <a:latin typeface="Cambria Math" panose="02040503050406030204" pitchFamily="18" charset="0"/>
-                          </a:rPr>
-                          <m:t>2</m:t>
-                        </m:r>
-                      </m:sup>
-                    </m:sSup>
-                  </m:oMath>
-                </a14:m>
-                <a:endParaRPr lang="en-US" dirty="0"/>
-              </a:p>
-              <a:p>
-                <a:r>
-                  <a:rPr lang="en-US" dirty="0"/>
-                  <a:t>Samples tend to be a good representation of the population</a:t>
-                </a:r>
-              </a:p>
-              <a:p>
-                <a:pPr marL="0" indent="0">
-                  <a:buNone/>
-                </a:pPr>
-                <a:endParaRPr lang="en-US" dirty="0"/>
-              </a:p>
-              <a:p>
-                <a:pPr marL="0" indent="0">
-                  <a:buNone/>
-                </a:pPr>
-                <a:r>
-                  <a:rPr lang="en-US" b="1" dirty="0"/>
-                  <a:t>Systematic Sampling:</a:t>
-                </a:r>
-              </a:p>
-              <a:p>
-                <a:r>
-                  <a:rPr lang="en-US" dirty="0"/>
-                  <a:t>Sometimes useful when there is no sampling frame available.</a:t>
-                </a:r>
-              </a:p>
-              <a:p>
-                <a:r>
-                  <a:rPr lang="en-US" dirty="0"/>
-                  <a:t>Lower margin of error than simple random sampling and some cluster sampling designs.</a:t>
-                </a:r>
-              </a:p>
-            </p:txBody>
-          </p:sp>
-        </mc:Choice>
-        <mc:Fallback xmlns="">
-          <p:sp>
-            <p:nvSpPr>
-              <p:cNvPr id="3" name="Content Placeholder 2">
-                <a:extLst>
-                  <a:ext uri="{FF2B5EF4-FFF2-40B4-BE49-F238E27FC236}">
-                    <a16:creationId xmlns:a16="http://schemas.microsoft.com/office/drawing/2014/main" id="{1E9B5393-FD87-593E-A63C-4C526EE456D1}"/>
-                  </a:ext>
-                </a:extLst>
-              </p:cNvPr>
-              <p:cNvSpPr>
-                <a:spLocks noGrp="1" noRot="1" noChangeAspect="1" noMove="1" noResize="1" noEditPoints="1" noAdjustHandles="1" noChangeArrowheads="1" noChangeShapeType="1" noTextEdit="1"/>
-              </p:cNvSpPr>
-              <p:nvPr>
-                <p:ph idx="1"/>
-              </p:nvPr>
-            </p:nvSpPr>
-            <p:spPr>
-              <a:xfrm>
-                <a:off x="257175" y="1968500"/>
-                <a:ext cx="10515600" cy="4351338"/>
-              </a:xfrm>
-              <a:blipFill>
-                <a:blip r:embed="rId2"/>
-                <a:stretch>
-                  <a:fillRect l="-1159" t="-2381" r="-1739"/>
-                </a:stretch>
-              </a:blipFill>
-            </p:spPr>
-            <p:txBody>
-              <a:bodyPr/>
-              <a:lstStyle/>
-              <a:p>
-                <a:r>
-                  <a:rPr lang="en-US">
-                    <a:noFill/>
-                  </a:rPr>
-                  <a:t> </a:t>
-                </a:r>
-              </a:p>
-            </p:txBody>
-          </p:sp>
-        </mc:Fallback>
-      </mc:AlternateContent>
-    </p:spTree>
-    <p:extLst>
-      <p:ext uri="{BB962C8B-B14F-4D97-AF65-F5344CB8AC3E}">
-        <p14:creationId xmlns:p14="http://schemas.microsoft.com/office/powerpoint/2010/main" val="362865035"/>
-      </p:ext>
-    </p:extLst>
-  </p:cSld>
-  <p:clrMapOvr>
-    <a:masterClrMapping/>
-  </p:clrMapOvr>
-</p:sld>
-</file>
-
-<file path=ppt/slides/slide17.xml><?xml version="1.0" encoding="utf-8"?>
-<p:sld xmlns:a="http://schemas.openxmlformats.org/drawingml/2006/main" xmlns:r="http://schemas.openxmlformats.org/officeDocument/2006/relationships" xmlns:p="http://schemas.openxmlformats.org/presentationml/2006/main">
-  <p:cSld>
-    <p:spTree>
-      <p:nvGrpSpPr>
-        <p:cNvPr id="1" name=""/>
-        <p:cNvGrpSpPr/>
-        <p:nvPr/>
-      </p:nvGrpSpPr>
-      <p:grpSpPr>
-        <a:xfrm>
-          <a:off x="0" y="0"/>
-          <a:ext cx="0" cy="0"/>
-          <a:chOff x="0" y="0"/>
-          <a:chExt cx="0" cy="0"/>
-        </a:xfrm>
-      </p:grpSpPr>
-      <p:sp>
-        <p:nvSpPr>
-          <p:cNvPr id="2" name="Title 1">
-            <a:extLst>
-              <a:ext uri="{FF2B5EF4-FFF2-40B4-BE49-F238E27FC236}">
-                <a16:creationId xmlns:a16="http://schemas.microsoft.com/office/drawing/2014/main" id="{D8B19EA7-9A12-AF7D-157F-A7192039BA38}"/>
-              </a:ext>
-            </a:extLst>
-          </p:cNvPr>
-          <p:cNvSpPr>
-            <a:spLocks noGrp="1"/>
-          </p:cNvSpPr>
-          <p:nvPr>
-            <p:ph type="title"/>
-          </p:nvPr>
-        </p:nvSpPr>
-        <p:spPr>
-          <a:xfrm>
-            <a:off x="171450" y="98425"/>
-            <a:ext cx="10515600" cy="1325563"/>
-          </a:xfrm>
-        </p:spPr>
-        <p:txBody>
-          <a:bodyPr>
-            <a:normAutofit/>
-          </a:bodyPr>
-          <a:lstStyle/>
-          <a:p>
-            <a:r>
-              <a:rPr lang="en-US" sz="3600" dirty="0"/>
-              <a:t>Advantages and Disadvantages of Sampling Designs</a:t>
-            </a:r>
-          </a:p>
-        </p:txBody>
-      </p:sp>
-      <p:sp>
-        <p:nvSpPr>
-          <p:cNvPr id="3" name="Content Placeholder 2">
-            <a:extLst>
-              <a:ext uri="{FF2B5EF4-FFF2-40B4-BE49-F238E27FC236}">
-                <a16:creationId xmlns:a16="http://schemas.microsoft.com/office/drawing/2014/main" id="{1E9B5393-FD87-593E-A63C-4C526EE456D1}"/>
-              </a:ext>
-            </a:extLst>
-          </p:cNvPr>
-          <p:cNvSpPr>
-            <a:spLocks noGrp="1"/>
-          </p:cNvSpPr>
-          <p:nvPr>
-            <p:ph idx="1"/>
-          </p:nvPr>
-        </p:nvSpPr>
-        <p:spPr>
-          <a:xfrm>
-            <a:off x="257175" y="1968500"/>
-            <a:ext cx="10515600" cy="4351338"/>
-          </a:xfrm>
-        </p:spPr>
-        <p:txBody>
-          <a:bodyPr>
-            <a:normAutofit fontScale="92500" lnSpcReduction="20000"/>
-          </a:bodyPr>
-          <a:lstStyle/>
-          <a:p>
-            <a:pPr marL="0" indent="0">
-              <a:buNone/>
-            </a:pPr>
-            <a:r>
-              <a:rPr lang="en-US" b="1" dirty="0"/>
-              <a:t>Stratified Random Sampling:</a:t>
-            </a:r>
-          </a:p>
-          <a:p>
-            <a:r>
-              <a:rPr lang="en-US" b="1" dirty="0"/>
-              <a:t>Administrative convenience </a:t>
-            </a:r>
-            <a:r>
-              <a:rPr lang="en-US" dirty="0"/>
-              <a:t>- It may be easier to conduct several smaller simple random sampling designs than coordinate one larger simple random sampling design.</a:t>
-            </a:r>
-          </a:p>
-          <a:p>
-            <a:endParaRPr lang="en-US" dirty="0"/>
-          </a:p>
-          <a:p>
-            <a:r>
-              <a:rPr lang="en-US" b="1" dirty="0"/>
-              <a:t>Interest in individual strata </a:t>
-            </a:r>
-            <a:r>
-              <a:rPr lang="en-US" dirty="0"/>
-              <a:t>- The design ensures samples from all strata. A simple random sampling design might sample few or no elements from a stratum of interest.</a:t>
-            </a:r>
-          </a:p>
-          <a:p>
-            <a:endParaRPr lang="en-US" dirty="0"/>
-          </a:p>
-          <a:p>
-            <a:r>
-              <a:rPr lang="en-US" b="1" dirty="0"/>
-              <a:t>Smaller margin of error </a:t>
-            </a:r>
-            <a:r>
-              <a:rPr lang="en-US" dirty="0"/>
-              <a:t>- By assuring samples from each strata, the combined sample tends to be more representative of the population, resulting in a smaller margin of error</a:t>
-            </a:r>
-          </a:p>
-        </p:txBody>
-      </p:sp>
-    </p:spTree>
-    <p:extLst>
-      <p:ext uri="{BB962C8B-B14F-4D97-AF65-F5344CB8AC3E}">
-        <p14:creationId xmlns:p14="http://schemas.microsoft.com/office/powerpoint/2010/main" val="4132323125"/>
-      </p:ext>
-    </p:extLst>
-  </p:cSld>
-  <p:clrMapOvr>
-    <a:masterClrMapping/>
-  </p:clrMapOvr>
-</p:sld>
-</file>
-
-<file path=ppt/slides/slide18.xml><?xml version="1.0" encoding="utf-8"?>
-<p:sld xmlns:a="http://schemas.openxmlformats.org/drawingml/2006/main" xmlns:r="http://schemas.openxmlformats.org/officeDocument/2006/relationships" xmlns:p="http://schemas.openxmlformats.org/presentationml/2006/main">
-  <p:cSld>
-    <p:spTree>
-      <p:nvGrpSpPr>
-        <p:cNvPr id="1" name=""/>
-        <p:cNvGrpSpPr/>
-        <p:nvPr/>
-      </p:nvGrpSpPr>
-      <p:grpSpPr>
-        <a:xfrm>
-          <a:off x="0" y="0"/>
-          <a:ext cx="0" cy="0"/>
-          <a:chOff x="0" y="0"/>
-          <a:chExt cx="0" cy="0"/>
-        </a:xfrm>
-      </p:grpSpPr>
-      <p:sp>
-        <p:nvSpPr>
-          <p:cNvPr id="2" name="Title 1">
-            <a:extLst>
-              <a:ext uri="{FF2B5EF4-FFF2-40B4-BE49-F238E27FC236}">
-                <a16:creationId xmlns:a16="http://schemas.microsoft.com/office/drawing/2014/main" id="{D8B19EA7-9A12-AF7D-157F-A7192039BA38}"/>
-              </a:ext>
-            </a:extLst>
-          </p:cNvPr>
-          <p:cNvSpPr>
-            <a:spLocks noGrp="1"/>
-          </p:cNvSpPr>
-          <p:nvPr>
-            <p:ph type="title"/>
-          </p:nvPr>
-        </p:nvSpPr>
-        <p:spPr>
-          <a:xfrm>
-            <a:off x="171450" y="98425"/>
-            <a:ext cx="10515600" cy="1325563"/>
-          </a:xfrm>
-        </p:spPr>
-        <p:txBody>
-          <a:bodyPr>
-            <a:normAutofit/>
-          </a:bodyPr>
-          <a:lstStyle/>
-          <a:p>
-            <a:r>
-              <a:rPr lang="en-US" sz="3600" dirty="0"/>
-              <a:t>Advantages and Disadvantages of Sampling Designs</a:t>
-            </a:r>
-          </a:p>
-        </p:txBody>
-      </p:sp>
-      <p:sp>
-        <p:nvSpPr>
-          <p:cNvPr id="3" name="Content Placeholder 2">
-            <a:extLst>
-              <a:ext uri="{FF2B5EF4-FFF2-40B4-BE49-F238E27FC236}">
-                <a16:creationId xmlns:a16="http://schemas.microsoft.com/office/drawing/2014/main" id="{1E9B5393-FD87-593E-A63C-4C526EE456D1}"/>
-              </a:ext>
-            </a:extLst>
-          </p:cNvPr>
-          <p:cNvSpPr>
-            <a:spLocks noGrp="1"/>
-          </p:cNvSpPr>
-          <p:nvPr>
-            <p:ph idx="1"/>
-          </p:nvPr>
-        </p:nvSpPr>
-        <p:spPr>
-          <a:xfrm>
-            <a:off x="257175" y="1968499"/>
-            <a:ext cx="10515600" cy="4791075"/>
-          </a:xfrm>
-        </p:spPr>
-        <p:txBody>
-          <a:bodyPr>
-            <a:normAutofit fontScale="92500" lnSpcReduction="20000"/>
-          </a:bodyPr>
-          <a:lstStyle/>
-          <a:p>
-            <a:pPr marL="0" indent="0">
-              <a:buNone/>
-            </a:pPr>
-            <a:r>
-              <a:rPr lang="en-US" b="1" dirty="0"/>
-              <a:t>Cluster Sampling:</a:t>
-            </a:r>
-          </a:p>
-          <a:p>
-            <a:r>
-              <a:rPr lang="en-US" dirty="0"/>
-              <a:t>The advantages of cluster sampling are that (a) </a:t>
-            </a:r>
-            <a:r>
-              <a:rPr lang="en-US" b="1" dirty="0"/>
-              <a:t>it can be less expensive than simple or stratified random sampling </a:t>
-            </a:r>
-            <a:r>
-              <a:rPr lang="en-US" dirty="0"/>
-              <a:t>and (b) it </a:t>
-            </a:r>
-            <a:r>
-              <a:rPr lang="en-US" b="1" dirty="0"/>
-              <a:t>can be used when a sampling frame is unavailable </a:t>
-            </a:r>
-            <a:endParaRPr lang="en-US" dirty="0"/>
-          </a:p>
-          <a:p>
-            <a:r>
-              <a:rPr lang="en-US" dirty="0"/>
-              <a:t>A </a:t>
-            </a:r>
-            <a:r>
-              <a:rPr lang="en-US" u="sng" dirty="0"/>
-              <a:t>disadvantage </a:t>
-            </a:r>
-            <a:r>
-              <a:rPr lang="en-US" dirty="0"/>
-              <a:t>of cluster sampling is that </a:t>
-            </a:r>
-            <a:r>
-              <a:rPr lang="en-US" b="1" dirty="0"/>
-              <a:t>the margin of error is often larger</a:t>
-            </a:r>
-            <a:r>
-              <a:rPr lang="en-US" dirty="0"/>
-              <a:t> than what it would be for simple random sampling or stratified random sampling</a:t>
-            </a:r>
-          </a:p>
-          <a:p>
-            <a:pPr marL="0" indent="0">
-              <a:buNone/>
-            </a:pPr>
-            <a:endParaRPr lang="en-US" dirty="0"/>
-          </a:p>
-          <a:p>
-            <a:pPr marL="0" indent="0">
-              <a:buNone/>
-            </a:pPr>
-            <a:r>
-              <a:rPr lang="en-US" b="1" dirty="0"/>
-              <a:t>Two-Stage Cluster Sampling:</a:t>
-            </a:r>
-          </a:p>
-          <a:p>
-            <a:r>
-              <a:rPr lang="en-US" dirty="0"/>
-              <a:t>Same advantages as above</a:t>
-            </a:r>
-          </a:p>
-          <a:p>
-            <a:r>
-              <a:rPr lang="en-US" dirty="0"/>
-              <a:t>Usually has a smaller margin of error, because we can control two sample sizes: the number of clusters to sample, and the number of elements to sample from each sampled cluster</a:t>
-            </a:r>
-          </a:p>
-        </p:txBody>
-      </p:sp>
-    </p:spTree>
-    <p:extLst>
-      <p:ext uri="{BB962C8B-B14F-4D97-AF65-F5344CB8AC3E}">
-        <p14:creationId xmlns:p14="http://schemas.microsoft.com/office/powerpoint/2010/main" val="3643178995"/>
-      </p:ext>
-    </p:extLst>
-  </p:cSld>
-  <p:clrMapOvr>
-    <a:masterClrMapping/>
-  </p:clrMapOvr>
-</p:sld>
-</file>
-
-<file path=ppt/slides/slide19.xml><?xml version="1.0" encoding="utf-8"?>
-<p:sld xmlns:a="http://schemas.openxmlformats.org/drawingml/2006/main" xmlns:r="http://schemas.openxmlformats.org/officeDocument/2006/relationships" xmlns:p="http://schemas.openxmlformats.org/presentationml/2006/main">
-  <p:cSld>
-    <p:spTree>
-      <p:nvGrpSpPr>
-        <p:cNvPr id="1" name=""/>
-        <p:cNvGrpSpPr/>
-        <p:nvPr/>
-      </p:nvGrpSpPr>
-      <p:grpSpPr>
-        <a:xfrm>
-          <a:off x="0" y="0"/>
-          <a:ext cx="0" cy="0"/>
-          <a:chOff x="0" y="0"/>
-          <a:chExt cx="0" cy="0"/>
-        </a:xfrm>
-      </p:grpSpPr>
-      <p:sp>
-        <p:nvSpPr>
-          <p:cNvPr id="2" name="Title 1">
-            <a:extLst>
-              <a:ext uri="{FF2B5EF4-FFF2-40B4-BE49-F238E27FC236}">
-                <a16:creationId xmlns:a16="http://schemas.microsoft.com/office/drawing/2014/main" id="{237077F5-BF18-6802-9497-CDDDB507D589}"/>
-              </a:ext>
-            </a:extLst>
-          </p:cNvPr>
-          <p:cNvSpPr>
-            <a:spLocks noGrp="1"/>
-          </p:cNvSpPr>
-          <p:nvPr>
-            <p:ph type="title"/>
-          </p:nvPr>
-        </p:nvSpPr>
-        <p:spPr>
-          <a:xfrm>
-            <a:off x="127000" y="-23236"/>
-            <a:ext cx="10515600" cy="1325563"/>
-          </a:xfrm>
-        </p:spPr>
-        <p:txBody>
-          <a:bodyPr/>
-          <a:lstStyle/>
-          <a:p>
-            <a:r>
-              <a:rPr lang="en-US" dirty="0"/>
-              <a:t>Practice: Identify the Design</a:t>
-            </a:r>
-          </a:p>
-        </p:txBody>
-      </p:sp>
-      <p:sp>
-        <p:nvSpPr>
-          <p:cNvPr id="3" name="Content Placeholder 2">
-            <a:extLst>
-              <a:ext uri="{FF2B5EF4-FFF2-40B4-BE49-F238E27FC236}">
-                <a16:creationId xmlns:a16="http://schemas.microsoft.com/office/drawing/2014/main" id="{EA766FD2-6B49-31DE-197F-D0B81C16C021}"/>
-              </a:ext>
-            </a:extLst>
-          </p:cNvPr>
-          <p:cNvSpPr>
-            <a:spLocks noGrp="1"/>
-          </p:cNvSpPr>
-          <p:nvPr>
-            <p:ph idx="1"/>
-          </p:nvPr>
-        </p:nvSpPr>
-        <p:spPr>
-          <a:xfrm>
-            <a:off x="304800" y="1302327"/>
-            <a:ext cx="11637818" cy="5366328"/>
-          </a:xfrm>
-        </p:spPr>
-        <p:txBody>
-          <a:bodyPr>
-            <a:normAutofit/>
-          </a:bodyPr>
-          <a:lstStyle/>
-          <a:p>
-            <a:r>
-              <a:rPr lang="en-US" dirty="0"/>
-              <a:t>Suppose I want to estimate the average height of my students in STAT 251 section 01. To do so, I use the registrars list to get the names of the students registered for my section. I number the students from 1 to N and select students 4, 8, 12, 16… to be my sample.  </a:t>
-            </a:r>
-          </a:p>
-          <a:p>
-            <a:r>
-              <a:rPr lang="en-US" dirty="0"/>
-              <a:t>What is the sampling frame?</a:t>
-            </a:r>
-          </a:p>
-          <a:p>
-            <a:pPr marL="0" indent="0">
-              <a:buNone/>
-            </a:pPr>
-            <a:r>
-              <a:rPr lang="en-US" dirty="0">
-                <a:solidFill>
-                  <a:srgbClr val="FF0000"/>
-                </a:solidFill>
-              </a:rPr>
-              <a:t>The list of students in the class</a:t>
-            </a:r>
-          </a:p>
-          <a:p>
-            <a:r>
-              <a:rPr lang="en-US" dirty="0"/>
-              <a:t>What is the sampling design?</a:t>
-            </a:r>
-          </a:p>
-          <a:p>
-            <a:pPr marL="0" indent="0">
-              <a:buNone/>
-            </a:pPr>
-            <a:r>
-              <a:rPr lang="en-US" dirty="0">
-                <a:solidFill>
-                  <a:srgbClr val="FF0000"/>
-                </a:solidFill>
-              </a:rPr>
-              <a:t>Systematic sampling</a:t>
-            </a:r>
-          </a:p>
-        </p:txBody>
-      </p:sp>
-    </p:spTree>
-    <p:extLst>
-      <p:ext uri="{BB962C8B-B14F-4D97-AF65-F5344CB8AC3E}">
-        <p14:creationId xmlns:p14="http://schemas.microsoft.com/office/powerpoint/2010/main" val="94888992"/>
-      </p:ext>
-    </p:extLst>
-  </p:cSld>
-  <p:clrMapOvr>
-    <a:masterClrMapping/>
-  </p:clrMapOvr>
-  <p:timing>
-    <p:tnLst>
-      <p:par>
-        <p:cTn id="1" dur="indefinite" restart="never" nodeType="tmRoot">
-          <p:childTnLst>
-            <p:seq concurrent="1" nextAc="seek">
-              <p:cTn id="2" dur="indefinite" nodeType="mainSeq">
-                <p:childTnLst>
-                  <p:par>
-                    <p:cTn id="3" fill="hold">
-                      <p:stCondLst>
-                        <p:cond delay="indefinite"/>
-                      </p:stCondLst>
-                      <p:childTnLst>
-                        <p:par>
-                          <p:cTn id="4" fill="hold">
-                            <p:stCondLst>
-                              <p:cond delay="0"/>
-                            </p:stCondLst>
-                            <p:childTnLst>
-                              <p:par>
-                                <p:cTn id="5" presetID="1" presetClass="entr" presetSubtype="0" fill="hold" nodeType="clickEffect">
-                                  <p:stCondLst>
-                                    <p:cond delay="0"/>
-                                  </p:stCondLst>
-                                  <p:childTnLst>
-                                    <p:set>
-                                      <p:cBhvr>
-                                        <p:cTn id="6" dur="1" fill="hold">
-                                          <p:stCondLst>
-                                            <p:cond delay="0"/>
-                                          </p:stCondLst>
-                                        </p:cTn>
-                                        <p:tgtEl>
-                                          <p:spTgt spid="3">
-                                            <p:txEl>
-                                              <p:pRg st="2" end="2"/>
-                                            </p:txEl>
-                                          </p:spTgt>
-                                        </p:tgtEl>
-                                        <p:attrNameLst>
-                                          <p:attrName>style.visibility</p:attrName>
-                                        </p:attrNameLst>
-                                      </p:cBhvr>
-                                      <p:to>
-                                        <p:strVal val="visible"/>
-                                      </p:to>
-                                    </p:set>
-                                  </p:childTnLst>
-                                </p:cTn>
-                              </p:par>
-                            </p:childTnLst>
-                          </p:cTn>
-                        </p:par>
-                      </p:childTnLst>
-                    </p:cTn>
-                  </p:par>
-                  <p:par>
-                    <p:cTn id="7" fill="hold">
-                      <p:stCondLst>
-                        <p:cond delay="indefinite"/>
-                      </p:stCondLst>
-                      <p:childTnLst>
-                        <p:par>
-                          <p:cTn id="8" fill="hold">
-                            <p:stCondLst>
-                              <p:cond delay="0"/>
-                            </p:stCondLst>
-                            <p:childTnLst>
-                              <p:par>
-                                <p:cTn id="9" presetID="1" presetClass="entr" presetSubtype="0" fill="hold" nodeType="clickEffect">
-                                  <p:stCondLst>
-                                    <p:cond delay="0"/>
-                                  </p:stCondLst>
-                                  <p:childTnLst>
-                                    <p:set>
-                                      <p:cBhvr>
-                                        <p:cTn id="10" dur="1" fill="hold">
-                                          <p:stCondLst>
-                                            <p:cond delay="0"/>
-                                          </p:stCondLst>
-                                        </p:cTn>
-                                        <p:tgtEl>
-                                          <p:spTgt spid="3">
-                                            <p:txEl>
-                                              <p:pRg st="4" end="4"/>
-                                            </p:txEl>
-                                          </p:spTgt>
-                                        </p:tgtEl>
-                                        <p:attrNameLst>
-                                          <p:attrName>style.visibility</p:attrName>
-                                        </p:attrNameLst>
-                                      </p:cBhvr>
-                                      <p:to>
-                                        <p:strVal val="visible"/>
-                                      </p:to>
-                                    </p:set>
-                                  </p:childTnLst>
-                                </p:cTn>
-                              </p:par>
-                            </p:childTnLst>
-                          </p:cTn>
-                        </p:par>
-                      </p:childTnLst>
-                    </p:cTn>
-                  </p:par>
-                </p:childTnLst>
-              </p:cTn>
-              <p:prevCondLst>
-                <p:cond evt="onPrev" delay="0">
-                  <p:tgtEl>
-                    <p:sldTgt/>
-                  </p:tgtEl>
-                </p:cond>
-              </p:prevCondLst>
-              <p:nextCondLst>
-                <p:cond evt="onNext" delay="0">
-                  <p:tgtEl>
-                    <p:sldTgt/>
-                  </p:tgtEl>
-                </p:cond>
-              </p:nextCondLst>
-            </p:seq>
-          </p:childTnLst>
-        </p:cTn>
-      </p:par>
-    </p:tnLst>
-  </p:timing>
-</p:sld>
-</file>
-
 <file path=ppt/slides/slide2.xml><?xml version="1.0" encoding="utf-8"?>
 <p:sld xmlns:a="http://schemas.openxmlformats.org/drawingml/2006/main" xmlns:r="http://schemas.openxmlformats.org/officeDocument/2006/relationships" xmlns:p="http://schemas.openxmlformats.org/presentationml/2006/main">
   <p:cSld>
@@ -11931,281 +4258,6 @@
   <p:clrMapOvr>
     <a:masterClrMapping/>
   </p:clrMapOvr>
-</p:sld>
-</file>
-
-<file path=ppt/slides/slide20.xml><?xml version="1.0" encoding="utf-8"?>
-<p:sld xmlns:a="http://schemas.openxmlformats.org/drawingml/2006/main" xmlns:r="http://schemas.openxmlformats.org/officeDocument/2006/relationships" xmlns:p="http://schemas.openxmlformats.org/presentationml/2006/main">
-  <p:cSld>
-    <p:spTree>
-      <p:nvGrpSpPr>
-        <p:cNvPr id="1" name=""/>
-        <p:cNvGrpSpPr/>
-        <p:nvPr/>
-      </p:nvGrpSpPr>
-      <p:grpSpPr>
-        <a:xfrm>
-          <a:off x="0" y="0"/>
-          <a:ext cx="0" cy="0"/>
-          <a:chOff x="0" y="0"/>
-          <a:chExt cx="0" cy="0"/>
-        </a:xfrm>
-      </p:grpSpPr>
-      <p:sp>
-        <p:nvSpPr>
-          <p:cNvPr id="2" name="Title 1">
-            <a:extLst>
-              <a:ext uri="{FF2B5EF4-FFF2-40B4-BE49-F238E27FC236}">
-                <a16:creationId xmlns:a16="http://schemas.microsoft.com/office/drawing/2014/main" id="{237077F5-BF18-6802-9497-CDDDB507D589}"/>
-              </a:ext>
-            </a:extLst>
-          </p:cNvPr>
-          <p:cNvSpPr>
-            <a:spLocks noGrp="1"/>
-          </p:cNvSpPr>
-          <p:nvPr>
-            <p:ph type="title"/>
-          </p:nvPr>
-        </p:nvSpPr>
-        <p:spPr>
-          <a:xfrm>
-            <a:off x="127000" y="-23236"/>
-            <a:ext cx="10515600" cy="1325563"/>
-          </a:xfrm>
-        </p:spPr>
-        <p:txBody>
-          <a:bodyPr/>
-          <a:lstStyle/>
-          <a:p>
-            <a:r>
-              <a:rPr lang="en-US" dirty="0"/>
-              <a:t>Practice: Identify the Design</a:t>
-            </a:r>
-          </a:p>
-        </p:txBody>
-      </p:sp>
-      <p:sp>
-        <p:nvSpPr>
-          <p:cNvPr id="3" name="Content Placeholder 2">
-            <a:extLst>
-              <a:ext uri="{FF2B5EF4-FFF2-40B4-BE49-F238E27FC236}">
-                <a16:creationId xmlns:a16="http://schemas.microsoft.com/office/drawing/2014/main" id="{EA766FD2-6B49-31DE-197F-D0B81C16C021}"/>
-              </a:ext>
-            </a:extLst>
-          </p:cNvPr>
-          <p:cNvSpPr>
-            <a:spLocks noGrp="1"/>
-          </p:cNvSpPr>
-          <p:nvPr>
-            <p:ph idx="1"/>
-          </p:nvPr>
-        </p:nvSpPr>
-        <p:spPr>
-          <a:xfrm>
-            <a:off x="304800" y="1302327"/>
-            <a:ext cx="11637818" cy="5366328"/>
-          </a:xfrm>
-        </p:spPr>
-        <p:txBody>
-          <a:bodyPr>
-            <a:normAutofit/>
-          </a:bodyPr>
-          <a:lstStyle/>
-          <a:p>
-            <a:r>
-              <a:rPr lang="en-US" dirty="0"/>
-              <a:t> Suppose I want to see what proportion of people in Moscow Idaho liked the Star Wars sequel trilogy. So, I acquire a cadastral map (a map that shows the boundaries and ownership of land parcels) for Moscow, Idaho and group the </a:t>
-            </a:r>
-            <a:r>
-              <a:rPr lang="en-US" dirty="0" err="1"/>
-              <a:t>the</a:t>
-            </a:r>
-            <a:r>
-              <a:rPr lang="en-US" dirty="0"/>
-              <a:t> houses into city blocks. I take a random sample of city blocks and for each city block I selected and put a questionnaire in the mailboxes of all houses on that block. </a:t>
-            </a:r>
-          </a:p>
-          <a:p>
-            <a:endParaRPr lang="en-US" dirty="0"/>
-          </a:p>
-          <a:p>
-            <a:r>
-              <a:rPr lang="en-US" dirty="0"/>
-              <a:t>What is the sampling frame?</a:t>
-            </a:r>
-          </a:p>
-          <a:p>
-            <a:pPr marL="0" indent="0">
-              <a:buNone/>
-            </a:pPr>
-            <a:r>
-              <a:rPr lang="en-US" dirty="0">
-                <a:solidFill>
-                  <a:srgbClr val="FF0000"/>
-                </a:solidFill>
-              </a:rPr>
-              <a:t>The cadastral map of Moscow</a:t>
-            </a:r>
-          </a:p>
-          <a:p>
-            <a:r>
-              <a:rPr lang="en-US" dirty="0"/>
-              <a:t>What is the sampling design?</a:t>
-            </a:r>
-          </a:p>
-          <a:p>
-            <a:pPr marL="0" indent="0">
-              <a:buNone/>
-            </a:pPr>
-            <a:r>
-              <a:rPr lang="en-US" dirty="0">
-                <a:solidFill>
-                  <a:srgbClr val="FF0000"/>
-                </a:solidFill>
-              </a:rPr>
-              <a:t>Cluster Sampling </a:t>
-            </a:r>
-          </a:p>
-        </p:txBody>
-      </p:sp>
-    </p:spTree>
-    <p:extLst>
-      <p:ext uri="{BB962C8B-B14F-4D97-AF65-F5344CB8AC3E}">
-        <p14:creationId xmlns:p14="http://schemas.microsoft.com/office/powerpoint/2010/main" val="3547079633"/>
-      </p:ext>
-    </p:extLst>
-  </p:cSld>
-  <p:clrMapOvr>
-    <a:masterClrMapping/>
-  </p:clrMapOvr>
-  <p:timing>
-    <p:tnLst>
-      <p:par>
-        <p:cTn id="1" dur="indefinite" restart="never" nodeType="tmRoot">
-          <p:childTnLst>
-            <p:seq concurrent="1" nextAc="seek">
-              <p:cTn id="2" dur="indefinite" nodeType="mainSeq">
-                <p:childTnLst>
-                  <p:par>
-                    <p:cTn id="3" fill="hold">
-                      <p:stCondLst>
-                        <p:cond delay="indefinite"/>
-                      </p:stCondLst>
-                      <p:childTnLst>
-                        <p:par>
-                          <p:cTn id="4" fill="hold">
-                            <p:stCondLst>
-                              <p:cond delay="0"/>
-                            </p:stCondLst>
-                            <p:childTnLst>
-                              <p:par>
-                                <p:cTn id="5" presetID="1" presetClass="entr" presetSubtype="0" fill="hold" nodeType="clickEffect">
-                                  <p:stCondLst>
-                                    <p:cond delay="0"/>
-                                  </p:stCondLst>
-                                  <p:childTnLst>
-                                    <p:set>
-                                      <p:cBhvr>
-                                        <p:cTn id="6" dur="1" fill="hold">
-                                          <p:stCondLst>
-                                            <p:cond delay="0"/>
-                                          </p:stCondLst>
-                                        </p:cTn>
-                                        <p:tgtEl>
-                                          <p:spTgt spid="3">
-                                            <p:txEl>
-                                              <p:pRg st="3" end="3"/>
-                                            </p:txEl>
-                                          </p:spTgt>
-                                        </p:tgtEl>
-                                        <p:attrNameLst>
-                                          <p:attrName>style.visibility</p:attrName>
-                                        </p:attrNameLst>
-                                      </p:cBhvr>
-                                      <p:to>
-                                        <p:strVal val="visible"/>
-                                      </p:to>
-                                    </p:set>
-                                  </p:childTnLst>
-                                </p:cTn>
-                              </p:par>
-                            </p:childTnLst>
-                          </p:cTn>
-                        </p:par>
-                      </p:childTnLst>
-                    </p:cTn>
-                  </p:par>
-                  <p:par>
-                    <p:cTn id="7" fill="hold">
-                      <p:stCondLst>
-                        <p:cond delay="indefinite"/>
-                      </p:stCondLst>
-                      <p:childTnLst>
-                        <p:par>
-                          <p:cTn id="8" fill="hold">
-                            <p:stCondLst>
-                              <p:cond delay="0"/>
-                            </p:stCondLst>
-                            <p:childTnLst>
-                              <p:par>
-                                <p:cTn id="9" presetID="1" presetClass="entr" presetSubtype="0" fill="hold" nodeType="clickEffect">
-                                  <p:stCondLst>
-                                    <p:cond delay="0"/>
-                                  </p:stCondLst>
-                                  <p:childTnLst>
-                                    <p:set>
-                                      <p:cBhvr>
-                                        <p:cTn id="10" dur="1" fill="hold">
-                                          <p:stCondLst>
-                                            <p:cond delay="0"/>
-                                          </p:stCondLst>
-                                        </p:cTn>
-                                        <p:tgtEl>
-                                          <p:spTgt spid="3">
-                                            <p:txEl>
-                                              <p:pRg st="5" end="5"/>
-                                            </p:txEl>
-                                          </p:spTgt>
-                                        </p:tgtEl>
-                                        <p:attrNameLst>
-                                          <p:attrName>style.visibility</p:attrName>
-                                        </p:attrNameLst>
-                                      </p:cBhvr>
-                                      <p:to>
-                                        <p:strVal val="visible"/>
-                                      </p:to>
-                                    </p:set>
-                                  </p:childTnLst>
-                                </p:cTn>
-                              </p:par>
-                            </p:childTnLst>
-                          </p:cTn>
-                        </p:par>
-                      </p:childTnLst>
-                    </p:cTn>
-                  </p:par>
-                </p:childTnLst>
-              </p:cTn>
-              <p:prevCondLst>
-                <p:cond evt="onPrev" delay="0">
-                  <p:tgtEl>
-                    <p:sldTgt/>
-                  </p:tgtEl>
-                </p:cond>
-              </p:prevCondLst>
-              <p:nextCondLst>
-                <p:cond evt="onNext" delay="0">
-                  <p:tgtEl>
-                    <p:sldTgt/>
-                  </p:tgtEl>
-                </p:cond>
-              </p:nextCondLst>
-            </p:seq>
-          </p:childTnLst>
-        </p:cTn>
-      </p:par>
-    </p:tnLst>
-  </p:timing>
 </p:sld>
 </file>
 
